--- a/SSS-VehicleRegistrationSystem.pptx
+++ b/SSS-VehicleRegistrationSystem.pptx
@@ -2,15 +2,16 @@
 <file path=ppt/presentation.xml><?xml version="1.0" encoding="utf-8"?>
 <p:presentation xmlns:a="http://schemas.openxmlformats.org/drawingml/2006/main" xmlns:r="http://schemas.openxmlformats.org/officeDocument/2006/relationships" xmlns:p="http://schemas.openxmlformats.org/presentationml/2006/main" saveSubsetFonts="1">
   <p:sldMasterIdLst>
-    <p:sldMasterId id="2147483648" r:id="rId1"/>
+    <p:sldMasterId id="2147483660" r:id="rId1"/>
   </p:sldMasterIdLst>
   <p:sldIdLst>
-    <p:sldId id="302" r:id="rId2"/>
-    <p:sldId id="301" r:id="rId3"/>
-    <p:sldId id="261" r:id="rId4"/>
-    <p:sldId id="275" r:id="rId5"/>
-    <p:sldId id="285" r:id="rId6"/>
-    <p:sldId id="300" r:id="rId7"/>
+    <p:sldId id="259" r:id="rId2"/>
+    <p:sldId id="302" r:id="rId3"/>
+    <p:sldId id="301" r:id="rId4"/>
+    <p:sldId id="261" r:id="rId5"/>
+    <p:sldId id="275" r:id="rId6"/>
+    <p:sldId id="285" r:id="rId7"/>
+    <p:sldId id="300" r:id="rId8"/>
   </p:sldIdLst>
   <p:sldSz cx="12192000" cy="6858000"/>
   <p:notesSz cx="6858000" cy="9144000"/>
@@ -18,7 +19,7 @@
     <a:defPPr>
       <a:defRPr lang="en-US"/>
     </a:defPPr>
-    <a:lvl1pPr marL="0" algn="l" defTabSz="914400" rtl="0" eaLnBrk="1" latinLnBrk="0" hangingPunct="1">
+    <a:lvl1pPr marL="0" algn="l" defTabSz="457200" rtl="0" eaLnBrk="1" latinLnBrk="0" hangingPunct="1">
       <a:defRPr sz="1800" kern="1200">
         <a:solidFill>
           <a:schemeClr val="tx1"/>
@@ -28,7 +29,7 @@
         <a:cs typeface="+mn-cs"/>
       </a:defRPr>
     </a:lvl1pPr>
-    <a:lvl2pPr marL="457200" algn="l" defTabSz="914400" rtl="0" eaLnBrk="1" latinLnBrk="0" hangingPunct="1">
+    <a:lvl2pPr marL="457200" algn="l" defTabSz="457200" rtl="0" eaLnBrk="1" latinLnBrk="0" hangingPunct="1">
       <a:defRPr sz="1800" kern="1200">
         <a:solidFill>
           <a:schemeClr val="tx1"/>
@@ -38,7 +39,7 @@
         <a:cs typeface="+mn-cs"/>
       </a:defRPr>
     </a:lvl2pPr>
-    <a:lvl3pPr marL="914400" algn="l" defTabSz="914400" rtl="0" eaLnBrk="1" latinLnBrk="0" hangingPunct="1">
+    <a:lvl3pPr marL="914400" algn="l" defTabSz="457200" rtl="0" eaLnBrk="1" latinLnBrk="0" hangingPunct="1">
       <a:defRPr sz="1800" kern="1200">
         <a:solidFill>
           <a:schemeClr val="tx1"/>
@@ -48,7 +49,7 @@
         <a:cs typeface="+mn-cs"/>
       </a:defRPr>
     </a:lvl3pPr>
-    <a:lvl4pPr marL="1371600" algn="l" defTabSz="914400" rtl="0" eaLnBrk="1" latinLnBrk="0" hangingPunct="1">
+    <a:lvl4pPr marL="1371600" algn="l" defTabSz="457200" rtl="0" eaLnBrk="1" latinLnBrk="0" hangingPunct="1">
       <a:defRPr sz="1800" kern="1200">
         <a:solidFill>
           <a:schemeClr val="tx1"/>
@@ -58,7 +59,7 @@
         <a:cs typeface="+mn-cs"/>
       </a:defRPr>
     </a:lvl4pPr>
-    <a:lvl5pPr marL="1828800" algn="l" defTabSz="914400" rtl="0" eaLnBrk="1" latinLnBrk="0" hangingPunct="1">
+    <a:lvl5pPr marL="1828800" algn="l" defTabSz="457200" rtl="0" eaLnBrk="1" latinLnBrk="0" hangingPunct="1">
       <a:defRPr sz="1800" kern="1200">
         <a:solidFill>
           <a:schemeClr val="tx1"/>
@@ -68,7 +69,7 @@
         <a:cs typeface="+mn-cs"/>
       </a:defRPr>
     </a:lvl5pPr>
-    <a:lvl6pPr marL="2286000" algn="l" defTabSz="914400" rtl="0" eaLnBrk="1" latinLnBrk="0" hangingPunct="1">
+    <a:lvl6pPr marL="2286000" algn="l" defTabSz="457200" rtl="0" eaLnBrk="1" latinLnBrk="0" hangingPunct="1">
       <a:defRPr sz="1800" kern="1200">
         <a:solidFill>
           <a:schemeClr val="tx1"/>
@@ -78,7 +79,7 @@
         <a:cs typeface="+mn-cs"/>
       </a:defRPr>
     </a:lvl6pPr>
-    <a:lvl7pPr marL="2743200" algn="l" defTabSz="914400" rtl="0" eaLnBrk="1" latinLnBrk="0" hangingPunct="1">
+    <a:lvl7pPr marL="2743200" algn="l" defTabSz="457200" rtl="0" eaLnBrk="1" latinLnBrk="0" hangingPunct="1">
       <a:defRPr sz="1800" kern="1200">
         <a:solidFill>
           <a:schemeClr val="tx1"/>
@@ -88,7 +89,7 @@
         <a:cs typeface="+mn-cs"/>
       </a:defRPr>
     </a:lvl7pPr>
-    <a:lvl8pPr marL="3200400" algn="l" defTabSz="914400" rtl="0" eaLnBrk="1" latinLnBrk="0" hangingPunct="1">
+    <a:lvl8pPr marL="3200400" algn="l" defTabSz="457200" rtl="0" eaLnBrk="1" latinLnBrk="0" hangingPunct="1">
       <a:defRPr sz="1800" kern="1200">
         <a:solidFill>
           <a:schemeClr val="tx1"/>
@@ -98,7 +99,7 @@
         <a:cs typeface="+mn-cs"/>
       </a:defRPr>
     </a:lvl8pPr>
-    <a:lvl9pPr marL="3657600" algn="l" defTabSz="914400" rtl="0" eaLnBrk="1" latinLnBrk="0" hangingPunct="1">
+    <a:lvl9pPr marL="3657600" algn="l" defTabSz="457200" rtl="0" eaLnBrk="1" latinLnBrk="0" hangingPunct="1">
       <a:defRPr sz="1800" kern="1200">
         <a:solidFill>
           <a:schemeClr val="tx1"/>
@@ -109,6 +110,11 @@
       </a:defRPr>
     </a:lvl9pPr>
   </p:defaultTextStyle>
+  <p:extLst>
+    <p:ext uri="{EFAFB233-063F-42B5-8137-9DF3F51BA10A}">
+      <p15:sldGuideLst xmlns:p15="http://schemas.microsoft.com/office/powerpoint/2012/main"/>
+    </p:ext>
+  </p:extLst>
 </p:presentation>
 </file>
 
@@ -4537,7 +4543,7 @@
             <a:alphaOff val="0"/>
           </a:schemeClr>
         </a:solidFill>
-        <a:ln w="12700" cap="flat" cmpd="sng" algn="ctr">
+        <a:ln w="15875" cap="flat" cmpd="sng" algn="ctr">
           <a:solidFill>
             <a:schemeClr val="accent2">
               <a:hueOff val="0"/>
@@ -4547,7 +4553,6 @@
             </a:schemeClr>
           </a:solidFill>
           <a:prstDash val="solid"/>
-          <a:miter lim="800000"/>
         </a:ln>
         <a:effectLst/>
       </dsp:spPr>
@@ -4685,7 +4690,7 @@
             <a:alphaOff val="0"/>
           </a:schemeClr>
         </a:solidFill>
-        <a:ln w="12700" cap="flat" cmpd="sng" algn="ctr">
+        <a:ln w="15875" cap="flat" cmpd="sng" algn="ctr">
           <a:solidFill>
             <a:schemeClr val="accent2">
               <a:hueOff val="0"/>
@@ -4695,7 +4700,6 @@
             </a:schemeClr>
           </a:solidFill>
           <a:prstDash val="solid"/>
-          <a:miter lim="800000"/>
         </a:ln>
         <a:effectLst/>
       </dsp:spPr>
@@ -4765,7 +4769,7 @@
             <a:alphaOff val="0"/>
           </a:schemeClr>
         </a:solidFill>
-        <a:ln w="12700" cap="flat" cmpd="sng" algn="ctr">
+        <a:ln w="15875" cap="flat" cmpd="sng" algn="ctr">
           <a:solidFill>
             <a:schemeClr val="accent2">
               <a:tint val="40000"/>
@@ -4777,7 +4781,6 @@
             </a:schemeClr>
           </a:solidFill>
           <a:prstDash val="solid"/>
-          <a:miter lim="800000"/>
         </a:ln>
         <a:effectLst/>
       </dsp:spPr>
@@ -4819,7 +4822,7 @@
             <a:alphaOff val="0"/>
           </a:schemeClr>
         </a:solidFill>
-        <a:ln w="12700" cap="flat" cmpd="sng" algn="ctr">
+        <a:ln w="15875" cap="flat" cmpd="sng" algn="ctr">
           <a:solidFill>
             <a:schemeClr val="accent3">
               <a:hueOff val="0"/>
@@ -4829,7 +4832,6 @@
             </a:schemeClr>
           </a:solidFill>
           <a:prstDash val="solid"/>
-          <a:miter lim="800000"/>
         </a:ln>
         <a:effectLst/>
       </dsp:spPr>
@@ -4949,7 +4951,7 @@
             <a:alphaOff val="0"/>
           </a:schemeClr>
         </a:solidFill>
-        <a:ln w="12700" cap="flat" cmpd="sng" algn="ctr">
+        <a:ln w="15875" cap="flat" cmpd="sng" algn="ctr">
           <a:solidFill>
             <a:schemeClr val="accent3">
               <a:hueOff val="0"/>
@@ -4959,7 +4961,6 @@
             </a:schemeClr>
           </a:solidFill>
           <a:prstDash val="solid"/>
-          <a:miter lim="800000"/>
         </a:ln>
         <a:effectLst/>
       </dsp:spPr>
@@ -5029,7 +5030,7 @@
             <a:alphaOff val="0"/>
           </a:schemeClr>
         </a:solidFill>
-        <a:ln w="12700" cap="flat" cmpd="sng" algn="ctr">
+        <a:ln w="15875" cap="flat" cmpd="sng" algn="ctr">
           <a:solidFill>
             <a:schemeClr val="accent3">
               <a:tint val="40000"/>
@@ -5041,7 +5042,6 @@
             </a:schemeClr>
           </a:solidFill>
           <a:prstDash val="solid"/>
-          <a:miter lim="800000"/>
         </a:ln>
         <a:effectLst/>
       </dsp:spPr>
@@ -5083,7 +5083,7 @@
             <a:alphaOff val="0"/>
           </a:schemeClr>
         </a:solidFill>
-        <a:ln w="12700" cap="flat" cmpd="sng" algn="ctr">
+        <a:ln w="15875" cap="flat" cmpd="sng" algn="ctr">
           <a:solidFill>
             <a:schemeClr val="accent4">
               <a:hueOff val="0"/>
@@ -5093,7 +5093,6 @@
             </a:schemeClr>
           </a:solidFill>
           <a:prstDash val="solid"/>
-          <a:miter lim="800000"/>
         </a:ln>
         <a:effectLst/>
       </dsp:spPr>
@@ -5213,7 +5212,7 @@
             <a:alphaOff val="0"/>
           </a:schemeClr>
         </a:solidFill>
-        <a:ln w="12700" cap="flat" cmpd="sng" algn="ctr">
+        <a:ln w="15875" cap="flat" cmpd="sng" algn="ctr">
           <a:solidFill>
             <a:schemeClr val="accent4">
               <a:hueOff val="0"/>
@@ -5223,7 +5222,6 @@
             </a:schemeClr>
           </a:solidFill>
           <a:prstDash val="solid"/>
-          <a:miter lim="800000"/>
         </a:ln>
         <a:effectLst/>
       </dsp:spPr>
@@ -5293,7 +5291,7 @@
             <a:alphaOff val="0"/>
           </a:schemeClr>
         </a:solidFill>
-        <a:ln w="12700" cap="flat" cmpd="sng" algn="ctr">
+        <a:ln w="15875" cap="flat" cmpd="sng" algn="ctr">
           <a:solidFill>
             <a:schemeClr val="accent4">
               <a:tint val="40000"/>
@@ -5305,7 +5303,6 @@
             </a:schemeClr>
           </a:solidFill>
           <a:prstDash val="solid"/>
-          <a:miter lim="800000"/>
         </a:ln>
         <a:effectLst/>
       </dsp:spPr>
@@ -5347,7 +5344,7 @@
             <a:alphaOff val="0"/>
           </a:schemeClr>
         </a:solidFill>
-        <a:ln w="12700" cap="flat" cmpd="sng" algn="ctr">
+        <a:ln w="15875" cap="flat" cmpd="sng" algn="ctr">
           <a:solidFill>
             <a:schemeClr val="accent5">
               <a:hueOff val="0"/>
@@ -5357,7 +5354,6 @@
             </a:schemeClr>
           </a:solidFill>
           <a:prstDash val="solid"/>
-          <a:miter lim="800000"/>
         </a:ln>
         <a:effectLst/>
       </dsp:spPr>
@@ -5459,7 +5455,7 @@
             <a:alphaOff val="0"/>
           </a:schemeClr>
         </a:solidFill>
-        <a:ln w="12700" cap="flat" cmpd="sng" algn="ctr">
+        <a:ln w="15875" cap="flat" cmpd="sng" algn="ctr">
           <a:solidFill>
             <a:schemeClr val="accent5">
               <a:hueOff val="0"/>
@@ -5469,7 +5465,6 @@
             </a:schemeClr>
           </a:solidFill>
           <a:prstDash val="solid"/>
-          <a:miter lim="800000"/>
         </a:ln>
         <a:effectLst/>
       </dsp:spPr>
@@ -5539,7 +5534,7 @@
             <a:alphaOff val="0"/>
           </a:schemeClr>
         </a:solidFill>
-        <a:ln w="12700" cap="flat" cmpd="sng" algn="ctr">
+        <a:ln w="15875" cap="flat" cmpd="sng" algn="ctr">
           <a:solidFill>
             <a:schemeClr val="accent5">
               <a:tint val="40000"/>
@@ -5551,7 +5546,6 @@
             </a:schemeClr>
           </a:solidFill>
           <a:prstDash val="solid"/>
-          <a:miter lim="800000"/>
         </a:ln>
         <a:effectLst/>
       </dsp:spPr>
@@ -5593,7 +5587,7 @@
             <a:alphaOff val="0"/>
           </a:schemeClr>
         </a:solidFill>
-        <a:ln w="12700" cap="flat" cmpd="sng" algn="ctr">
+        <a:ln w="15875" cap="flat" cmpd="sng" algn="ctr">
           <a:solidFill>
             <a:schemeClr val="accent6">
               <a:hueOff val="0"/>
@@ -5603,7 +5597,6 @@
             </a:schemeClr>
           </a:solidFill>
           <a:prstDash val="solid"/>
-          <a:miter lim="800000"/>
         </a:ln>
         <a:effectLst/>
       </dsp:spPr>
@@ -5777,7 +5770,7 @@
             <a:alphaOff val="0"/>
           </a:schemeClr>
         </a:solidFill>
-        <a:ln w="12700" cap="flat" cmpd="sng" algn="ctr">
+        <a:ln w="15875" cap="flat" cmpd="sng" algn="ctr">
           <a:solidFill>
             <a:schemeClr val="accent6">
               <a:hueOff val="0"/>
@@ -5787,7 +5780,6 @@
             </a:schemeClr>
           </a:solidFill>
           <a:prstDash val="solid"/>
-          <a:miter lim="800000"/>
         </a:ln>
         <a:effectLst/>
       </dsp:spPr>
@@ -5857,7 +5849,7 @@
             <a:alphaOff val="0"/>
           </a:schemeClr>
         </a:solidFill>
-        <a:ln w="12700" cap="flat" cmpd="sng" algn="ctr">
+        <a:ln w="15875" cap="flat" cmpd="sng" algn="ctr">
           <a:solidFill>
             <a:schemeClr val="accent6">
               <a:tint val="40000"/>
@@ -5869,7 +5861,6 @@
             </a:schemeClr>
           </a:solidFill>
           <a:prstDash val="solid"/>
-          <a:miter lim="800000"/>
         </a:ln>
         <a:effectLst/>
       </dsp:spPr>
@@ -5911,7 +5902,7 @@
             <a:alphaOff val="0"/>
           </a:schemeClr>
         </a:solidFill>
-        <a:ln w="12700" cap="flat" cmpd="sng" algn="ctr">
+        <a:ln w="15875" cap="flat" cmpd="sng" algn="ctr">
           <a:solidFill>
             <a:schemeClr val="accent2">
               <a:hueOff val="0"/>
@@ -5921,7 +5912,6 @@
             </a:schemeClr>
           </a:solidFill>
           <a:prstDash val="solid"/>
-          <a:miter lim="800000"/>
         </a:ln>
         <a:effectLst/>
       </dsp:spPr>
@@ -6028,7 +6018,7 @@
             <a:alphaOff val="0"/>
           </a:schemeClr>
         </a:solidFill>
-        <a:ln w="12700" cap="flat" cmpd="sng" algn="ctr">
+        <a:ln w="15875" cap="flat" cmpd="sng" algn="ctr">
           <a:solidFill>
             <a:schemeClr val="accent2">
               <a:hueOff val="0"/>
@@ -6038,7 +6028,6 @@
             </a:schemeClr>
           </a:solidFill>
           <a:prstDash val="solid"/>
-          <a:miter lim="800000"/>
         </a:ln>
         <a:effectLst/>
       </dsp:spPr>
@@ -6108,7 +6097,7 @@
             <a:alphaOff val="0"/>
           </a:schemeClr>
         </a:solidFill>
-        <a:ln w="12700" cap="flat" cmpd="sng" algn="ctr">
+        <a:ln w="15875" cap="flat" cmpd="sng" algn="ctr">
           <a:solidFill>
             <a:schemeClr val="accent2">
               <a:tint val="40000"/>
@@ -6120,7 +6109,6 @@
             </a:schemeClr>
           </a:solidFill>
           <a:prstDash val="solid"/>
-          <a:miter lim="800000"/>
         </a:ln>
         <a:effectLst/>
       </dsp:spPr>
@@ -6162,7 +6150,7 @@
             <a:alphaOff val="0"/>
           </a:schemeClr>
         </a:solidFill>
-        <a:ln w="12700" cap="flat" cmpd="sng" algn="ctr">
+        <a:ln w="15875" cap="flat" cmpd="sng" algn="ctr">
           <a:solidFill>
             <a:schemeClr val="accent3">
               <a:hueOff val="0"/>
@@ -6172,7 +6160,6 @@
             </a:schemeClr>
           </a:solidFill>
           <a:prstDash val="solid"/>
-          <a:miter lim="800000"/>
         </a:ln>
         <a:effectLst/>
       </dsp:spPr>
@@ -6292,7 +6279,7 @@
             <a:alphaOff val="0"/>
           </a:schemeClr>
         </a:solidFill>
-        <a:ln w="12700" cap="flat" cmpd="sng" algn="ctr">
+        <a:ln w="15875" cap="flat" cmpd="sng" algn="ctr">
           <a:solidFill>
             <a:schemeClr val="accent3">
               <a:hueOff val="0"/>
@@ -6302,7 +6289,6 @@
             </a:schemeClr>
           </a:solidFill>
           <a:prstDash val="solid"/>
-          <a:miter lim="800000"/>
         </a:ln>
         <a:effectLst/>
       </dsp:spPr>
@@ -6372,7 +6358,7 @@
             <a:alphaOff val="0"/>
           </a:schemeClr>
         </a:solidFill>
-        <a:ln w="12700" cap="flat" cmpd="sng" algn="ctr">
+        <a:ln w="15875" cap="flat" cmpd="sng" algn="ctr">
           <a:solidFill>
             <a:schemeClr val="accent3">
               <a:tint val="40000"/>
@@ -6384,7 +6370,6 @@
             </a:schemeClr>
           </a:solidFill>
           <a:prstDash val="solid"/>
-          <a:miter lim="800000"/>
         </a:ln>
         <a:effectLst/>
       </dsp:spPr>
@@ -6426,7 +6411,7 @@
             <a:alphaOff val="0"/>
           </a:schemeClr>
         </a:solidFill>
-        <a:ln w="12700" cap="flat" cmpd="sng" algn="ctr">
+        <a:ln w="15875" cap="flat" cmpd="sng" algn="ctr">
           <a:solidFill>
             <a:schemeClr val="accent4">
               <a:hueOff val="0"/>
@@ -6436,7 +6421,6 @@
             </a:schemeClr>
           </a:solidFill>
           <a:prstDash val="solid"/>
-          <a:miter lim="800000"/>
         </a:ln>
         <a:effectLst/>
       </dsp:spPr>
@@ -6574,7 +6558,7 @@
             <a:alphaOff val="0"/>
           </a:schemeClr>
         </a:solidFill>
-        <a:ln w="12700" cap="flat" cmpd="sng" algn="ctr">
+        <a:ln w="15875" cap="flat" cmpd="sng" algn="ctr">
           <a:solidFill>
             <a:schemeClr val="accent4">
               <a:hueOff val="0"/>
@@ -6584,7 +6568,6 @@
             </a:schemeClr>
           </a:solidFill>
           <a:prstDash val="solid"/>
-          <a:miter lim="800000"/>
         </a:ln>
         <a:effectLst/>
       </dsp:spPr>
@@ -6654,7 +6637,7 @@
             <a:alphaOff val="0"/>
           </a:schemeClr>
         </a:solidFill>
-        <a:ln w="12700" cap="flat" cmpd="sng" algn="ctr">
+        <a:ln w="15875" cap="flat" cmpd="sng" algn="ctr">
           <a:solidFill>
             <a:schemeClr val="accent4">
               <a:tint val="40000"/>
@@ -6666,7 +6649,6 @@
             </a:schemeClr>
           </a:solidFill>
           <a:prstDash val="solid"/>
-          <a:miter lim="800000"/>
         </a:ln>
         <a:effectLst/>
       </dsp:spPr>
@@ -6708,7 +6690,7 @@
             <a:alphaOff val="0"/>
           </a:schemeClr>
         </a:solidFill>
-        <a:ln w="12700" cap="flat" cmpd="sng" algn="ctr">
+        <a:ln w="15875" cap="flat" cmpd="sng" algn="ctr">
           <a:solidFill>
             <a:schemeClr val="accent5">
               <a:hueOff val="0"/>
@@ -6718,7 +6700,6 @@
             </a:schemeClr>
           </a:solidFill>
           <a:prstDash val="solid"/>
-          <a:miter lim="800000"/>
         </a:ln>
         <a:effectLst/>
       </dsp:spPr>
@@ -6820,7 +6801,7 @@
             <a:alphaOff val="0"/>
           </a:schemeClr>
         </a:solidFill>
-        <a:ln w="12700" cap="flat" cmpd="sng" algn="ctr">
+        <a:ln w="15875" cap="flat" cmpd="sng" algn="ctr">
           <a:solidFill>
             <a:schemeClr val="accent5">
               <a:hueOff val="0"/>
@@ -6830,7 +6811,6 @@
             </a:schemeClr>
           </a:solidFill>
           <a:prstDash val="solid"/>
-          <a:miter lim="800000"/>
         </a:ln>
         <a:effectLst/>
       </dsp:spPr>
@@ -6900,7 +6880,7 @@
             <a:alphaOff val="0"/>
           </a:schemeClr>
         </a:solidFill>
-        <a:ln w="12700" cap="flat" cmpd="sng" algn="ctr">
+        <a:ln w="15875" cap="flat" cmpd="sng" algn="ctr">
           <a:solidFill>
             <a:schemeClr val="accent5">
               <a:tint val="40000"/>
@@ -6912,7 +6892,6 @@
             </a:schemeClr>
           </a:solidFill>
           <a:prstDash val="solid"/>
-          <a:miter lim="800000"/>
         </a:ln>
         <a:effectLst/>
       </dsp:spPr>
@@ -6969,7 +6948,7 @@
           </a:pathLst>
         </a:custGeom>
         <a:noFill/>
-        <a:ln w="12700" cap="flat" cmpd="sng" algn="ctr">
+        <a:ln w="15875" cap="flat" cmpd="sng" algn="ctr">
           <a:solidFill>
             <a:schemeClr val="accent4">
               <a:hueOff val="0"/>
@@ -6979,7 +6958,6 @@
             </a:schemeClr>
           </a:solidFill>
           <a:prstDash val="solid"/>
-          <a:miter lim="800000"/>
         </a:ln>
         <a:effectLst/>
         <a:sp3d z="-25400" prstMaterial="plastic"/>
@@ -7027,7 +7005,7 @@
           </a:pathLst>
         </a:custGeom>
         <a:noFill/>
-        <a:ln w="12700" cap="flat" cmpd="sng" algn="ctr">
+        <a:ln w="15875" cap="flat" cmpd="sng" algn="ctr">
           <a:solidFill>
             <a:schemeClr val="accent4">
               <a:hueOff val="0"/>
@@ -7037,7 +7015,6 @@
             </a:schemeClr>
           </a:solidFill>
           <a:prstDash val="solid"/>
-          <a:miter lim="800000"/>
         </a:ln>
         <a:effectLst/>
         <a:sp3d z="-25400" prstMaterial="plastic"/>
@@ -7085,7 +7062,7 @@
           </a:pathLst>
         </a:custGeom>
         <a:noFill/>
-        <a:ln w="12700" cap="flat" cmpd="sng" algn="ctr">
+        <a:ln w="15875" cap="flat" cmpd="sng" algn="ctr">
           <a:solidFill>
             <a:schemeClr val="accent4">
               <a:hueOff val="0"/>
@@ -7095,7 +7072,6 @@
             </a:schemeClr>
           </a:solidFill>
           <a:prstDash val="solid"/>
-          <a:miter lim="800000"/>
         </a:ln>
         <a:effectLst/>
         <a:sp3d z="-25400" prstMaterial="plastic"/>
@@ -7138,7 +7114,13 @@
         <a:ln>
           <a:noFill/>
         </a:ln>
-        <a:effectLst/>
+        <a:effectLst>
+          <a:outerShdw blurRad="50800" dist="25400" dir="5400000" rotWithShape="0">
+            <a:srgbClr val="000000">
+              <a:alpha val="28000"/>
+            </a:srgbClr>
+          </a:outerShdw>
+        </a:effectLst>
         <a:sp3d prstMaterial="plastic">
           <a:bevelT w="50800" h="50800"/>
           <a:bevelB w="50800" h="50800"/>
@@ -7174,16 +7156,22 @@
         </a:prstGeom>
         <a:solidFill>
           <a:schemeClr val="accent4">
-            <a:hueOff val="3266964"/>
-            <a:satOff val="-13592"/>
-            <a:lumOff val="3203"/>
+            <a:hueOff val="-329805"/>
+            <a:satOff val="-1897"/>
+            <a:lumOff val="-1504"/>
             <a:alphaOff val="0"/>
           </a:schemeClr>
         </a:solidFill>
         <a:ln>
           <a:noFill/>
         </a:ln>
-        <a:effectLst/>
+        <a:effectLst>
+          <a:outerShdw blurRad="50800" dist="25400" dir="5400000" rotWithShape="0">
+            <a:srgbClr val="000000">
+              <a:alpha val="28000"/>
+            </a:srgbClr>
+          </a:outerShdw>
+        </a:effectLst>
         <a:sp3d prstMaterial="plastic">
           <a:bevelT w="50800" h="50800"/>
           <a:bevelB w="50800" h="50800"/>
@@ -7333,16 +7321,22 @@
         </a:prstGeom>
         <a:solidFill>
           <a:schemeClr val="accent4">
-            <a:hueOff val="6533927"/>
-            <a:satOff val="-27185"/>
-            <a:lumOff val="6405"/>
+            <a:hueOff val="-659609"/>
+            <a:satOff val="-3793"/>
+            <a:lumOff val="-3007"/>
             <a:alphaOff val="0"/>
           </a:schemeClr>
         </a:solidFill>
         <a:ln>
           <a:noFill/>
         </a:ln>
-        <a:effectLst/>
+        <a:effectLst>
+          <a:outerShdw blurRad="50800" dist="25400" dir="5400000" rotWithShape="0">
+            <a:srgbClr val="000000">
+              <a:alpha val="28000"/>
+            </a:srgbClr>
+          </a:outerShdw>
+        </a:effectLst>
         <a:sp3d prstMaterial="plastic">
           <a:bevelT w="50800" h="50800"/>
           <a:bevelB w="50800" h="50800"/>
@@ -7492,16 +7486,22 @@
         </a:prstGeom>
         <a:solidFill>
           <a:schemeClr val="accent4">
-            <a:hueOff val="9800891"/>
-            <a:satOff val="-40777"/>
-            <a:lumOff val="9608"/>
+            <a:hueOff val="-989414"/>
+            <a:satOff val="-5690"/>
+            <a:lumOff val="-4511"/>
             <a:alphaOff val="0"/>
           </a:schemeClr>
         </a:solidFill>
         <a:ln>
           <a:noFill/>
         </a:ln>
-        <a:effectLst/>
+        <a:effectLst>
+          <a:outerShdw blurRad="50800" dist="25400" dir="5400000" rotWithShape="0">
+            <a:srgbClr val="000000">
+              <a:alpha val="28000"/>
+            </a:srgbClr>
+          </a:outerShdw>
+        </a:effectLst>
         <a:sp3d prstMaterial="plastic">
           <a:bevelT w="50800" h="50800"/>
           <a:bevelB w="50800" h="50800"/>
@@ -10428,15 +10428,39 @@
           <a:chExt cx="0" cy="0"/>
         </a:xfrm>
       </p:grpSpPr>
+      <p:pic>
+        <p:nvPicPr>
+          <p:cNvPr id="7" name="Picture 6" descr="Droplets-HD-Title-R1d.png"/>
+          <p:cNvPicPr>
+            <a:picLocks noChangeAspect="1"/>
+          </p:cNvPicPr>
+          <p:nvPr/>
+        </p:nvPicPr>
+        <p:blipFill>
+          <a:blip r:embed="rId2">
+            <a:extLst>
+              <a:ext uri="{28A0092B-C50C-407E-A947-70E740481C1C}">
+                <a14:useLocalDpi xmlns:a14="http://schemas.microsoft.com/office/drawing/2010/main" val="0"/>
+              </a:ext>
+            </a:extLst>
+          </a:blip>
+          <a:stretch>
+            <a:fillRect/>
+          </a:stretch>
+        </p:blipFill>
+        <p:spPr>
+          <a:xfrm>
+            <a:off x="0" y="0"/>
+            <a:ext cx="12192000" cy="6858000"/>
+          </a:xfrm>
+          <a:prstGeom prst="rect">
+            <a:avLst/>
+          </a:prstGeom>
+        </p:spPr>
+      </p:pic>
       <p:sp>
         <p:nvSpPr>
-          <p:cNvPr id="2" name="Title 1">
-            <a:extLst>
-              <a:ext uri="{FF2B5EF4-FFF2-40B4-BE49-F238E27FC236}">
-                <a16:creationId xmlns:a16="http://schemas.microsoft.com/office/drawing/2014/main" id="{B254B35B-7F1A-4ECB-B5FD-8CB43B181FDC}"/>
-              </a:ext>
-            </a:extLst>
-          </p:cNvPr>
+          <p:cNvPr id="2" name="Title 1"/>
           <p:cNvSpPr>
             <a:spLocks noGrp="1"/>
           </p:cNvSpPr>
@@ -10446,15 +10470,17 @@
         </p:nvSpPr>
         <p:spPr>
           <a:xfrm>
-            <a:off x="1524000" y="1122363"/>
-            <a:ext cx="9144000" cy="2387600"/>
+            <a:off x="1751012" y="1300785"/>
+            <a:ext cx="8689976" cy="2509213"/>
           </a:xfrm>
         </p:spPr>
         <p:txBody>
-          <a:bodyPr anchor="b"/>
+          <a:bodyPr anchor="b">
+            <a:normAutofit/>
+          </a:bodyPr>
           <a:lstStyle>
             <a:lvl1pPr algn="ctr">
-              <a:defRPr sz="6000"/>
+              <a:defRPr sz="4800"/>
             </a:lvl1pPr>
           </a:lstStyle>
           <a:p>
@@ -10462,19 +10488,13 @@
               <a:rPr lang="en-US"/>
               <a:t>Click to edit Master title style</a:t>
             </a:r>
-            <a:endParaRPr lang="en-CA"/>
+            <a:endParaRPr lang="en-US" dirty="0"/>
           </a:p>
         </p:txBody>
       </p:sp>
       <p:sp>
         <p:nvSpPr>
-          <p:cNvPr id="3" name="Subtitle 2">
-            <a:extLst>
-              <a:ext uri="{FF2B5EF4-FFF2-40B4-BE49-F238E27FC236}">
-                <a16:creationId xmlns:a16="http://schemas.microsoft.com/office/drawing/2014/main" id="{E7B95218-3D80-4B5F-827C-714311010967}"/>
-              </a:ext>
-            </a:extLst>
-          </p:cNvPr>
+          <p:cNvPr id="3" name="Subtitle 2"/>
           <p:cNvSpPr>
             <a:spLocks noGrp="1"/>
           </p:cNvSpPr>
@@ -10484,16 +10504,24 @@
         </p:nvSpPr>
         <p:spPr>
           <a:xfrm>
-            <a:off x="1524000" y="3602038"/>
-            <a:ext cx="9144000" cy="1655762"/>
+            <a:off x="1751012" y="3886200"/>
+            <a:ext cx="8689976" cy="1371599"/>
           </a:xfrm>
         </p:spPr>
         <p:txBody>
-          <a:bodyPr/>
+          <a:bodyPr>
+            <a:normAutofit/>
+          </a:bodyPr>
           <a:lstStyle>
             <a:lvl1pPr marL="0" indent="0" algn="ctr">
               <a:buNone/>
-              <a:defRPr sz="2400"/>
+              <a:defRPr sz="2200">
+                <a:solidFill>
+                  <a:schemeClr val="bg1">
+                    <a:lumMod val="50000"/>
+                  </a:schemeClr>
+                </a:solidFill>
+              </a:defRPr>
             </a:lvl1pPr>
             <a:lvl2pPr marL="457200" indent="0" algn="ctr">
               <a:buNone/>
@@ -10533,19 +10561,13 @@
               <a:rPr lang="en-US"/>
               <a:t>Click to edit Master subtitle style</a:t>
             </a:r>
-            <a:endParaRPr lang="en-CA"/>
+            <a:endParaRPr lang="en-US" dirty="0"/>
           </a:p>
         </p:txBody>
       </p:sp>
       <p:sp>
         <p:nvSpPr>
-          <p:cNvPr id="4" name="Date Placeholder 3">
-            <a:extLst>
-              <a:ext uri="{FF2B5EF4-FFF2-40B4-BE49-F238E27FC236}">
-                <a16:creationId xmlns:a16="http://schemas.microsoft.com/office/drawing/2014/main" id="{3300C0BA-50D3-4475-9C42-518DE86F0D2D}"/>
-              </a:ext>
-            </a:extLst>
-          </p:cNvPr>
+          <p:cNvPr id="4" name="Date Placeholder 3"/>
           <p:cNvSpPr>
             <a:spLocks noGrp="1"/>
           </p:cNvSpPr>
@@ -10560,7 +10582,7 @@
           <a:p>
             <a:fld id="{A3023D7F-90D5-49D0-B78A-601D14CAF387}" type="datetimeFigureOut">
               <a:rPr lang="en-CA" smtClean="0"/>
-              <a:t>2019-07-16</a:t>
+              <a:t>2019-07-17</a:t>
             </a:fld>
             <a:endParaRPr lang="en-CA"/>
           </a:p>
@@ -10568,13 +10590,7 @@
       </p:sp>
       <p:sp>
         <p:nvSpPr>
-          <p:cNvPr id="5" name="Footer Placeholder 4">
-            <a:extLst>
-              <a:ext uri="{FF2B5EF4-FFF2-40B4-BE49-F238E27FC236}">
-                <a16:creationId xmlns:a16="http://schemas.microsoft.com/office/drawing/2014/main" id="{C306D9B5-DE0D-4865-879A-7CBFFACAE9C2}"/>
-              </a:ext>
-            </a:extLst>
-          </p:cNvPr>
+          <p:cNvPr id="5" name="Footer Placeholder 4"/>
           <p:cNvSpPr>
             <a:spLocks noGrp="1"/>
           </p:cNvSpPr>
@@ -10593,13 +10609,7 @@
       </p:sp>
       <p:sp>
         <p:nvSpPr>
-          <p:cNvPr id="6" name="Slide Number Placeholder 5">
-            <a:extLst>
-              <a:ext uri="{FF2B5EF4-FFF2-40B4-BE49-F238E27FC236}">
-                <a16:creationId xmlns:a16="http://schemas.microsoft.com/office/drawing/2014/main" id="{01C47F5D-2487-4F11-9284-CE05DE35B834}"/>
-              </a:ext>
-            </a:extLst>
-          </p:cNvPr>
+          <p:cNvPr id="6" name="Slide Number Placeholder 5"/>
           <p:cNvSpPr>
             <a:spLocks noGrp="1"/>
           </p:cNvSpPr>
@@ -10623,7 +10633,7 @@
     </p:spTree>
     <p:extLst>
       <p:ext uri="{BB962C8B-B14F-4D97-AF65-F5344CB8AC3E}">
-        <p14:creationId xmlns:p14="http://schemas.microsoft.com/office/powerpoint/2010/main" val="831924963"/>
+        <p14:creationId xmlns:p14="http://schemas.microsoft.com/office/powerpoint/2010/main" val="1250070141"/>
       </p:ext>
     </p:extLst>
   </p:cSld>
@@ -10634,8 +10644,8 @@
 </file>
 
 <file path=ppt/slideLayouts/slideLayout10.xml><?xml version="1.0" encoding="utf-8"?>
-<p:sldLayout xmlns:a="http://schemas.openxmlformats.org/drawingml/2006/main" xmlns:r="http://schemas.openxmlformats.org/officeDocument/2006/relationships" xmlns:p="http://schemas.openxmlformats.org/presentationml/2006/main" type="vertTx" preserve="1">
-  <p:cSld name="Title and Vertical Text">
+<p:sldLayout xmlns:a="http://schemas.openxmlformats.org/drawingml/2006/main" xmlns:r="http://schemas.openxmlformats.org/officeDocument/2006/relationships" xmlns:p="http://schemas.openxmlformats.org/presentationml/2006/main" preserve="1">
+  <p:cSld name="Panoramic Picture with Caption">
     <p:spTree>
       <p:nvGrpSpPr>
         <p:cNvPr id="1" name=""/>
@@ -10650,15 +10660,39 @@
           <a:chExt cx="0" cy="0"/>
         </a:xfrm>
       </p:grpSpPr>
+      <p:pic>
+        <p:nvPicPr>
+          <p:cNvPr id="10" name="Picture 9" descr="Droplets-HD-Content-R1d.png"/>
+          <p:cNvPicPr>
+            <a:picLocks noChangeAspect="1"/>
+          </p:cNvPicPr>
+          <p:nvPr/>
+        </p:nvPicPr>
+        <p:blipFill>
+          <a:blip r:embed="rId2">
+            <a:extLst>
+              <a:ext uri="{28A0092B-C50C-407E-A947-70E740481C1C}">
+                <a14:useLocalDpi xmlns:a14="http://schemas.microsoft.com/office/drawing/2010/main" val="0"/>
+              </a:ext>
+            </a:extLst>
+          </a:blip>
+          <a:stretch>
+            <a:fillRect/>
+          </a:stretch>
+        </p:blipFill>
+        <p:spPr>
+          <a:xfrm>
+            <a:off x="0" y="0"/>
+            <a:ext cx="12192000" cy="6858000"/>
+          </a:xfrm>
+          <a:prstGeom prst="rect">
+            <a:avLst/>
+          </a:prstGeom>
+        </p:spPr>
+      </p:pic>
       <p:sp>
         <p:nvSpPr>
-          <p:cNvPr id="2" name="Title 1">
-            <a:extLst>
-              <a:ext uri="{FF2B5EF4-FFF2-40B4-BE49-F238E27FC236}">
-                <a16:creationId xmlns:a16="http://schemas.microsoft.com/office/drawing/2014/main" id="{8AF8547C-E0EF-4056-A159-1759B71BB8F8}"/>
-              </a:ext>
-            </a:extLst>
-          </p:cNvPr>
+          <p:cNvPr id="2" name="Title 1"/>
           <p:cNvSpPr>
             <a:spLocks noGrp="1"/>
           </p:cNvSpPr>
@@ -10666,39 +10700,174 @@
             <p:ph type="title"/>
           </p:nvPr>
         </p:nvSpPr>
-        <p:spPr/>
+        <p:spPr>
+          <a:xfrm>
+            <a:off x="913794" y="4289374"/>
+            <a:ext cx="10364432" cy="811610"/>
+          </a:xfrm>
+        </p:spPr>
         <p:txBody>
-          <a:bodyPr/>
-          <a:lstStyle/>
+          <a:bodyPr anchor="b"/>
+          <a:lstStyle>
+            <a:lvl1pPr>
+              <a:defRPr sz="3200"/>
+            </a:lvl1pPr>
+          </a:lstStyle>
           <a:p>
             <a:r>
               <a:rPr lang="en-US"/>
               <a:t>Click to edit Master title style</a:t>
             </a:r>
-            <a:endParaRPr lang="en-CA"/>
+            <a:endParaRPr lang="en-US" dirty="0"/>
           </a:p>
         </p:txBody>
       </p:sp>
       <p:sp>
         <p:nvSpPr>
-          <p:cNvPr id="3" name="Vertical Text Placeholder 2">
-            <a:extLst>
-              <a:ext uri="{FF2B5EF4-FFF2-40B4-BE49-F238E27FC236}">
-                <a16:creationId xmlns:a16="http://schemas.microsoft.com/office/drawing/2014/main" id="{6D83D391-355C-4530-A8F4-FE0170C389EC}"/>
-              </a:ext>
-            </a:extLst>
-          </p:cNvPr>
+          <p:cNvPr id="3" name="Picture Placeholder 2"/>
+          <p:cNvSpPr>
+            <a:spLocks noGrp="1" noChangeAspect="1"/>
+          </p:cNvSpPr>
+          <p:nvPr>
+            <p:ph type="pic" idx="1"/>
+          </p:nvPr>
+        </p:nvSpPr>
+        <p:spPr>
+          <a:xfrm>
+            <a:off x="1184744" y="698261"/>
+            <a:ext cx="9822532" cy="3214136"/>
+          </a:xfrm>
+          <a:prstGeom prst="roundRect">
+            <a:avLst>
+              <a:gd name="adj" fmla="val 4944"/>
+            </a:avLst>
+          </a:prstGeom>
+          <a:noFill/>
+          <a:ln w="82550" cap="sq">
+            <a:solidFill>
+              <a:srgbClr val="EAEAEA"/>
+            </a:solidFill>
+            <a:miter lim="800000"/>
+          </a:ln>
+          <a:effectLst/>
+          <a:scene3d>
+            <a:camera prst="orthographicFront"/>
+            <a:lightRig rig="threePt" dir="t">
+              <a:rot lat="0" lon="0" rev="2700000"/>
+            </a:lightRig>
+          </a:scene3d>
+          <a:sp3d contourW="6350">
+            <a:bevelT h="38100"/>
+            <a:contourClr>
+              <a:srgbClr val="C0C0C0"/>
+            </a:contourClr>
+          </a:sp3d>
+        </p:spPr>
+        <p:txBody>
+          <a:bodyPr anchor="t"/>
+          <a:lstStyle>
+            <a:lvl1pPr marL="0" indent="0" algn="ctr">
+              <a:buNone/>
+              <a:defRPr sz="3200"/>
+            </a:lvl1pPr>
+            <a:lvl2pPr marL="457200" indent="0">
+              <a:buNone/>
+              <a:defRPr sz="2800"/>
+            </a:lvl2pPr>
+            <a:lvl3pPr marL="914400" indent="0">
+              <a:buNone/>
+              <a:defRPr sz="2400"/>
+            </a:lvl3pPr>
+            <a:lvl4pPr marL="1371600" indent="0">
+              <a:buNone/>
+              <a:defRPr sz="2000"/>
+            </a:lvl4pPr>
+            <a:lvl5pPr marL="1828800" indent="0">
+              <a:buNone/>
+              <a:defRPr sz="2000"/>
+            </a:lvl5pPr>
+            <a:lvl6pPr marL="2286000" indent="0">
+              <a:buNone/>
+              <a:defRPr sz="2000"/>
+            </a:lvl6pPr>
+            <a:lvl7pPr marL="2743200" indent="0">
+              <a:buNone/>
+              <a:defRPr sz="2000"/>
+            </a:lvl7pPr>
+            <a:lvl8pPr marL="3200400" indent="0">
+              <a:buNone/>
+              <a:defRPr sz="2000"/>
+            </a:lvl8pPr>
+            <a:lvl9pPr marL="3657600" indent="0">
+              <a:buNone/>
+              <a:defRPr sz="2000"/>
+            </a:lvl9pPr>
+          </a:lstStyle>
+          <a:p>
+            <a:r>
+              <a:rPr lang="en-US"/>
+              <a:t>Click icon to add picture</a:t>
+            </a:r>
+            <a:endParaRPr lang="en-US" dirty="0"/>
+          </a:p>
+        </p:txBody>
+      </p:sp>
+      <p:sp>
+        <p:nvSpPr>
+          <p:cNvPr id="4" name="Text Placeholder 3"/>
           <p:cNvSpPr>
             <a:spLocks noGrp="1"/>
           </p:cNvSpPr>
           <p:nvPr>
-            <p:ph type="body" orient="vert" idx="1"/>
+            <p:ph type="body" sz="half" idx="2"/>
           </p:nvPr>
         </p:nvSpPr>
-        <p:spPr/>
+        <p:spPr>
+          <a:xfrm>
+            <a:off x="913774" y="5108728"/>
+            <a:ext cx="10364452" cy="682472"/>
+          </a:xfrm>
+        </p:spPr>
         <p:txBody>
-          <a:bodyPr vert="eaVert"/>
-          <a:lstStyle/>
+          <a:bodyPr/>
+          <a:lstStyle>
+            <a:lvl1pPr marL="0" indent="0" algn="ctr">
+              <a:buNone/>
+              <a:defRPr sz="1600"/>
+            </a:lvl1pPr>
+            <a:lvl2pPr marL="457200" indent="0">
+              <a:buNone/>
+              <a:defRPr sz="1400"/>
+            </a:lvl2pPr>
+            <a:lvl3pPr marL="914400" indent="0">
+              <a:buNone/>
+              <a:defRPr sz="1200"/>
+            </a:lvl3pPr>
+            <a:lvl4pPr marL="1371600" indent="0">
+              <a:buNone/>
+              <a:defRPr sz="1000"/>
+            </a:lvl4pPr>
+            <a:lvl5pPr marL="1828800" indent="0">
+              <a:buNone/>
+              <a:defRPr sz="1000"/>
+            </a:lvl5pPr>
+            <a:lvl6pPr marL="2286000" indent="0">
+              <a:buNone/>
+              <a:defRPr sz="1000"/>
+            </a:lvl6pPr>
+            <a:lvl7pPr marL="2743200" indent="0">
+              <a:buNone/>
+              <a:defRPr sz="1000"/>
+            </a:lvl7pPr>
+            <a:lvl8pPr marL="3200400" indent="0">
+              <a:buNone/>
+              <a:defRPr sz="1000"/>
+            </a:lvl8pPr>
+            <a:lvl9pPr marL="3657600" indent="0">
+              <a:buNone/>
+              <a:defRPr sz="1000"/>
+            </a:lvl9pPr>
+          </a:lstStyle>
           <a:p>
             <a:pPr lvl="0"/>
             <a:r>
@@ -10706,46 +10875,11 @@
               <a:t>Click to edit Master text styles</a:t>
             </a:r>
           </a:p>
-          <a:p>
-            <a:pPr lvl="1"/>
-            <a:r>
-              <a:rPr lang="en-US"/>
-              <a:t>Second level</a:t>
-            </a:r>
-          </a:p>
-          <a:p>
-            <a:pPr lvl="2"/>
-            <a:r>
-              <a:rPr lang="en-US"/>
-              <a:t>Third level</a:t>
-            </a:r>
-          </a:p>
-          <a:p>
-            <a:pPr lvl="3"/>
-            <a:r>
-              <a:rPr lang="en-US"/>
-              <a:t>Fourth level</a:t>
-            </a:r>
-          </a:p>
-          <a:p>
-            <a:pPr lvl="4"/>
-            <a:r>
-              <a:rPr lang="en-US"/>
-              <a:t>Fifth level</a:t>
-            </a:r>
-            <a:endParaRPr lang="en-CA"/>
-          </a:p>
         </p:txBody>
       </p:sp>
       <p:sp>
         <p:nvSpPr>
-          <p:cNvPr id="4" name="Date Placeholder 3">
-            <a:extLst>
-              <a:ext uri="{FF2B5EF4-FFF2-40B4-BE49-F238E27FC236}">
-                <a16:creationId xmlns:a16="http://schemas.microsoft.com/office/drawing/2014/main" id="{6A9031B9-6D26-4803-BDCA-9CD2C9C241F2}"/>
-              </a:ext>
-            </a:extLst>
-          </p:cNvPr>
+          <p:cNvPr id="5" name="Date Placeholder 4"/>
           <p:cNvSpPr>
             <a:spLocks noGrp="1"/>
           </p:cNvSpPr>
@@ -10760,7 +10894,7 @@
           <a:p>
             <a:fld id="{A3023D7F-90D5-49D0-B78A-601D14CAF387}" type="datetimeFigureOut">
               <a:rPr lang="en-CA" smtClean="0"/>
-              <a:t>2019-07-16</a:t>
+              <a:t>2019-07-17</a:t>
             </a:fld>
             <a:endParaRPr lang="en-CA"/>
           </a:p>
@@ -10768,13 +10902,7 @@
       </p:sp>
       <p:sp>
         <p:nvSpPr>
-          <p:cNvPr id="5" name="Footer Placeholder 4">
-            <a:extLst>
-              <a:ext uri="{FF2B5EF4-FFF2-40B4-BE49-F238E27FC236}">
-                <a16:creationId xmlns:a16="http://schemas.microsoft.com/office/drawing/2014/main" id="{AA07FA74-56C9-4660-959C-1D015E95196B}"/>
-              </a:ext>
-            </a:extLst>
-          </p:cNvPr>
+          <p:cNvPr id="6" name="Footer Placeholder 5"/>
           <p:cNvSpPr>
             <a:spLocks noGrp="1"/>
           </p:cNvSpPr>
@@ -10793,13 +10921,7 @@
       </p:sp>
       <p:sp>
         <p:nvSpPr>
-          <p:cNvPr id="6" name="Slide Number Placeholder 5">
-            <a:extLst>
-              <a:ext uri="{FF2B5EF4-FFF2-40B4-BE49-F238E27FC236}">
-                <a16:creationId xmlns:a16="http://schemas.microsoft.com/office/drawing/2014/main" id="{343C0EEC-0594-4AC5-A478-E954D7475396}"/>
-              </a:ext>
-            </a:extLst>
-          </p:cNvPr>
+          <p:cNvPr id="7" name="Slide Number Placeholder 6"/>
           <p:cNvSpPr>
             <a:spLocks noGrp="1"/>
           </p:cNvSpPr>
@@ -10823,7 +10945,7 @@
     </p:spTree>
     <p:extLst>
       <p:ext uri="{BB962C8B-B14F-4D97-AF65-F5344CB8AC3E}">
-        <p14:creationId xmlns:p14="http://schemas.microsoft.com/office/powerpoint/2010/main" val="420844718"/>
+        <p14:creationId xmlns:p14="http://schemas.microsoft.com/office/powerpoint/2010/main" val="3463134121"/>
       </p:ext>
     </p:extLst>
   </p:cSld>
@@ -10834,8 +10956,8 @@
 </file>
 
 <file path=ppt/slideLayouts/slideLayout11.xml><?xml version="1.0" encoding="utf-8"?>
-<p:sldLayout xmlns:a="http://schemas.openxmlformats.org/drawingml/2006/main" xmlns:r="http://schemas.openxmlformats.org/officeDocument/2006/relationships" xmlns:p="http://schemas.openxmlformats.org/presentationml/2006/main" type="vertTitleAndTx" preserve="1">
-  <p:cSld name="Vertical Title and Text">
+<p:sldLayout xmlns:a="http://schemas.openxmlformats.org/drawingml/2006/main" xmlns:r="http://schemas.openxmlformats.org/officeDocument/2006/relationships" xmlns:p="http://schemas.openxmlformats.org/presentationml/2006/main" preserve="1">
+  <p:cSld name="Title and Caption">
     <p:spTree>
       <p:nvGrpSpPr>
         <p:cNvPr id="1" name=""/>
@@ -10850,60 +10972,2468 @@
           <a:chExt cx="0" cy="0"/>
         </a:xfrm>
       </p:grpSpPr>
+      <p:pic>
+        <p:nvPicPr>
+          <p:cNvPr id="8" name="Picture 7" descr="Droplets-HD-Content-R1d.png"/>
+          <p:cNvPicPr>
+            <a:picLocks noChangeAspect="1"/>
+          </p:cNvPicPr>
+          <p:nvPr/>
+        </p:nvPicPr>
+        <p:blipFill>
+          <a:blip r:embed="rId2">
+            <a:extLst>
+              <a:ext uri="{28A0092B-C50C-407E-A947-70E740481C1C}">
+                <a14:useLocalDpi xmlns:a14="http://schemas.microsoft.com/office/drawing/2010/main" val="0"/>
+              </a:ext>
+            </a:extLst>
+          </a:blip>
+          <a:stretch>
+            <a:fillRect/>
+          </a:stretch>
+        </p:blipFill>
+        <p:spPr>
+          <a:xfrm>
+            <a:off x="0" y="0"/>
+            <a:ext cx="12192000" cy="6858000"/>
+          </a:xfrm>
+          <a:prstGeom prst="rect">
+            <a:avLst/>
+          </a:prstGeom>
+        </p:spPr>
+      </p:pic>
       <p:sp>
         <p:nvSpPr>
-          <p:cNvPr id="2" name="Vertical Title 1">
-            <a:extLst>
-              <a:ext uri="{FF2B5EF4-FFF2-40B4-BE49-F238E27FC236}">
-                <a16:creationId xmlns:a16="http://schemas.microsoft.com/office/drawing/2014/main" id="{576E4B24-B030-44FA-A9F9-A79F349C73A0}"/>
-              </a:ext>
-            </a:extLst>
-          </p:cNvPr>
+          <p:cNvPr id="2" name="Title 1"/>
           <p:cNvSpPr>
             <a:spLocks noGrp="1"/>
           </p:cNvSpPr>
           <p:nvPr>
-            <p:ph type="title" orient="vert"/>
+            <p:ph type="title"/>
           </p:nvPr>
         </p:nvSpPr>
         <p:spPr>
           <a:xfrm>
-            <a:off x="8724900" y="365125"/>
-            <a:ext cx="2628900" cy="5811838"/>
+            <a:off x="913774" y="609599"/>
+            <a:ext cx="10364452" cy="3427245"/>
           </a:xfrm>
         </p:spPr>
         <p:txBody>
-          <a:bodyPr vert="eaVert"/>
+          <a:bodyPr anchor="ctr"/>
+          <a:lstStyle>
+            <a:lvl1pPr algn="ctr">
+              <a:defRPr sz="3200"/>
+            </a:lvl1pPr>
+          </a:lstStyle>
+          <a:p>
+            <a:r>
+              <a:rPr lang="en-US"/>
+              <a:t>Click to edit Master title style</a:t>
+            </a:r>
+            <a:endParaRPr lang="en-US" dirty="0"/>
+          </a:p>
+        </p:txBody>
+      </p:sp>
+      <p:sp>
+        <p:nvSpPr>
+          <p:cNvPr id="4" name="Text Placeholder 3"/>
+          <p:cNvSpPr>
+            <a:spLocks noGrp="1"/>
+          </p:cNvSpPr>
+          <p:nvPr>
+            <p:ph type="body" sz="half" idx="2"/>
+          </p:nvPr>
+        </p:nvSpPr>
+        <p:spPr>
+          <a:xfrm>
+            <a:off x="913775" y="4204821"/>
+            <a:ext cx="10364452" cy="1586380"/>
+          </a:xfrm>
+        </p:spPr>
+        <p:txBody>
+          <a:bodyPr anchor="ctr"/>
+          <a:lstStyle>
+            <a:lvl1pPr marL="0" indent="0" algn="ctr">
+              <a:buNone/>
+              <a:defRPr sz="1600"/>
+            </a:lvl1pPr>
+            <a:lvl2pPr marL="457200" indent="0">
+              <a:buNone/>
+              <a:defRPr sz="1400"/>
+            </a:lvl2pPr>
+            <a:lvl3pPr marL="914400" indent="0">
+              <a:buNone/>
+              <a:defRPr sz="1200"/>
+            </a:lvl3pPr>
+            <a:lvl4pPr marL="1371600" indent="0">
+              <a:buNone/>
+              <a:defRPr sz="1000"/>
+            </a:lvl4pPr>
+            <a:lvl5pPr marL="1828800" indent="0">
+              <a:buNone/>
+              <a:defRPr sz="1000"/>
+            </a:lvl5pPr>
+            <a:lvl6pPr marL="2286000" indent="0">
+              <a:buNone/>
+              <a:defRPr sz="1000"/>
+            </a:lvl6pPr>
+            <a:lvl7pPr marL="2743200" indent="0">
+              <a:buNone/>
+              <a:defRPr sz="1000"/>
+            </a:lvl7pPr>
+            <a:lvl8pPr marL="3200400" indent="0">
+              <a:buNone/>
+              <a:defRPr sz="1000"/>
+            </a:lvl8pPr>
+            <a:lvl9pPr marL="3657600" indent="0">
+              <a:buNone/>
+              <a:defRPr sz="1000"/>
+            </a:lvl9pPr>
+          </a:lstStyle>
+          <a:p>
+            <a:pPr lvl="0"/>
+            <a:r>
+              <a:rPr lang="en-US"/>
+              <a:t>Click to edit Master text styles</a:t>
+            </a:r>
+          </a:p>
+        </p:txBody>
+      </p:sp>
+      <p:sp>
+        <p:nvSpPr>
+          <p:cNvPr id="5" name="Date Placeholder 4"/>
+          <p:cNvSpPr>
+            <a:spLocks noGrp="1"/>
+          </p:cNvSpPr>
+          <p:nvPr>
+            <p:ph type="dt" sz="half" idx="10"/>
+          </p:nvPr>
+        </p:nvSpPr>
+        <p:spPr/>
+        <p:txBody>
+          <a:bodyPr/>
+          <a:lstStyle/>
+          <a:p>
+            <a:fld id="{A3023D7F-90D5-49D0-B78A-601D14CAF387}" type="datetimeFigureOut">
+              <a:rPr lang="en-CA" smtClean="0"/>
+              <a:t>2019-07-17</a:t>
+            </a:fld>
+            <a:endParaRPr lang="en-CA"/>
+          </a:p>
+        </p:txBody>
+      </p:sp>
+      <p:sp>
+        <p:nvSpPr>
+          <p:cNvPr id="6" name="Footer Placeholder 5"/>
+          <p:cNvSpPr>
+            <a:spLocks noGrp="1"/>
+          </p:cNvSpPr>
+          <p:nvPr>
+            <p:ph type="ftr" sz="quarter" idx="11"/>
+          </p:nvPr>
+        </p:nvSpPr>
+        <p:spPr/>
+        <p:txBody>
+          <a:bodyPr/>
+          <a:lstStyle/>
+          <a:p>
+            <a:endParaRPr lang="en-CA"/>
+          </a:p>
+        </p:txBody>
+      </p:sp>
+      <p:sp>
+        <p:nvSpPr>
+          <p:cNvPr id="7" name="Slide Number Placeholder 6"/>
+          <p:cNvSpPr>
+            <a:spLocks noGrp="1"/>
+          </p:cNvSpPr>
+          <p:nvPr>
+            <p:ph type="sldNum" sz="quarter" idx="12"/>
+          </p:nvPr>
+        </p:nvSpPr>
+        <p:spPr/>
+        <p:txBody>
+          <a:bodyPr/>
+          <a:lstStyle/>
+          <a:p>
+            <a:fld id="{5892F983-A0B9-4DC3-92A6-6D9898F6EAA8}" type="slidenum">
+              <a:rPr lang="en-CA" smtClean="0"/>
+              <a:t>‹#›</a:t>
+            </a:fld>
+            <a:endParaRPr lang="en-CA"/>
+          </a:p>
+        </p:txBody>
+      </p:sp>
+    </p:spTree>
+    <p:extLst>
+      <p:ext uri="{BB962C8B-B14F-4D97-AF65-F5344CB8AC3E}">
+        <p14:creationId xmlns:p14="http://schemas.microsoft.com/office/powerpoint/2010/main" val="1064002516"/>
+      </p:ext>
+    </p:extLst>
+  </p:cSld>
+  <p:clrMapOvr>
+    <a:masterClrMapping/>
+  </p:clrMapOvr>
+</p:sldLayout>
+</file>
+
+<file path=ppt/slideLayouts/slideLayout12.xml><?xml version="1.0" encoding="utf-8"?>
+<p:sldLayout xmlns:a="http://schemas.openxmlformats.org/drawingml/2006/main" xmlns:r="http://schemas.openxmlformats.org/officeDocument/2006/relationships" xmlns:p="http://schemas.openxmlformats.org/presentationml/2006/main" preserve="1">
+  <p:cSld name="Quote with Caption">
+    <p:spTree>
+      <p:nvGrpSpPr>
+        <p:cNvPr id="1" name=""/>
+        <p:cNvGrpSpPr/>
+        <p:nvPr/>
+      </p:nvGrpSpPr>
+      <p:grpSpPr>
+        <a:xfrm>
+          <a:off x="0" y="0"/>
+          <a:ext cx="0" cy="0"/>
+          <a:chOff x="0" y="0"/>
+          <a:chExt cx="0" cy="0"/>
+        </a:xfrm>
+      </p:grpSpPr>
+      <p:pic>
+        <p:nvPicPr>
+          <p:cNvPr id="11" name="Picture 10" descr="Droplets-HD-Content-R1d.png"/>
+          <p:cNvPicPr>
+            <a:picLocks noChangeAspect="1"/>
+          </p:cNvPicPr>
+          <p:nvPr/>
+        </p:nvPicPr>
+        <p:blipFill>
+          <a:blip r:embed="rId2">
+            <a:extLst>
+              <a:ext uri="{28A0092B-C50C-407E-A947-70E740481C1C}">
+                <a14:useLocalDpi xmlns:a14="http://schemas.microsoft.com/office/drawing/2010/main" val="0"/>
+              </a:ext>
+            </a:extLst>
+          </a:blip>
+          <a:stretch>
+            <a:fillRect/>
+          </a:stretch>
+        </p:blipFill>
+        <p:spPr>
+          <a:xfrm>
+            <a:off x="0" y="0"/>
+            <a:ext cx="12192000" cy="6858000"/>
+          </a:xfrm>
+          <a:prstGeom prst="rect">
+            <a:avLst/>
+          </a:prstGeom>
+        </p:spPr>
+      </p:pic>
+      <p:sp>
+        <p:nvSpPr>
+          <p:cNvPr id="2" name="Title 1"/>
+          <p:cNvSpPr>
+            <a:spLocks noGrp="1"/>
+          </p:cNvSpPr>
+          <p:nvPr>
+            <p:ph type="title"/>
+          </p:nvPr>
+        </p:nvSpPr>
+        <p:spPr>
+          <a:xfrm>
+            <a:off x="1446212" y="609600"/>
+            <a:ext cx="9302752" cy="2992904"/>
+          </a:xfrm>
+        </p:spPr>
+        <p:txBody>
+          <a:bodyPr anchor="ctr"/>
+          <a:lstStyle>
+            <a:lvl1pPr>
+              <a:defRPr sz="3200"/>
+            </a:lvl1pPr>
+          </a:lstStyle>
+          <a:p>
+            <a:r>
+              <a:rPr lang="en-US"/>
+              <a:t>Click to edit Master title style</a:t>
+            </a:r>
+            <a:endParaRPr lang="en-US" dirty="0"/>
+          </a:p>
+        </p:txBody>
+      </p:sp>
+      <p:sp>
+        <p:nvSpPr>
+          <p:cNvPr id="12" name="Text Placeholder 3"/>
+          <p:cNvSpPr>
+            <a:spLocks noGrp="1"/>
+          </p:cNvSpPr>
+          <p:nvPr>
+            <p:ph type="body" sz="half" idx="13"/>
+          </p:nvPr>
+        </p:nvSpPr>
+        <p:spPr>
+          <a:xfrm>
+            <a:off x="1720644" y="3610032"/>
+            <a:ext cx="8752299" cy="594788"/>
+          </a:xfrm>
+        </p:spPr>
+        <p:txBody>
+          <a:bodyPr anchor="t">
+            <a:normAutofit/>
+          </a:bodyPr>
+          <a:lstStyle>
+            <a:lvl1pPr marL="0" indent="0">
+              <a:buNone/>
+              <a:defRPr sz="1400"/>
+            </a:lvl1pPr>
+            <a:lvl2pPr marL="457200" indent="0">
+              <a:buNone/>
+              <a:defRPr sz="1400"/>
+            </a:lvl2pPr>
+            <a:lvl3pPr marL="914400" indent="0">
+              <a:buNone/>
+              <a:defRPr sz="1200"/>
+            </a:lvl3pPr>
+            <a:lvl4pPr marL="1371600" indent="0">
+              <a:buNone/>
+              <a:defRPr sz="1000"/>
+            </a:lvl4pPr>
+            <a:lvl5pPr marL="1828800" indent="0">
+              <a:buNone/>
+              <a:defRPr sz="1000"/>
+            </a:lvl5pPr>
+            <a:lvl6pPr marL="2286000" indent="0">
+              <a:buNone/>
+              <a:defRPr sz="1000"/>
+            </a:lvl6pPr>
+            <a:lvl7pPr marL="2743200" indent="0">
+              <a:buNone/>
+              <a:defRPr sz="1000"/>
+            </a:lvl7pPr>
+            <a:lvl8pPr marL="3200400" indent="0">
+              <a:buNone/>
+              <a:defRPr sz="1000"/>
+            </a:lvl8pPr>
+            <a:lvl9pPr marL="3657600" indent="0">
+              <a:buNone/>
+              <a:defRPr sz="1000"/>
+            </a:lvl9pPr>
+          </a:lstStyle>
+          <a:p>
+            <a:pPr lvl="0"/>
+            <a:r>
+              <a:rPr lang="en-US"/>
+              <a:t>Click to edit Master text styles</a:t>
+            </a:r>
+          </a:p>
+        </p:txBody>
+      </p:sp>
+      <p:sp>
+        <p:nvSpPr>
+          <p:cNvPr id="4" name="Text Placeholder 3"/>
+          <p:cNvSpPr>
+            <a:spLocks noGrp="1"/>
+          </p:cNvSpPr>
+          <p:nvPr>
+            <p:ph type="body" sz="half" idx="2"/>
+          </p:nvPr>
+        </p:nvSpPr>
+        <p:spPr>
+          <a:xfrm>
+            <a:off x="913774" y="4372796"/>
+            <a:ext cx="10364452" cy="1421053"/>
+          </a:xfrm>
+        </p:spPr>
+        <p:txBody>
+          <a:bodyPr anchor="ctr">
+            <a:normAutofit/>
+          </a:bodyPr>
+          <a:lstStyle>
+            <a:lvl1pPr marL="0" indent="0" algn="ctr">
+              <a:buNone/>
+              <a:defRPr sz="1600"/>
+            </a:lvl1pPr>
+            <a:lvl2pPr marL="457200" indent="0">
+              <a:buNone/>
+              <a:defRPr sz="1400"/>
+            </a:lvl2pPr>
+            <a:lvl3pPr marL="914400" indent="0">
+              <a:buNone/>
+              <a:defRPr sz="1200"/>
+            </a:lvl3pPr>
+            <a:lvl4pPr marL="1371600" indent="0">
+              <a:buNone/>
+              <a:defRPr sz="1000"/>
+            </a:lvl4pPr>
+            <a:lvl5pPr marL="1828800" indent="0">
+              <a:buNone/>
+              <a:defRPr sz="1000"/>
+            </a:lvl5pPr>
+            <a:lvl6pPr marL="2286000" indent="0">
+              <a:buNone/>
+              <a:defRPr sz="1000"/>
+            </a:lvl6pPr>
+            <a:lvl7pPr marL="2743200" indent="0">
+              <a:buNone/>
+              <a:defRPr sz="1000"/>
+            </a:lvl7pPr>
+            <a:lvl8pPr marL="3200400" indent="0">
+              <a:buNone/>
+              <a:defRPr sz="1000"/>
+            </a:lvl8pPr>
+            <a:lvl9pPr marL="3657600" indent="0">
+              <a:buNone/>
+              <a:defRPr sz="1000"/>
+            </a:lvl9pPr>
+          </a:lstStyle>
+          <a:p>
+            <a:pPr lvl="0"/>
+            <a:r>
+              <a:rPr lang="en-US"/>
+              <a:t>Click to edit Master text styles</a:t>
+            </a:r>
+          </a:p>
+        </p:txBody>
+      </p:sp>
+      <p:sp>
+        <p:nvSpPr>
+          <p:cNvPr id="5" name="Date Placeholder 4"/>
+          <p:cNvSpPr>
+            <a:spLocks noGrp="1"/>
+          </p:cNvSpPr>
+          <p:nvPr>
+            <p:ph type="dt" sz="half" idx="10"/>
+          </p:nvPr>
+        </p:nvSpPr>
+        <p:spPr/>
+        <p:txBody>
+          <a:bodyPr/>
+          <a:lstStyle/>
+          <a:p>
+            <a:fld id="{A3023D7F-90D5-49D0-B78A-601D14CAF387}" type="datetimeFigureOut">
+              <a:rPr lang="en-CA" smtClean="0"/>
+              <a:t>2019-07-17</a:t>
+            </a:fld>
+            <a:endParaRPr lang="en-CA"/>
+          </a:p>
+        </p:txBody>
+      </p:sp>
+      <p:sp>
+        <p:nvSpPr>
+          <p:cNvPr id="6" name="Footer Placeholder 5"/>
+          <p:cNvSpPr>
+            <a:spLocks noGrp="1"/>
+          </p:cNvSpPr>
+          <p:nvPr>
+            <p:ph type="ftr" sz="quarter" idx="11"/>
+          </p:nvPr>
+        </p:nvSpPr>
+        <p:spPr/>
+        <p:txBody>
+          <a:bodyPr/>
+          <a:lstStyle/>
+          <a:p>
+            <a:endParaRPr lang="en-CA"/>
+          </a:p>
+        </p:txBody>
+      </p:sp>
+      <p:sp>
+        <p:nvSpPr>
+          <p:cNvPr id="7" name="Slide Number Placeholder 6"/>
+          <p:cNvSpPr>
+            <a:spLocks noGrp="1"/>
+          </p:cNvSpPr>
+          <p:nvPr>
+            <p:ph type="sldNum" sz="quarter" idx="12"/>
+          </p:nvPr>
+        </p:nvSpPr>
+        <p:spPr/>
+        <p:txBody>
+          <a:bodyPr/>
+          <a:lstStyle/>
+          <a:p>
+            <a:fld id="{5892F983-A0B9-4DC3-92A6-6D9898F6EAA8}" type="slidenum">
+              <a:rPr lang="en-CA" smtClean="0"/>
+              <a:t>‹#›</a:t>
+            </a:fld>
+            <a:endParaRPr lang="en-CA"/>
+          </a:p>
+        </p:txBody>
+      </p:sp>
+      <p:sp>
+        <p:nvSpPr>
+          <p:cNvPr id="13" name="TextBox 12"/>
+          <p:cNvSpPr txBox="1"/>
+          <p:nvPr/>
+        </p:nvSpPr>
+        <p:spPr>
+          <a:xfrm>
+            <a:off x="1001488" y="754166"/>
+            <a:ext cx="609600" cy="584776"/>
+          </a:xfrm>
+          <a:prstGeom prst="rect">
+            <a:avLst/>
+          </a:prstGeom>
+        </p:spPr>
+        <p:txBody>
+          <a:bodyPr vert="horz" lIns="91440" tIns="45720" rIns="91440" bIns="45720" rtlCol="0" anchor="ctr">
+            <a:noAutofit/>
+          </a:bodyPr>
+          <a:lstStyle>
+            <a:lvl1pPr>
+              <a:spcBef>
+                <a:spcPct val="0"/>
+              </a:spcBef>
+              <a:buNone/>
+              <a:defRPr sz="3200" b="0" cap="all">
+                <a:ln w="3175" cmpd="sng">
+                  <a:noFill/>
+                </a:ln>
+                <a:effectLst>
+                  <a:glow rad="38100">
+                    <a:schemeClr val="bg1">
+                      <a:lumMod val="65000"/>
+                      <a:lumOff val="35000"/>
+                      <a:alpha val="40000"/>
+                    </a:schemeClr>
+                  </a:glow>
+                  <a:outerShdw blurRad="28575" dist="38100" dir="14040000" algn="tl" rotWithShape="0">
+                    <a:srgbClr val="000000">
+                      <a:alpha val="25000"/>
+                    </a:srgbClr>
+                  </a:outerShdw>
+                </a:effectLst>
+              </a:defRPr>
+            </a:lvl1pPr>
+            <a:lvl2pPr>
+              <a:defRPr>
+                <a:solidFill>
+                  <a:schemeClr val="tx2"/>
+                </a:solidFill>
+              </a:defRPr>
+            </a:lvl2pPr>
+            <a:lvl3pPr>
+              <a:defRPr>
+                <a:solidFill>
+                  <a:schemeClr val="tx2"/>
+                </a:solidFill>
+              </a:defRPr>
+            </a:lvl3pPr>
+            <a:lvl4pPr>
+              <a:defRPr>
+                <a:solidFill>
+                  <a:schemeClr val="tx2"/>
+                </a:solidFill>
+              </a:defRPr>
+            </a:lvl4pPr>
+            <a:lvl5pPr>
+              <a:defRPr>
+                <a:solidFill>
+                  <a:schemeClr val="tx2"/>
+                </a:solidFill>
+              </a:defRPr>
+            </a:lvl5pPr>
+            <a:lvl6pPr>
+              <a:defRPr>
+                <a:solidFill>
+                  <a:schemeClr val="tx2"/>
+                </a:solidFill>
+              </a:defRPr>
+            </a:lvl6pPr>
+            <a:lvl7pPr>
+              <a:defRPr>
+                <a:solidFill>
+                  <a:schemeClr val="tx2"/>
+                </a:solidFill>
+              </a:defRPr>
+            </a:lvl7pPr>
+            <a:lvl8pPr>
+              <a:defRPr>
+                <a:solidFill>
+                  <a:schemeClr val="tx2"/>
+                </a:solidFill>
+              </a:defRPr>
+            </a:lvl8pPr>
+            <a:lvl9pPr>
+              <a:defRPr>
+                <a:solidFill>
+                  <a:schemeClr val="tx2"/>
+                </a:solidFill>
+              </a:defRPr>
+            </a:lvl9pPr>
+          </a:lstStyle>
+          <a:p>
+            <a:pPr lvl="0"/>
+            <a:r>
+              <a:rPr lang="en-US" sz="8000" dirty="0">
+                <a:solidFill>
+                  <a:schemeClr val="tx1"/>
+                </a:solidFill>
+                <a:effectLst/>
+              </a:rPr>
+              <a:t>“</a:t>
+            </a:r>
+          </a:p>
+        </p:txBody>
+      </p:sp>
+      <p:sp>
+        <p:nvSpPr>
+          <p:cNvPr id="14" name="TextBox 13"/>
+          <p:cNvSpPr txBox="1"/>
+          <p:nvPr/>
+        </p:nvSpPr>
+        <p:spPr>
+          <a:xfrm>
+            <a:off x="10557558" y="2993578"/>
+            <a:ext cx="609600" cy="584776"/>
+          </a:xfrm>
+          <a:prstGeom prst="rect">
+            <a:avLst/>
+          </a:prstGeom>
+        </p:spPr>
+        <p:txBody>
+          <a:bodyPr vert="horz" lIns="91440" tIns="45720" rIns="91440" bIns="45720" rtlCol="0" anchor="ctr">
+            <a:noAutofit/>
+          </a:bodyPr>
+          <a:lstStyle>
+            <a:lvl1pPr>
+              <a:spcBef>
+                <a:spcPct val="0"/>
+              </a:spcBef>
+              <a:buNone/>
+              <a:defRPr sz="3200" b="0" cap="all">
+                <a:ln w="3175" cmpd="sng">
+                  <a:noFill/>
+                </a:ln>
+                <a:effectLst>
+                  <a:glow rad="38100">
+                    <a:schemeClr val="bg1">
+                      <a:lumMod val="65000"/>
+                      <a:lumOff val="35000"/>
+                      <a:alpha val="40000"/>
+                    </a:schemeClr>
+                  </a:glow>
+                  <a:outerShdw blurRad="28575" dist="38100" dir="14040000" algn="tl" rotWithShape="0">
+                    <a:srgbClr val="000000">
+                      <a:alpha val="25000"/>
+                    </a:srgbClr>
+                  </a:outerShdw>
+                </a:effectLst>
+              </a:defRPr>
+            </a:lvl1pPr>
+            <a:lvl2pPr>
+              <a:defRPr>
+                <a:solidFill>
+                  <a:schemeClr val="tx2"/>
+                </a:solidFill>
+              </a:defRPr>
+            </a:lvl2pPr>
+            <a:lvl3pPr>
+              <a:defRPr>
+                <a:solidFill>
+                  <a:schemeClr val="tx2"/>
+                </a:solidFill>
+              </a:defRPr>
+            </a:lvl3pPr>
+            <a:lvl4pPr>
+              <a:defRPr>
+                <a:solidFill>
+                  <a:schemeClr val="tx2"/>
+                </a:solidFill>
+              </a:defRPr>
+            </a:lvl4pPr>
+            <a:lvl5pPr>
+              <a:defRPr>
+                <a:solidFill>
+                  <a:schemeClr val="tx2"/>
+                </a:solidFill>
+              </a:defRPr>
+            </a:lvl5pPr>
+            <a:lvl6pPr>
+              <a:defRPr>
+                <a:solidFill>
+                  <a:schemeClr val="tx2"/>
+                </a:solidFill>
+              </a:defRPr>
+            </a:lvl6pPr>
+            <a:lvl7pPr>
+              <a:defRPr>
+                <a:solidFill>
+                  <a:schemeClr val="tx2"/>
+                </a:solidFill>
+              </a:defRPr>
+            </a:lvl7pPr>
+            <a:lvl8pPr>
+              <a:defRPr>
+                <a:solidFill>
+                  <a:schemeClr val="tx2"/>
+                </a:solidFill>
+              </a:defRPr>
+            </a:lvl8pPr>
+            <a:lvl9pPr>
+              <a:defRPr>
+                <a:solidFill>
+                  <a:schemeClr val="tx2"/>
+                </a:solidFill>
+              </a:defRPr>
+            </a:lvl9pPr>
+          </a:lstStyle>
+          <a:p>
+            <a:pPr lvl="0" algn="r"/>
+            <a:r>
+              <a:rPr lang="en-US" sz="8000" dirty="0">
+                <a:solidFill>
+                  <a:schemeClr val="tx1"/>
+                </a:solidFill>
+                <a:effectLst/>
+              </a:rPr>
+              <a:t>”</a:t>
+            </a:r>
+          </a:p>
+        </p:txBody>
+      </p:sp>
+    </p:spTree>
+    <p:extLst>
+      <p:ext uri="{BB962C8B-B14F-4D97-AF65-F5344CB8AC3E}">
+        <p14:creationId xmlns:p14="http://schemas.microsoft.com/office/powerpoint/2010/main" val="4250398916"/>
+      </p:ext>
+    </p:extLst>
+  </p:cSld>
+  <p:clrMapOvr>
+    <a:masterClrMapping/>
+  </p:clrMapOvr>
+</p:sldLayout>
+</file>
+
+<file path=ppt/slideLayouts/slideLayout13.xml><?xml version="1.0" encoding="utf-8"?>
+<p:sldLayout xmlns:a="http://schemas.openxmlformats.org/drawingml/2006/main" xmlns:r="http://schemas.openxmlformats.org/officeDocument/2006/relationships" xmlns:p="http://schemas.openxmlformats.org/presentationml/2006/main" preserve="1">
+  <p:cSld name="Name Card">
+    <p:spTree>
+      <p:nvGrpSpPr>
+        <p:cNvPr id="1" name=""/>
+        <p:cNvGrpSpPr/>
+        <p:nvPr/>
+      </p:nvGrpSpPr>
+      <p:grpSpPr>
+        <a:xfrm>
+          <a:off x="0" y="0"/>
+          <a:ext cx="0" cy="0"/>
+          <a:chOff x="0" y="0"/>
+          <a:chExt cx="0" cy="0"/>
+        </a:xfrm>
+      </p:grpSpPr>
+      <p:pic>
+        <p:nvPicPr>
+          <p:cNvPr id="8" name="Picture 7" descr="Droplets-HD-Content-R1d.png"/>
+          <p:cNvPicPr>
+            <a:picLocks noChangeAspect="1"/>
+          </p:cNvPicPr>
+          <p:nvPr/>
+        </p:nvPicPr>
+        <p:blipFill>
+          <a:blip r:embed="rId2">
+            <a:extLst>
+              <a:ext uri="{28A0092B-C50C-407E-A947-70E740481C1C}">
+                <a14:useLocalDpi xmlns:a14="http://schemas.microsoft.com/office/drawing/2010/main" val="0"/>
+              </a:ext>
+            </a:extLst>
+          </a:blip>
+          <a:stretch>
+            <a:fillRect/>
+          </a:stretch>
+        </p:blipFill>
+        <p:spPr>
+          <a:xfrm>
+            <a:off x="0" y="0"/>
+            <a:ext cx="12192000" cy="6858000"/>
+          </a:xfrm>
+          <a:prstGeom prst="rect">
+            <a:avLst/>
+          </a:prstGeom>
+        </p:spPr>
+      </p:pic>
+      <p:sp>
+        <p:nvSpPr>
+          <p:cNvPr id="2" name="Title 1"/>
+          <p:cNvSpPr>
+            <a:spLocks noGrp="1"/>
+          </p:cNvSpPr>
+          <p:nvPr>
+            <p:ph type="title"/>
+          </p:nvPr>
+        </p:nvSpPr>
+        <p:spPr>
+          <a:xfrm>
+            <a:off x="913775" y="2138721"/>
+            <a:ext cx="10364452" cy="2511835"/>
+          </a:xfrm>
+        </p:spPr>
+        <p:txBody>
+          <a:bodyPr anchor="b"/>
+          <a:lstStyle>
+            <a:lvl1pPr algn="ctr">
+              <a:defRPr sz="3200"/>
+            </a:lvl1pPr>
+          </a:lstStyle>
+          <a:p>
+            <a:r>
+              <a:rPr lang="en-US"/>
+              <a:t>Click to edit Master title style</a:t>
+            </a:r>
+            <a:endParaRPr lang="en-US" dirty="0"/>
+          </a:p>
+        </p:txBody>
+      </p:sp>
+      <p:sp>
+        <p:nvSpPr>
+          <p:cNvPr id="4" name="Text Placeholder 3"/>
+          <p:cNvSpPr>
+            <a:spLocks noGrp="1"/>
+          </p:cNvSpPr>
+          <p:nvPr>
+            <p:ph type="body" sz="half" idx="2"/>
+          </p:nvPr>
+        </p:nvSpPr>
+        <p:spPr>
+          <a:xfrm>
+            <a:off x="913775" y="4662335"/>
+            <a:ext cx="10364452" cy="1140644"/>
+          </a:xfrm>
+        </p:spPr>
+        <p:txBody>
+          <a:bodyPr anchor="t"/>
+          <a:lstStyle>
+            <a:lvl1pPr marL="0" indent="0" algn="ctr">
+              <a:buNone/>
+              <a:defRPr sz="1600"/>
+            </a:lvl1pPr>
+            <a:lvl2pPr marL="457200" indent="0">
+              <a:buNone/>
+              <a:defRPr sz="1400"/>
+            </a:lvl2pPr>
+            <a:lvl3pPr marL="914400" indent="0">
+              <a:buNone/>
+              <a:defRPr sz="1200"/>
+            </a:lvl3pPr>
+            <a:lvl4pPr marL="1371600" indent="0">
+              <a:buNone/>
+              <a:defRPr sz="1000"/>
+            </a:lvl4pPr>
+            <a:lvl5pPr marL="1828800" indent="0">
+              <a:buNone/>
+              <a:defRPr sz="1000"/>
+            </a:lvl5pPr>
+            <a:lvl6pPr marL="2286000" indent="0">
+              <a:buNone/>
+              <a:defRPr sz="1000"/>
+            </a:lvl6pPr>
+            <a:lvl7pPr marL="2743200" indent="0">
+              <a:buNone/>
+              <a:defRPr sz="1000"/>
+            </a:lvl7pPr>
+            <a:lvl8pPr marL="3200400" indent="0">
+              <a:buNone/>
+              <a:defRPr sz="1000"/>
+            </a:lvl8pPr>
+            <a:lvl9pPr marL="3657600" indent="0">
+              <a:buNone/>
+              <a:defRPr sz="1000"/>
+            </a:lvl9pPr>
+          </a:lstStyle>
+          <a:p>
+            <a:pPr lvl="0"/>
+            <a:r>
+              <a:rPr lang="en-US"/>
+              <a:t>Click to edit Master text styles</a:t>
+            </a:r>
+          </a:p>
+        </p:txBody>
+      </p:sp>
+      <p:sp>
+        <p:nvSpPr>
+          <p:cNvPr id="5" name="Date Placeholder 4"/>
+          <p:cNvSpPr>
+            <a:spLocks noGrp="1"/>
+          </p:cNvSpPr>
+          <p:nvPr>
+            <p:ph type="dt" sz="half" idx="10"/>
+          </p:nvPr>
+        </p:nvSpPr>
+        <p:spPr/>
+        <p:txBody>
+          <a:bodyPr/>
+          <a:lstStyle/>
+          <a:p>
+            <a:fld id="{A3023D7F-90D5-49D0-B78A-601D14CAF387}" type="datetimeFigureOut">
+              <a:rPr lang="en-CA" smtClean="0"/>
+              <a:t>2019-07-17</a:t>
+            </a:fld>
+            <a:endParaRPr lang="en-CA"/>
+          </a:p>
+        </p:txBody>
+      </p:sp>
+      <p:sp>
+        <p:nvSpPr>
+          <p:cNvPr id="6" name="Footer Placeholder 5"/>
+          <p:cNvSpPr>
+            <a:spLocks noGrp="1"/>
+          </p:cNvSpPr>
+          <p:nvPr>
+            <p:ph type="ftr" sz="quarter" idx="11"/>
+          </p:nvPr>
+        </p:nvSpPr>
+        <p:spPr/>
+        <p:txBody>
+          <a:bodyPr/>
+          <a:lstStyle/>
+          <a:p>
+            <a:endParaRPr lang="en-CA"/>
+          </a:p>
+        </p:txBody>
+      </p:sp>
+      <p:sp>
+        <p:nvSpPr>
+          <p:cNvPr id="7" name="Slide Number Placeholder 6"/>
+          <p:cNvSpPr>
+            <a:spLocks noGrp="1"/>
+          </p:cNvSpPr>
+          <p:nvPr>
+            <p:ph type="sldNum" sz="quarter" idx="12"/>
+          </p:nvPr>
+        </p:nvSpPr>
+        <p:spPr/>
+        <p:txBody>
+          <a:bodyPr/>
+          <a:lstStyle/>
+          <a:p>
+            <a:fld id="{5892F983-A0B9-4DC3-92A6-6D9898F6EAA8}" type="slidenum">
+              <a:rPr lang="en-CA" smtClean="0"/>
+              <a:t>‹#›</a:t>
+            </a:fld>
+            <a:endParaRPr lang="en-CA"/>
+          </a:p>
+        </p:txBody>
+      </p:sp>
+    </p:spTree>
+    <p:extLst>
+      <p:ext uri="{BB962C8B-B14F-4D97-AF65-F5344CB8AC3E}">
+        <p14:creationId xmlns:p14="http://schemas.microsoft.com/office/powerpoint/2010/main" val="897040265"/>
+      </p:ext>
+    </p:extLst>
+  </p:cSld>
+  <p:clrMapOvr>
+    <a:masterClrMapping/>
+  </p:clrMapOvr>
+</p:sldLayout>
+</file>
+
+<file path=ppt/slideLayouts/slideLayout14.xml><?xml version="1.0" encoding="utf-8"?>
+<p:sldLayout xmlns:a="http://schemas.openxmlformats.org/drawingml/2006/main" xmlns:r="http://schemas.openxmlformats.org/officeDocument/2006/relationships" xmlns:p="http://schemas.openxmlformats.org/presentationml/2006/main" preserve="1">
+  <p:cSld name="3 Column">
+    <p:spTree>
+      <p:nvGrpSpPr>
+        <p:cNvPr id="1" name=""/>
+        <p:cNvGrpSpPr/>
+        <p:nvPr/>
+      </p:nvGrpSpPr>
+      <p:grpSpPr>
+        <a:xfrm>
+          <a:off x="0" y="0"/>
+          <a:ext cx="0" cy="0"/>
+          <a:chOff x="0" y="0"/>
+          <a:chExt cx="0" cy="0"/>
+        </a:xfrm>
+      </p:grpSpPr>
+      <p:pic>
+        <p:nvPicPr>
+          <p:cNvPr id="13" name="Picture 12" descr="Droplets-HD-Content-R1d.png"/>
+          <p:cNvPicPr>
+            <a:picLocks noChangeAspect="1"/>
+          </p:cNvPicPr>
+          <p:nvPr/>
+        </p:nvPicPr>
+        <p:blipFill>
+          <a:blip r:embed="rId2">
+            <a:extLst>
+              <a:ext uri="{28A0092B-C50C-407E-A947-70E740481C1C}">
+                <a14:useLocalDpi xmlns:a14="http://schemas.microsoft.com/office/drawing/2010/main" val="0"/>
+              </a:ext>
+            </a:extLst>
+          </a:blip>
+          <a:stretch>
+            <a:fillRect/>
+          </a:stretch>
+        </p:blipFill>
+        <p:spPr>
+          <a:xfrm>
+            <a:off x="0" y="0"/>
+            <a:ext cx="12192000" cy="6858000"/>
+          </a:xfrm>
+          <a:prstGeom prst="rect">
+            <a:avLst/>
+          </a:prstGeom>
+        </p:spPr>
+      </p:pic>
+      <p:sp>
+        <p:nvSpPr>
+          <p:cNvPr id="15" name="Title 1"/>
+          <p:cNvSpPr>
+            <a:spLocks noGrp="1"/>
+          </p:cNvSpPr>
+          <p:nvPr>
+            <p:ph type="title"/>
+          </p:nvPr>
+        </p:nvSpPr>
+        <p:spPr>
+          <a:xfrm>
+            <a:off x="913774" y="609600"/>
+            <a:ext cx="10364452" cy="1605094"/>
+          </a:xfrm>
+        </p:spPr>
+        <p:txBody>
+          <a:bodyPr/>
           <a:lstStyle/>
           <a:p>
             <a:r>
               <a:rPr lang="en-US"/>
               <a:t>Click to edit Master title style</a:t>
             </a:r>
+            <a:endParaRPr lang="en-US" dirty="0"/>
+          </a:p>
+        </p:txBody>
+      </p:sp>
+      <p:sp>
+        <p:nvSpPr>
+          <p:cNvPr id="7" name="Text Placeholder 2"/>
+          <p:cNvSpPr>
+            <a:spLocks noGrp="1"/>
+          </p:cNvSpPr>
+          <p:nvPr>
+            <p:ph type="body" idx="1"/>
+          </p:nvPr>
+        </p:nvSpPr>
+        <p:spPr>
+          <a:xfrm>
+            <a:off x="913774" y="2367093"/>
+            <a:ext cx="3298976" cy="576262"/>
+          </a:xfrm>
+        </p:spPr>
+        <p:txBody>
+          <a:bodyPr anchor="b">
+            <a:noAutofit/>
+          </a:bodyPr>
+          <a:lstStyle>
+            <a:lvl1pPr marL="0" indent="0" algn="ctr">
+              <a:lnSpc>
+                <a:spcPct val="85000"/>
+              </a:lnSpc>
+              <a:buNone/>
+              <a:defRPr sz="2400" b="0">
+                <a:solidFill>
+                  <a:schemeClr val="tx1"/>
+                </a:solidFill>
+              </a:defRPr>
+            </a:lvl1pPr>
+            <a:lvl2pPr marL="457200" indent="0">
+              <a:buNone/>
+              <a:defRPr sz="2000" b="1"/>
+            </a:lvl2pPr>
+            <a:lvl3pPr marL="914400" indent="0">
+              <a:buNone/>
+              <a:defRPr sz="1800" b="1"/>
+            </a:lvl3pPr>
+            <a:lvl4pPr marL="1371600" indent="0">
+              <a:buNone/>
+              <a:defRPr sz="1600" b="1"/>
+            </a:lvl4pPr>
+            <a:lvl5pPr marL="1828800" indent="0">
+              <a:buNone/>
+              <a:defRPr sz="1600" b="1"/>
+            </a:lvl5pPr>
+            <a:lvl6pPr marL="2286000" indent="0">
+              <a:buNone/>
+              <a:defRPr sz="1600" b="1"/>
+            </a:lvl6pPr>
+            <a:lvl7pPr marL="2743200" indent="0">
+              <a:buNone/>
+              <a:defRPr sz="1600" b="1"/>
+            </a:lvl7pPr>
+            <a:lvl8pPr marL="3200400" indent="0">
+              <a:buNone/>
+              <a:defRPr sz="1600" b="1"/>
+            </a:lvl8pPr>
+            <a:lvl9pPr marL="3657600" indent="0">
+              <a:buNone/>
+              <a:defRPr sz="1600" b="1"/>
+            </a:lvl9pPr>
+          </a:lstStyle>
+          <a:p>
+            <a:pPr lvl="0"/>
+            <a:r>
+              <a:rPr lang="en-US"/>
+              <a:t>Click to edit Master text styles</a:t>
+            </a:r>
+          </a:p>
+        </p:txBody>
+      </p:sp>
+      <p:sp>
+        <p:nvSpPr>
+          <p:cNvPr id="8" name="Text Placeholder 3"/>
+          <p:cNvSpPr>
+            <a:spLocks noGrp="1"/>
+          </p:cNvSpPr>
+          <p:nvPr>
+            <p:ph type="body" sz="half" idx="15"/>
+          </p:nvPr>
+        </p:nvSpPr>
+        <p:spPr>
+          <a:xfrm>
+            <a:off x="913774" y="2943355"/>
+            <a:ext cx="3298976" cy="2847845"/>
+          </a:xfrm>
+        </p:spPr>
+        <p:txBody>
+          <a:bodyPr anchor="t">
+            <a:normAutofit/>
+          </a:bodyPr>
+          <a:lstStyle>
+            <a:lvl1pPr marL="0" indent="0" algn="ctr">
+              <a:buNone/>
+              <a:defRPr sz="1400"/>
+            </a:lvl1pPr>
+            <a:lvl2pPr marL="457200" indent="0">
+              <a:buNone/>
+              <a:defRPr sz="1200"/>
+            </a:lvl2pPr>
+            <a:lvl3pPr marL="914400" indent="0">
+              <a:buNone/>
+              <a:defRPr sz="1000"/>
+            </a:lvl3pPr>
+            <a:lvl4pPr marL="1371600" indent="0">
+              <a:buNone/>
+              <a:defRPr sz="900"/>
+            </a:lvl4pPr>
+            <a:lvl5pPr marL="1828800" indent="0">
+              <a:buNone/>
+              <a:defRPr sz="900"/>
+            </a:lvl5pPr>
+            <a:lvl6pPr marL="2286000" indent="0">
+              <a:buNone/>
+              <a:defRPr sz="900"/>
+            </a:lvl6pPr>
+            <a:lvl7pPr marL="2743200" indent="0">
+              <a:buNone/>
+              <a:defRPr sz="900"/>
+            </a:lvl7pPr>
+            <a:lvl8pPr marL="3200400" indent="0">
+              <a:buNone/>
+              <a:defRPr sz="900"/>
+            </a:lvl8pPr>
+            <a:lvl9pPr marL="3657600" indent="0">
+              <a:buNone/>
+              <a:defRPr sz="900"/>
+            </a:lvl9pPr>
+          </a:lstStyle>
+          <a:p>
+            <a:pPr lvl="0"/>
+            <a:r>
+              <a:rPr lang="en-US"/>
+              <a:t>Click to edit Master text styles</a:t>
+            </a:r>
+          </a:p>
+        </p:txBody>
+      </p:sp>
+      <p:sp>
+        <p:nvSpPr>
+          <p:cNvPr id="9" name="Text Placeholder 4"/>
+          <p:cNvSpPr>
+            <a:spLocks noGrp="1"/>
+          </p:cNvSpPr>
+          <p:nvPr>
+            <p:ph type="body" sz="quarter" idx="3"/>
+          </p:nvPr>
+        </p:nvSpPr>
+        <p:spPr>
+          <a:xfrm>
+            <a:off x="4452389" y="2367093"/>
+            <a:ext cx="3291521" cy="576262"/>
+          </a:xfrm>
+        </p:spPr>
+        <p:txBody>
+          <a:bodyPr anchor="b">
+            <a:noAutofit/>
+          </a:bodyPr>
+          <a:lstStyle>
+            <a:lvl1pPr marL="0" indent="0" algn="ctr">
+              <a:lnSpc>
+                <a:spcPct val="85000"/>
+              </a:lnSpc>
+              <a:buNone/>
+              <a:defRPr sz="2400" b="0">
+                <a:solidFill>
+                  <a:schemeClr val="tx1"/>
+                </a:solidFill>
+              </a:defRPr>
+            </a:lvl1pPr>
+            <a:lvl2pPr marL="457200" indent="0">
+              <a:buNone/>
+              <a:defRPr sz="2000" b="1"/>
+            </a:lvl2pPr>
+            <a:lvl3pPr marL="914400" indent="0">
+              <a:buNone/>
+              <a:defRPr sz="1800" b="1"/>
+            </a:lvl3pPr>
+            <a:lvl4pPr marL="1371600" indent="0">
+              <a:buNone/>
+              <a:defRPr sz="1600" b="1"/>
+            </a:lvl4pPr>
+            <a:lvl5pPr marL="1828800" indent="0">
+              <a:buNone/>
+              <a:defRPr sz="1600" b="1"/>
+            </a:lvl5pPr>
+            <a:lvl6pPr marL="2286000" indent="0">
+              <a:buNone/>
+              <a:defRPr sz="1600" b="1"/>
+            </a:lvl6pPr>
+            <a:lvl7pPr marL="2743200" indent="0">
+              <a:buNone/>
+              <a:defRPr sz="1600" b="1"/>
+            </a:lvl7pPr>
+            <a:lvl8pPr marL="3200400" indent="0">
+              <a:buNone/>
+              <a:defRPr sz="1600" b="1"/>
+            </a:lvl8pPr>
+            <a:lvl9pPr marL="3657600" indent="0">
+              <a:buNone/>
+              <a:defRPr sz="1600" b="1"/>
+            </a:lvl9pPr>
+          </a:lstStyle>
+          <a:p>
+            <a:pPr lvl="0"/>
+            <a:r>
+              <a:rPr lang="en-US"/>
+              <a:t>Click to edit Master text styles</a:t>
+            </a:r>
+          </a:p>
+        </p:txBody>
+      </p:sp>
+      <p:sp>
+        <p:nvSpPr>
+          <p:cNvPr id="10" name="Text Placeholder 3"/>
+          <p:cNvSpPr>
+            <a:spLocks noGrp="1"/>
+          </p:cNvSpPr>
+          <p:nvPr>
+            <p:ph type="body" sz="half" idx="16"/>
+          </p:nvPr>
+        </p:nvSpPr>
+        <p:spPr>
+          <a:xfrm>
+            <a:off x="4441348" y="2943355"/>
+            <a:ext cx="3303351" cy="2847845"/>
+          </a:xfrm>
+        </p:spPr>
+        <p:txBody>
+          <a:bodyPr anchor="t">
+            <a:normAutofit/>
+          </a:bodyPr>
+          <a:lstStyle>
+            <a:lvl1pPr marL="0" indent="0" algn="ctr">
+              <a:buNone/>
+              <a:defRPr sz="1400"/>
+            </a:lvl1pPr>
+            <a:lvl2pPr marL="457200" indent="0">
+              <a:buNone/>
+              <a:defRPr sz="1200"/>
+            </a:lvl2pPr>
+            <a:lvl3pPr marL="914400" indent="0">
+              <a:buNone/>
+              <a:defRPr sz="1000"/>
+            </a:lvl3pPr>
+            <a:lvl4pPr marL="1371600" indent="0">
+              <a:buNone/>
+              <a:defRPr sz="900"/>
+            </a:lvl4pPr>
+            <a:lvl5pPr marL="1828800" indent="0">
+              <a:buNone/>
+              <a:defRPr sz="900"/>
+            </a:lvl5pPr>
+            <a:lvl6pPr marL="2286000" indent="0">
+              <a:buNone/>
+              <a:defRPr sz="900"/>
+            </a:lvl6pPr>
+            <a:lvl7pPr marL="2743200" indent="0">
+              <a:buNone/>
+              <a:defRPr sz="900"/>
+            </a:lvl7pPr>
+            <a:lvl8pPr marL="3200400" indent="0">
+              <a:buNone/>
+              <a:defRPr sz="900"/>
+            </a:lvl8pPr>
+            <a:lvl9pPr marL="3657600" indent="0">
+              <a:buNone/>
+              <a:defRPr sz="900"/>
+            </a:lvl9pPr>
+          </a:lstStyle>
+          <a:p>
+            <a:pPr lvl="0"/>
+            <a:r>
+              <a:rPr lang="en-US"/>
+              <a:t>Click to edit Master text styles</a:t>
+            </a:r>
+          </a:p>
+        </p:txBody>
+      </p:sp>
+      <p:sp>
+        <p:nvSpPr>
+          <p:cNvPr id="11" name="Text Placeholder 4"/>
+          <p:cNvSpPr>
+            <a:spLocks noGrp="1"/>
+          </p:cNvSpPr>
+          <p:nvPr>
+            <p:ph type="body" sz="quarter" idx="13"/>
+          </p:nvPr>
+        </p:nvSpPr>
+        <p:spPr>
+          <a:xfrm>
+            <a:off x="7973298" y="2367093"/>
+            <a:ext cx="3304928" cy="576262"/>
+          </a:xfrm>
+        </p:spPr>
+        <p:txBody>
+          <a:bodyPr anchor="b">
+            <a:noAutofit/>
+          </a:bodyPr>
+          <a:lstStyle>
+            <a:lvl1pPr marL="0" indent="0" algn="ctr">
+              <a:lnSpc>
+                <a:spcPct val="85000"/>
+              </a:lnSpc>
+              <a:buNone/>
+              <a:defRPr sz="2400" b="0">
+                <a:solidFill>
+                  <a:schemeClr val="tx1"/>
+                </a:solidFill>
+              </a:defRPr>
+            </a:lvl1pPr>
+            <a:lvl2pPr marL="457200" indent="0">
+              <a:buNone/>
+              <a:defRPr sz="2000" b="1"/>
+            </a:lvl2pPr>
+            <a:lvl3pPr marL="914400" indent="0">
+              <a:buNone/>
+              <a:defRPr sz="1800" b="1"/>
+            </a:lvl3pPr>
+            <a:lvl4pPr marL="1371600" indent="0">
+              <a:buNone/>
+              <a:defRPr sz="1600" b="1"/>
+            </a:lvl4pPr>
+            <a:lvl5pPr marL="1828800" indent="0">
+              <a:buNone/>
+              <a:defRPr sz="1600" b="1"/>
+            </a:lvl5pPr>
+            <a:lvl6pPr marL="2286000" indent="0">
+              <a:buNone/>
+              <a:defRPr sz="1600" b="1"/>
+            </a:lvl6pPr>
+            <a:lvl7pPr marL="2743200" indent="0">
+              <a:buNone/>
+              <a:defRPr sz="1600" b="1"/>
+            </a:lvl7pPr>
+            <a:lvl8pPr marL="3200400" indent="0">
+              <a:buNone/>
+              <a:defRPr sz="1600" b="1"/>
+            </a:lvl8pPr>
+            <a:lvl9pPr marL="3657600" indent="0">
+              <a:buNone/>
+              <a:defRPr sz="1600" b="1"/>
+            </a:lvl9pPr>
+          </a:lstStyle>
+          <a:p>
+            <a:pPr lvl="0"/>
+            <a:r>
+              <a:rPr lang="en-US"/>
+              <a:t>Click to edit Master text styles</a:t>
+            </a:r>
+          </a:p>
+        </p:txBody>
+      </p:sp>
+      <p:sp>
+        <p:nvSpPr>
+          <p:cNvPr id="12" name="Text Placeholder 3"/>
+          <p:cNvSpPr>
+            <a:spLocks noGrp="1"/>
+          </p:cNvSpPr>
+          <p:nvPr>
+            <p:ph type="body" sz="half" idx="17"/>
+          </p:nvPr>
+        </p:nvSpPr>
+        <p:spPr>
+          <a:xfrm>
+            <a:off x="7973298" y="2943355"/>
+            <a:ext cx="3304928" cy="2847845"/>
+          </a:xfrm>
+        </p:spPr>
+        <p:txBody>
+          <a:bodyPr anchor="t">
+            <a:normAutofit/>
+          </a:bodyPr>
+          <a:lstStyle>
+            <a:lvl1pPr marL="0" indent="0" algn="ctr">
+              <a:buNone/>
+              <a:defRPr sz="1400"/>
+            </a:lvl1pPr>
+            <a:lvl2pPr marL="457200" indent="0">
+              <a:buNone/>
+              <a:defRPr sz="1200"/>
+            </a:lvl2pPr>
+            <a:lvl3pPr marL="914400" indent="0">
+              <a:buNone/>
+              <a:defRPr sz="1000"/>
+            </a:lvl3pPr>
+            <a:lvl4pPr marL="1371600" indent="0">
+              <a:buNone/>
+              <a:defRPr sz="900"/>
+            </a:lvl4pPr>
+            <a:lvl5pPr marL="1828800" indent="0">
+              <a:buNone/>
+              <a:defRPr sz="900"/>
+            </a:lvl5pPr>
+            <a:lvl6pPr marL="2286000" indent="0">
+              <a:buNone/>
+              <a:defRPr sz="900"/>
+            </a:lvl6pPr>
+            <a:lvl7pPr marL="2743200" indent="0">
+              <a:buNone/>
+              <a:defRPr sz="900"/>
+            </a:lvl7pPr>
+            <a:lvl8pPr marL="3200400" indent="0">
+              <a:buNone/>
+              <a:defRPr sz="900"/>
+            </a:lvl8pPr>
+            <a:lvl9pPr marL="3657600" indent="0">
+              <a:buNone/>
+              <a:defRPr sz="900"/>
+            </a:lvl9pPr>
+          </a:lstStyle>
+          <a:p>
+            <a:pPr lvl="0"/>
+            <a:r>
+              <a:rPr lang="en-US"/>
+              <a:t>Click to edit Master text styles</a:t>
+            </a:r>
+          </a:p>
+        </p:txBody>
+      </p:sp>
+      <p:sp>
+        <p:nvSpPr>
+          <p:cNvPr id="3" name="Date Placeholder 2"/>
+          <p:cNvSpPr>
+            <a:spLocks noGrp="1"/>
+          </p:cNvSpPr>
+          <p:nvPr>
+            <p:ph type="dt" sz="half" idx="10"/>
+          </p:nvPr>
+        </p:nvSpPr>
+        <p:spPr/>
+        <p:txBody>
+          <a:bodyPr/>
+          <a:lstStyle/>
+          <a:p>
+            <a:fld id="{A3023D7F-90D5-49D0-B78A-601D14CAF387}" type="datetimeFigureOut">
+              <a:rPr lang="en-CA" smtClean="0"/>
+              <a:t>2019-07-17</a:t>
+            </a:fld>
             <a:endParaRPr lang="en-CA"/>
           </a:p>
         </p:txBody>
       </p:sp>
       <p:sp>
         <p:nvSpPr>
-          <p:cNvPr id="3" name="Vertical Text Placeholder 2">
-            <a:extLst>
-              <a:ext uri="{FF2B5EF4-FFF2-40B4-BE49-F238E27FC236}">
-                <a16:creationId xmlns:a16="http://schemas.microsoft.com/office/drawing/2014/main" id="{AB9DAD41-D501-40CC-84AC-39373E6FCE43}"/>
-              </a:ext>
-            </a:extLst>
-          </p:cNvPr>
+          <p:cNvPr id="4" name="Footer Placeholder 3"/>
           <p:cNvSpPr>
             <a:spLocks noGrp="1"/>
           </p:cNvSpPr>
           <p:nvPr>
-            <p:ph type="body" orient="vert" idx="1"/>
+            <p:ph type="ftr" sz="quarter" idx="11"/>
+          </p:nvPr>
+        </p:nvSpPr>
+        <p:spPr/>
+        <p:txBody>
+          <a:bodyPr/>
+          <a:lstStyle/>
+          <a:p>
+            <a:endParaRPr lang="en-CA"/>
+          </a:p>
+        </p:txBody>
+      </p:sp>
+      <p:sp>
+        <p:nvSpPr>
+          <p:cNvPr id="5" name="Slide Number Placeholder 4"/>
+          <p:cNvSpPr>
+            <a:spLocks noGrp="1"/>
+          </p:cNvSpPr>
+          <p:nvPr>
+            <p:ph type="sldNum" sz="quarter" idx="12"/>
+          </p:nvPr>
+        </p:nvSpPr>
+        <p:spPr/>
+        <p:txBody>
+          <a:bodyPr/>
+          <a:lstStyle/>
+          <a:p>
+            <a:fld id="{5892F983-A0B9-4DC3-92A6-6D9898F6EAA8}" type="slidenum">
+              <a:rPr lang="en-CA" smtClean="0"/>
+              <a:t>‹#›</a:t>
+            </a:fld>
+            <a:endParaRPr lang="en-CA"/>
+          </a:p>
+        </p:txBody>
+      </p:sp>
+    </p:spTree>
+    <p:extLst>
+      <p:ext uri="{BB962C8B-B14F-4D97-AF65-F5344CB8AC3E}">
+        <p14:creationId xmlns:p14="http://schemas.microsoft.com/office/powerpoint/2010/main" val="235705807"/>
+      </p:ext>
+    </p:extLst>
+  </p:cSld>
+  <p:clrMapOvr>
+    <a:masterClrMapping/>
+  </p:clrMapOvr>
+</p:sldLayout>
+</file>
+
+<file path=ppt/slideLayouts/slideLayout15.xml><?xml version="1.0" encoding="utf-8"?>
+<p:sldLayout xmlns:a="http://schemas.openxmlformats.org/drawingml/2006/main" xmlns:r="http://schemas.openxmlformats.org/officeDocument/2006/relationships" xmlns:p="http://schemas.openxmlformats.org/presentationml/2006/main" preserve="1">
+  <p:cSld name="3 Picture Column">
+    <p:spTree>
+      <p:nvGrpSpPr>
+        <p:cNvPr id="1" name=""/>
+        <p:cNvGrpSpPr/>
+        <p:nvPr/>
+      </p:nvGrpSpPr>
+      <p:grpSpPr>
+        <a:xfrm>
+          <a:off x="0" y="0"/>
+          <a:ext cx="0" cy="0"/>
+          <a:chOff x="0" y="0"/>
+          <a:chExt cx="0" cy="0"/>
+        </a:xfrm>
+      </p:grpSpPr>
+      <p:pic>
+        <p:nvPicPr>
+          <p:cNvPr id="16" name="Picture 15" descr="Droplets-HD-Content-R1d.png"/>
+          <p:cNvPicPr>
+            <a:picLocks noChangeAspect="1"/>
+          </p:cNvPicPr>
+          <p:nvPr/>
+        </p:nvPicPr>
+        <p:blipFill>
+          <a:blip r:embed="rId2">
+            <a:extLst>
+              <a:ext uri="{28A0092B-C50C-407E-A947-70E740481C1C}">
+                <a14:useLocalDpi xmlns:a14="http://schemas.microsoft.com/office/drawing/2010/main" val="0"/>
+              </a:ext>
+            </a:extLst>
+          </a:blip>
+          <a:stretch>
+            <a:fillRect/>
+          </a:stretch>
+        </p:blipFill>
+        <p:spPr>
+          <a:xfrm>
+            <a:off x="0" y="0"/>
+            <a:ext cx="12192000" cy="6858000"/>
+          </a:xfrm>
+          <a:prstGeom prst="rect">
+            <a:avLst/>
+          </a:prstGeom>
+        </p:spPr>
+      </p:pic>
+      <p:sp>
+        <p:nvSpPr>
+          <p:cNvPr id="30" name="Title 1"/>
+          <p:cNvSpPr>
+            <a:spLocks noGrp="1"/>
+          </p:cNvSpPr>
+          <p:nvPr>
+            <p:ph type="title"/>
           </p:nvPr>
         </p:nvSpPr>
         <p:spPr>
           <a:xfrm>
-            <a:off x="838200" y="365125"/>
-            <a:ext cx="7734300" cy="5811838"/>
+            <a:off x="913774" y="610772"/>
+            <a:ext cx="10364452" cy="1603922"/>
+          </a:xfrm>
+        </p:spPr>
+        <p:txBody>
+          <a:bodyPr/>
+          <a:lstStyle/>
+          <a:p>
+            <a:r>
+              <a:rPr lang="en-US"/>
+              <a:t>Click to edit Master title style</a:t>
+            </a:r>
+            <a:endParaRPr lang="en-US" dirty="0"/>
+          </a:p>
+        </p:txBody>
+      </p:sp>
+      <p:sp>
+        <p:nvSpPr>
+          <p:cNvPr id="19" name="Text Placeholder 2"/>
+          <p:cNvSpPr>
+            <a:spLocks noGrp="1"/>
+          </p:cNvSpPr>
+          <p:nvPr>
+            <p:ph type="body" idx="1"/>
+          </p:nvPr>
+        </p:nvSpPr>
+        <p:spPr>
+          <a:xfrm>
+            <a:off x="913774" y="4204820"/>
+            <a:ext cx="3296409" cy="576262"/>
+          </a:xfrm>
+        </p:spPr>
+        <p:txBody>
+          <a:bodyPr anchor="b">
+            <a:noAutofit/>
+          </a:bodyPr>
+          <a:lstStyle>
+            <a:lvl1pPr marL="0" indent="0" algn="ctr">
+              <a:lnSpc>
+                <a:spcPct val="85000"/>
+              </a:lnSpc>
+              <a:buNone/>
+              <a:defRPr sz="2200" b="0">
+                <a:solidFill>
+                  <a:schemeClr val="tx1"/>
+                </a:solidFill>
+              </a:defRPr>
+            </a:lvl1pPr>
+            <a:lvl2pPr marL="457200" indent="0">
+              <a:buNone/>
+              <a:defRPr sz="2000" b="1"/>
+            </a:lvl2pPr>
+            <a:lvl3pPr marL="914400" indent="0">
+              <a:buNone/>
+              <a:defRPr sz="1800" b="1"/>
+            </a:lvl3pPr>
+            <a:lvl4pPr marL="1371600" indent="0">
+              <a:buNone/>
+              <a:defRPr sz="1600" b="1"/>
+            </a:lvl4pPr>
+            <a:lvl5pPr marL="1828800" indent="0">
+              <a:buNone/>
+              <a:defRPr sz="1600" b="1"/>
+            </a:lvl5pPr>
+            <a:lvl6pPr marL="2286000" indent="0">
+              <a:buNone/>
+              <a:defRPr sz="1600" b="1"/>
+            </a:lvl6pPr>
+            <a:lvl7pPr marL="2743200" indent="0">
+              <a:buNone/>
+              <a:defRPr sz="1600" b="1"/>
+            </a:lvl7pPr>
+            <a:lvl8pPr marL="3200400" indent="0">
+              <a:buNone/>
+              <a:defRPr sz="1600" b="1"/>
+            </a:lvl8pPr>
+            <a:lvl9pPr marL="3657600" indent="0">
+              <a:buNone/>
+              <a:defRPr sz="1600" b="1"/>
+            </a:lvl9pPr>
+          </a:lstStyle>
+          <a:p>
+            <a:pPr lvl="0"/>
+            <a:r>
+              <a:rPr lang="en-US"/>
+              <a:t>Click to edit Master text styles</a:t>
+            </a:r>
+          </a:p>
+        </p:txBody>
+      </p:sp>
+      <p:sp>
+        <p:nvSpPr>
+          <p:cNvPr id="20" name="Picture Placeholder 2"/>
+          <p:cNvSpPr>
+            <a:spLocks noGrp="1" noChangeAspect="1"/>
+          </p:cNvSpPr>
+          <p:nvPr>
+            <p:ph type="pic" idx="15"/>
+          </p:nvPr>
+        </p:nvSpPr>
+        <p:spPr>
+          <a:xfrm>
+            <a:off x="913774" y="2367093"/>
+            <a:ext cx="3296409" cy="1524000"/>
+          </a:xfrm>
+          <a:prstGeom prst="roundRect">
+            <a:avLst>
+              <a:gd name="adj" fmla="val 9363"/>
+            </a:avLst>
+          </a:prstGeom>
+          <a:noFill/>
+          <a:ln w="82550" cap="sq">
+            <a:solidFill>
+              <a:srgbClr val="EAEAEA"/>
+            </a:solidFill>
+            <a:miter lim="800000"/>
+          </a:ln>
+          <a:effectLst/>
+          <a:scene3d>
+            <a:camera prst="orthographicFront"/>
+            <a:lightRig rig="threePt" dir="t">
+              <a:rot lat="0" lon="0" rev="2700000"/>
+            </a:lightRig>
+          </a:scene3d>
+          <a:sp3d contourW="6350">
+            <a:bevelT h="38100"/>
+            <a:contourClr>
+              <a:srgbClr val="C0C0C0"/>
+            </a:contourClr>
+          </a:sp3d>
+        </p:spPr>
+        <p:txBody>
+          <a:bodyPr anchor="t">
+            <a:normAutofit/>
+          </a:bodyPr>
+          <a:lstStyle>
+            <a:lvl1pPr marL="0" indent="0" algn="ctr">
+              <a:buNone/>
+              <a:defRPr sz="1600"/>
+            </a:lvl1pPr>
+            <a:lvl2pPr marL="457200" indent="0">
+              <a:buNone/>
+              <a:defRPr sz="1600"/>
+            </a:lvl2pPr>
+            <a:lvl3pPr marL="914400" indent="0">
+              <a:buNone/>
+              <a:defRPr sz="1600"/>
+            </a:lvl3pPr>
+            <a:lvl4pPr marL="1371600" indent="0">
+              <a:buNone/>
+              <a:defRPr sz="1600"/>
+            </a:lvl4pPr>
+            <a:lvl5pPr marL="1828800" indent="0">
+              <a:buNone/>
+              <a:defRPr sz="1600"/>
+            </a:lvl5pPr>
+            <a:lvl6pPr marL="2286000" indent="0">
+              <a:buNone/>
+              <a:defRPr sz="1600"/>
+            </a:lvl6pPr>
+            <a:lvl7pPr marL="2743200" indent="0">
+              <a:buNone/>
+              <a:defRPr sz="1600"/>
+            </a:lvl7pPr>
+            <a:lvl8pPr marL="3200400" indent="0">
+              <a:buNone/>
+              <a:defRPr sz="1600"/>
+            </a:lvl8pPr>
+            <a:lvl9pPr marL="3657600" indent="0">
+              <a:buNone/>
+              <a:defRPr sz="1600"/>
+            </a:lvl9pPr>
+          </a:lstStyle>
+          <a:p>
+            <a:r>
+              <a:rPr lang="en-US"/>
+              <a:t>Click icon to add picture</a:t>
+            </a:r>
+            <a:endParaRPr lang="en-US" dirty="0"/>
+          </a:p>
+        </p:txBody>
+      </p:sp>
+      <p:sp>
+        <p:nvSpPr>
+          <p:cNvPr id="21" name="Text Placeholder 3"/>
+          <p:cNvSpPr>
+            <a:spLocks noGrp="1"/>
+          </p:cNvSpPr>
+          <p:nvPr>
+            <p:ph type="body" sz="half" idx="18"/>
+          </p:nvPr>
+        </p:nvSpPr>
+        <p:spPr>
+          <a:xfrm>
+            <a:off x="913774" y="4781082"/>
+            <a:ext cx="3296409" cy="1010118"/>
+          </a:xfrm>
+        </p:spPr>
+        <p:txBody>
+          <a:bodyPr anchor="t">
+            <a:normAutofit/>
+          </a:bodyPr>
+          <a:lstStyle>
+            <a:lvl1pPr marL="0" indent="0" algn="ctr">
+              <a:buNone/>
+              <a:defRPr sz="1400"/>
+            </a:lvl1pPr>
+            <a:lvl2pPr marL="457200" indent="0">
+              <a:buNone/>
+              <a:defRPr sz="1200"/>
+            </a:lvl2pPr>
+            <a:lvl3pPr marL="914400" indent="0">
+              <a:buNone/>
+              <a:defRPr sz="1000"/>
+            </a:lvl3pPr>
+            <a:lvl4pPr marL="1371600" indent="0">
+              <a:buNone/>
+              <a:defRPr sz="900"/>
+            </a:lvl4pPr>
+            <a:lvl5pPr marL="1828800" indent="0">
+              <a:buNone/>
+              <a:defRPr sz="900"/>
+            </a:lvl5pPr>
+            <a:lvl6pPr marL="2286000" indent="0">
+              <a:buNone/>
+              <a:defRPr sz="900"/>
+            </a:lvl6pPr>
+            <a:lvl7pPr marL="2743200" indent="0">
+              <a:buNone/>
+              <a:defRPr sz="900"/>
+            </a:lvl7pPr>
+            <a:lvl8pPr marL="3200400" indent="0">
+              <a:buNone/>
+              <a:defRPr sz="900"/>
+            </a:lvl8pPr>
+            <a:lvl9pPr marL="3657600" indent="0">
+              <a:buNone/>
+              <a:defRPr sz="900"/>
+            </a:lvl9pPr>
+          </a:lstStyle>
+          <a:p>
+            <a:pPr lvl="0"/>
+            <a:r>
+              <a:rPr lang="en-US"/>
+              <a:t>Click to edit Master text styles</a:t>
+            </a:r>
+          </a:p>
+        </p:txBody>
+      </p:sp>
+      <p:sp>
+        <p:nvSpPr>
+          <p:cNvPr id="22" name="Text Placeholder 4"/>
+          <p:cNvSpPr>
+            <a:spLocks noGrp="1"/>
+          </p:cNvSpPr>
+          <p:nvPr>
+            <p:ph type="body" sz="quarter" idx="3"/>
+          </p:nvPr>
+        </p:nvSpPr>
+        <p:spPr>
+          <a:xfrm>
+            <a:off x="4442759" y="4204820"/>
+            <a:ext cx="3301828" cy="576262"/>
+          </a:xfrm>
+        </p:spPr>
+        <p:txBody>
+          <a:bodyPr anchor="b">
+            <a:noAutofit/>
+          </a:bodyPr>
+          <a:lstStyle>
+            <a:lvl1pPr marL="0" indent="0" algn="ctr">
+              <a:lnSpc>
+                <a:spcPct val="85000"/>
+              </a:lnSpc>
+              <a:buNone/>
+              <a:defRPr sz="2200" b="0">
+                <a:solidFill>
+                  <a:schemeClr val="tx1"/>
+                </a:solidFill>
+              </a:defRPr>
+            </a:lvl1pPr>
+            <a:lvl2pPr marL="457200" indent="0">
+              <a:buNone/>
+              <a:defRPr sz="2000" b="1"/>
+            </a:lvl2pPr>
+            <a:lvl3pPr marL="914400" indent="0">
+              <a:buNone/>
+              <a:defRPr sz="1800" b="1"/>
+            </a:lvl3pPr>
+            <a:lvl4pPr marL="1371600" indent="0">
+              <a:buNone/>
+              <a:defRPr sz="1600" b="1"/>
+            </a:lvl4pPr>
+            <a:lvl5pPr marL="1828800" indent="0">
+              <a:buNone/>
+              <a:defRPr sz="1600" b="1"/>
+            </a:lvl5pPr>
+            <a:lvl6pPr marL="2286000" indent="0">
+              <a:buNone/>
+              <a:defRPr sz="1600" b="1"/>
+            </a:lvl6pPr>
+            <a:lvl7pPr marL="2743200" indent="0">
+              <a:buNone/>
+              <a:defRPr sz="1600" b="1"/>
+            </a:lvl7pPr>
+            <a:lvl8pPr marL="3200400" indent="0">
+              <a:buNone/>
+              <a:defRPr sz="1600" b="1"/>
+            </a:lvl8pPr>
+            <a:lvl9pPr marL="3657600" indent="0">
+              <a:buNone/>
+              <a:defRPr sz="1600" b="1"/>
+            </a:lvl9pPr>
+          </a:lstStyle>
+          <a:p>
+            <a:pPr lvl="0"/>
+            <a:r>
+              <a:rPr lang="en-US"/>
+              <a:t>Click to edit Master text styles</a:t>
+            </a:r>
+          </a:p>
+        </p:txBody>
+      </p:sp>
+      <p:sp>
+        <p:nvSpPr>
+          <p:cNvPr id="23" name="Picture Placeholder 2"/>
+          <p:cNvSpPr>
+            <a:spLocks noGrp="1" noChangeAspect="1"/>
+          </p:cNvSpPr>
+          <p:nvPr>
+            <p:ph type="pic" idx="21"/>
+          </p:nvPr>
+        </p:nvSpPr>
+        <p:spPr>
+          <a:xfrm>
+            <a:off x="4441348" y="2367093"/>
+            <a:ext cx="3303352" cy="1524000"/>
+          </a:xfrm>
+          <a:prstGeom prst="roundRect">
+            <a:avLst>
+              <a:gd name="adj" fmla="val 8841"/>
+            </a:avLst>
+          </a:prstGeom>
+          <a:noFill/>
+          <a:ln w="82550" cap="sq">
+            <a:solidFill>
+              <a:srgbClr val="EAEAEA"/>
+            </a:solidFill>
+            <a:miter lim="800000"/>
+          </a:ln>
+          <a:effectLst/>
+          <a:scene3d>
+            <a:camera prst="orthographicFront"/>
+            <a:lightRig rig="threePt" dir="t">
+              <a:rot lat="0" lon="0" rev="2700000"/>
+            </a:lightRig>
+          </a:scene3d>
+          <a:sp3d contourW="6350">
+            <a:bevelT h="38100"/>
+            <a:contourClr>
+              <a:srgbClr val="C0C0C0"/>
+            </a:contourClr>
+          </a:sp3d>
+        </p:spPr>
+        <p:txBody>
+          <a:bodyPr anchor="t">
+            <a:normAutofit/>
+          </a:bodyPr>
+          <a:lstStyle>
+            <a:lvl1pPr marL="0" indent="0" algn="ctr">
+              <a:buNone/>
+              <a:defRPr sz="1600"/>
+            </a:lvl1pPr>
+            <a:lvl2pPr marL="457200" indent="0">
+              <a:buNone/>
+              <a:defRPr sz="1600"/>
+            </a:lvl2pPr>
+            <a:lvl3pPr marL="914400" indent="0">
+              <a:buNone/>
+              <a:defRPr sz="1600"/>
+            </a:lvl3pPr>
+            <a:lvl4pPr marL="1371600" indent="0">
+              <a:buNone/>
+              <a:defRPr sz="1600"/>
+            </a:lvl4pPr>
+            <a:lvl5pPr marL="1828800" indent="0">
+              <a:buNone/>
+              <a:defRPr sz="1600"/>
+            </a:lvl5pPr>
+            <a:lvl6pPr marL="2286000" indent="0">
+              <a:buNone/>
+              <a:defRPr sz="1600"/>
+            </a:lvl6pPr>
+            <a:lvl7pPr marL="2743200" indent="0">
+              <a:buNone/>
+              <a:defRPr sz="1600"/>
+            </a:lvl7pPr>
+            <a:lvl8pPr marL="3200400" indent="0">
+              <a:buNone/>
+              <a:defRPr sz="1600"/>
+            </a:lvl8pPr>
+            <a:lvl9pPr marL="3657600" indent="0">
+              <a:buNone/>
+              <a:defRPr sz="1600"/>
+            </a:lvl9pPr>
+          </a:lstStyle>
+          <a:p>
+            <a:r>
+              <a:rPr lang="en-US"/>
+              <a:t>Click icon to add picture</a:t>
+            </a:r>
+            <a:endParaRPr lang="en-US" dirty="0"/>
+          </a:p>
+        </p:txBody>
+      </p:sp>
+      <p:sp>
+        <p:nvSpPr>
+          <p:cNvPr id="24" name="Text Placeholder 3"/>
+          <p:cNvSpPr>
+            <a:spLocks noGrp="1"/>
+          </p:cNvSpPr>
+          <p:nvPr>
+            <p:ph type="body" sz="half" idx="19"/>
+          </p:nvPr>
+        </p:nvSpPr>
+        <p:spPr>
+          <a:xfrm>
+            <a:off x="4441348" y="4781080"/>
+            <a:ext cx="3303352" cy="1010119"/>
+          </a:xfrm>
+        </p:spPr>
+        <p:txBody>
+          <a:bodyPr anchor="t">
+            <a:normAutofit/>
+          </a:bodyPr>
+          <a:lstStyle>
+            <a:lvl1pPr marL="0" indent="0" algn="ctr">
+              <a:buNone/>
+              <a:defRPr sz="1400"/>
+            </a:lvl1pPr>
+            <a:lvl2pPr marL="457200" indent="0">
+              <a:buNone/>
+              <a:defRPr sz="1200"/>
+            </a:lvl2pPr>
+            <a:lvl3pPr marL="914400" indent="0">
+              <a:buNone/>
+              <a:defRPr sz="1000"/>
+            </a:lvl3pPr>
+            <a:lvl4pPr marL="1371600" indent="0">
+              <a:buNone/>
+              <a:defRPr sz="900"/>
+            </a:lvl4pPr>
+            <a:lvl5pPr marL="1828800" indent="0">
+              <a:buNone/>
+              <a:defRPr sz="900"/>
+            </a:lvl5pPr>
+            <a:lvl6pPr marL="2286000" indent="0">
+              <a:buNone/>
+              <a:defRPr sz="900"/>
+            </a:lvl6pPr>
+            <a:lvl7pPr marL="2743200" indent="0">
+              <a:buNone/>
+              <a:defRPr sz="900"/>
+            </a:lvl7pPr>
+            <a:lvl8pPr marL="3200400" indent="0">
+              <a:buNone/>
+              <a:defRPr sz="900"/>
+            </a:lvl8pPr>
+            <a:lvl9pPr marL="3657600" indent="0">
+              <a:buNone/>
+              <a:defRPr sz="900"/>
+            </a:lvl9pPr>
+          </a:lstStyle>
+          <a:p>
+            <a:pPr lvl="0"/>
+            <a:r>
+              <a:rPr lang="en-US"/>
+              <a:t>Click to edit Master text styles</a:t>
+            </a:r>
+          </a:p>
+        </p:txBody>
+      </p:sp>
+      <p:sp>
+        <p:nvSpPr>
+          <p:cNvPr id="25" name="Text Placeholder 4"/>
+          <p:cNvSpPr>
+            <a:spLocks noGrp="1"/>
+          </p:cNvSpPr>
+          <p:nvPr>
+            <p:ph type="body" sz="quarter" idx="13"/>
+          </p:nvPr>
+        </p:nvSpPr>
+        <p:spPr>
+          <a:xfrm>
+            <a:off x="7973298" y="4204820"/>
+            <a:ext cx="3300681" cy="576262"/>
+          </a:xfrm>
+        </p:spPr>
+        <p:txBody>
+          <a:bodyPr anchor="b">
+            <a:noAutofit/>
+          </a:bodyPr>
+          <a:lstStyle>
+            <a:lvl1pPr marL="0" indent="0" algn="ctr">
+              <a:lnSpc>
+                <a:spcPct val="85000"/>
+              </a:lnSpc>
+              <a:buNone/>
+              <a:defRPr sz="2200" b="0">
+                <a:solidFill>
+                  <a:schemeClr val="tx1"/>
+                </a:solidFill>
+              </a:defRPr>
+            </a:lvl1pPr>
+            <a:lvl2pPr marL="457200" indent="0">
+              <a:buNone/>
+              <a:defRPr sz="2000" b="1"/>
+            </a:lvl2pPr>
+            <a:lvl3pPr marL="914400" indent="0">
+              <a:buNone/>
+              <a:defRPr sz="1800" b="1"/>
+            </a:lvl3pPr>
+            <a:lvl4pPr marL="1371600" indent="0">
+              <a:buNone/>
+              <a:defRPr sz="1600" b="1"/>
+            </a:lvl4pPr>
+            <a:lvl5pPr marL="1828800" indent="0">
+              <a:buNone/>
+              <a:defRPr sz="1600" b="1"/>
+            </a:lvl5pPr>
+            <a:lvl6pPr marL="2286000" indent="0">
+              <a:buNone/>
+              <a:defRPr sz="1600" b="1"/>
+            </a:lvl6pPr>
+            <a:lvl7pPr marL="2743200" indent="0">
+              <a:buNone/>
+              <a:defRPr sz="1600" b="1"/>
+            </a:lvl7pPr>
+            <a:lvl8pPr marL="3200400" indent="0">
+              <a:buNone/>
+              <a:defRPr sz="1600" b="1"/>
+            </a:lvl8pPr>
+            <a:lvl9pPr marL="3657600" indent="0">
+              <a:buNone/>
+              <a:defRPr sz="1600" b="1"/>
+            </a:lvl9pPr>
+          </a:lstStyle>
+          <a:p>
+            <a:pPr lvl="0"/>
+            <a:r>
+              <a:rPr lang="en-US"/>
+              <a:t>Click to edit Master text styles</a:t>
+            </a:r>
+          </a:p>
+        </p:txBody>
+      </p:sp>
+      <p:sp>
+        <p:nvSpPr>
+          <p:cNvPr id="26" name="Picture Placeholder 2"/>
+          <p:cNvSpPr>
+            <a:spLocks noGrp="1" noChangeAspect="1"/>
+          </p:cNvSpPr>
+          <p:nvPr>
+            <p:ph type="pic" idx="22"/>
+          </p:nvPr>
+        </p:nvSpPr>
+        <p:spPr>
+          <a:xfrm>
+            <a:off x="7973298" y="2367093"/>
+            <a:ext cx="3304928" cy="1524000"/>
+          </a:xfrm>
+          <a:prstGeom prst="roundRect">
+            <a:avLst>
+              <a:gd name="adj" fmla="val 8841"/>
+            </a:avLst>
+          </a:prstGeom>
+          <a:noFill/>
+          <a:ln w="82550" cap="sq">
+            <a:solidFill>
+              <a:srgbClr val="EAEAEA"/>
+            </a:solidFill>
+            <a:miter lim="800000"/>
+          </a:ln>
+          <a:effectLst/>
+          <a:scene3d>
+            <a:camera prst="orthographicFront"/>
+            <a:lightRig rig="threePt" dir="t">
+              <a:rot lat="0" lon="0" rev="2700000"/>
+            </a:lightRig>
+          </a:scene3d>
+          <a:sp3d contourW="6350">
+            <a:bevelT h="38100"/>
+            <a:contourClr>
+              <a:srgbClr val="C0C0C0"/>
+            </a:contourClr>
+          </a:sp3d>
+        </p:spPr>
+        <p:txBody>
+          <a:bodyPr anchor="t">
+            <a:normAutofit/>
+          </a:bodyPr>
+          <a:lstStyle>
+            <a:lvl1pPr marL="0" indent="0" algn="ctr">
+              <a:buNone/>
+              <a:defRPr sz="1600"/>
+            </a:lvl1pPr>
+            <a:lvl2pPr marL="457200" indent="0">
+              <a:buNone/>
+              <a:defRPr sz="1600"/>
+            </a:lvl2pPr>
+            <a:lvl3pPr marL="914400" indent="0">
+              <a:buNone/>
+              <a:defRPr sz="1600"/>
+            </a:lvl3pPr>
+            <a:lvl4pPr marL="1371600" indent="0">
+              <a:buNone/>
+              <a:defRPr sz="1600"/>
+            </a:lvl4pPr>
+            <a:lvl5pPr marL="1828800" indent="0">
+              <a:buNone/>
+              <a:defRPr sz="1600"/>
+            </a:lvl5pPr>
+            <a:lvl6pPr marL="2286000" indent="0">
+              <a:buNone/>
+              <a:defRPr sz="1600"/>
+            </a:lvl6pPr>
+            <a:lvl7pPr marL="2743200" indent="0">
+              <a:buNone/>
+              <a:defRPr sz="1600"/>
+            </a:lvl7pPr>
+            <a:lvl8pPr marL="3200400" indent="0">
+              <a:buNone/>
+              <a:defRPr sz="1600"/>
+            </a:lvl8pPr>
+            <a:lvl9pPr marL="3657600" indent="0">
+              <a:buNone/>
+              <a:defRPr sz="1600"/>
+            </a:lvl9pPr>
+          </a:lstStyle>
+          <a:p>
+            <a:r>
+              <a:rPr lang="en-US"/>
+              <a:t>Click icon to add picture</a:t>
+            </a:r>
+            <a:endParaRPr lang="en-US" dirty="0"/>
+          </a:p>
+        </p:txBody>
+      </p:sp>
+      <p:sp>
+        <p:nvSpPr>
+          <p:cNvPr id="27" name="Text Placeholder 3"/>
+          <p:cNvSpPr>
+            <a:spLocks noGrp="1"/>
+          </p:cNvSpPr>
+          <p:nvPr>
+            <p:ph type="body" sz="half" idx="20"/>
+          </p:nvPr>
+        </p:nvSpPr>
+        <p:spPr>
+          <a:xfrm>
+            <a:off x="7973173" y="4781078"/>
+            <a:ext cx="3305053" cy="1010121"/>
+          </a:xfrm>
+        </p:spPr>
+        <p:txBody>
+          <a:bodyPr anchor="t">
+            <a:normAutofit/>
+          </a:bodyPr>
+          <a:lstStyle>
+            <a:lvl1pPr marL="0" indent="0" algn="ctr">
+              <a:buNone/>
+              <a:defRPr sz="1400"/>
+            </a:lvl1pPr>
+            <a:lvl2pPr marL="457200" indent="0">
+              <a:buNone/>
+              <a:defRPr sz="1200"/>
+            </a:lvl2pPr>
+            <a:lvl3pPr marL="914400" indent="0">
+              <a:buNone/>
+              <a:defRPr sz="1000"/>
+            </a:lvl3pPr>
+            <a:lvl4pPr marL="1371600" indent="0">
+              <a:buNone/>
+              <a:defRPr sz="900"/>
+            </a:lvl4pPr>
+            <a:lvl5pPr marL="1828800" indent="0">
+              <a:buNone/>
+              <a:defRPr sz="900"/>
+            </a:lvl5pPr>
+            <a:lvl6pPr marL="2286000" indent="0">
+              <a:buNone/>
+              <a:defRPr sz="900"/>
+            </a:lvl6pPr>
+            <a:lvl7pPr marL="2743200" indent="0">
+              <a:buNone/>
+              <a:defRPr sz="900"/>
+            </a:lvl7pPr>
+            <a:lvl8pPr marL="3200400" indent="0">
+              <a:buNone/>
+              <a:defRPr sz="900"/>
+            </a:lvl8pPr>
+            <a:lvl9pPr marL="3657600" indent="0">
+              <a:buNone/>
+              <a:defRPr sz="900"/>
+            </a:lvl9pPr>
+          </a:lstStyle>
+          <a:p>
+            <a:pPr lvl="0"/>
+            <a:r>
+              <a:rPr lang="en-US"/>
+              <a:t>Click to edit Master text styles</a:t>
+            </a:r>
+          </a:p>
+        </p:txBody>
+      </p:sp>
+      <p:sp>
+        <p:nvSpPr>
+          <p:cNvPr id="3" name="Date Placeholder 2"/>
+          <p:cNvSpPr>
+            <a:spLocks noGrp="1"/>
+          </p:cNvSpPr>
+          <p:nvPr>
+            <p:ph type="dt" sz="half" idx="10"/>
+          </p:nvPr>
+        </p:nvSpPr>
+        <p:spPr/>
+        <p:txBody>
+          <a:bodyPr/>
+          <a:lstStyle/>
+          <a:p>
+            <a:fld id="{A3023D7F-90D5-49D0-B78A-601D14CAF387}" type="datetimeFigureOut">
+              <a:rPr lang="en-CA" smtClean="0"/>
+              <a:t>2019-07-17</a:t>
+            </a:fld>
+            <a:endParaRPr lang="en-CA"/>
+          </a:p>
+        </p:txBody>
+      </p:sp>
+      <p:sp>
+        <p:nvSpPr>
+          <p:cNvPr id="4" name="Footer Placeholder 3"/>
+          <p:cNvSpPr>
+            <a:spLocks noGrp="1"/>
+          </p:cNvSpPr>
+          <p:nvPr>
+            <p:ph type="ftr" sz="quarter" idx="11"/>
+          </p:nvPr>
+        </p:nvSpPr>
+        <p:spPr/>
+        <p:txBody>
+          <a:bodyPr/>
+          <a:lstStyle/>
+          <a:p>
+            <a:endParaRPr lang="en-CA"/>
+          </a:p>
+        </p:txBody>
+      </p:sp>
+      <p:sp>
+        <p:nvSpPr>
+          <p:cNvPr id="5" name="Slide Number Placeholder 4"/>
+          <p:cNvSpPr>
+            <a:spLocks noGrp="1"/>
+          </p:cNvSpPr>
+          <p:nvPr>
+            <p:ph type="sldNum" sz="quarter" idx="12"/>
+          </p:nvPr>
+        </p:nvSpPr>
+        <p:spPr/>
+        <p:txBody>
+          <a:bodyPr/>
+          <a:lstStyle/>
+          <a:p>
+            <a:fld id="{5892F983-A0B9-4DC3-92A6-6D9898F6EAA8}" type="slidenum">
+              <a:rPr lang="en-CA" smtClean="0"/>
+              <a:t>‹#›</a:t>
+            </a:fld>
+            <a:endParaRPr lang="en-CA"/>
+          </a:p>
+        </p:txBody>
+      </p:sp>
+    </p:spTree>
+    <p:extLst>
+      <p:ext uri="{BB962C8B-B14F-4D97-AF65-F5344CB8AC3E}">
+        <p14:creationId xmlns:p14="http://schemas.microsoft.com/office/powerpoint/2010/main" val="3224699778"/>
+      </p:ext>
+    </p:extLst>
+  </p:cSld>
+  <p:clrMapOvr>
+    <a:masterClrMapping/>
+  </p:clrMapOvr>
+</p:sldLayout>
+</file>
+
+<file path=ppt/slideLayouts/slideLayout16.xml><?xml version="1.0" encoding="utf-8"?>
+<p:sldLayout xmlns:a="http://schemas.openxmlformats.org/drawingml/2006/main" xmlns:r="http://schemas.openxmlformats.org/officeDocument/2006/relationships" xmlns:p="http://schemas.openxmlformats.org/presentationml/2006/main" type="vertTx" preserve="1">
+  <p:cSld name="Title and Vertical Text">
+    <p:spTree>
+      <p:nvGrpSpPr>
+        <p:cNvPr id="1" name=""/>
+        <p:cNvGrpSpPr/>
+        <p:nvPr/>
+      </p:nvGrpSpPr>
+      <p:grpSpPr>
+        <a:xfrm>
+          <a:off x="0" y="0"/>
+          <a:ext cx="0" cy="0"/>
+          <a:chOff x="0" y="0"/>
+          <a:chExt cx="0" cy="0"/>
+        </a:xfrm>
+      </p:grpSpPr>
+      <p:pic>
+        <p:nvPicPr>
+          <p:cNvPr id="8" name="Picture 7" descr="Droplets-HD-Content-R1d.png"/>
+          <p:cNvPicPr>
+            <a:picLocks noChangeAspect="1"/>
+          </p:cNvPicPr>
+          <p:nvPr/>
+        </p:nvPicPr>
+        <p:blipFill>
+          <a:blip r:embed="rId2">
+            <a:extLst>
+              <a:ext uri="{28A0092B-C50C-407E-A947-70E740481C1C}">
+                <a14:useLocalDpi xmlns:a14="http://schemas.microsoft.com/office/drawing/2010/main" val="0"/>
+              </a:ext>
+            </a:extLst>
+          </a:blip>
+          <a:stretch>
+            <a:fillRect/>
+          </a:stretch>
+        </p:blipFill>
+        <p:spPr>
+          <a:xfrm>
+            <a:off x="0" y="0"/>
+            <a:ext cx="12192000" cy="6858000"/>
+          </a:xfrm>
+          <a:prstGeom prst="rect">
+            <a:avLst/>
+          </a:prstGeom>
+        </p:spPr>
+      </p:pic>
+      <p:sp>
+        <p:nvSpPr>
+          <p:cNvPr id="2" name="Title 1"/>
+          <p:cNvSpPr>
+            <a:spLocks noGrp="1"/>
+          </p:cNvSpPr>
+          <p:nvPr>
+            <p:ph type="title"/>
+          </p:nvPr>
+        </p:nvSpPr>
+        <p:spPr/>
+        <p:txBody>
+          <a:bodyPr/>
+          <a:lstStyle/>
+          <a:p>
+            <a:r>
+              <a:rPr lang="en-US"/>
+              <a:t>Click to edit Master title style</a:t>
+            </a:r>
+            <a:endParaRPr lang="en-US" dirty="0"/>
+          </a:p>
+        </p:txBody>
+      </p:sp>
+      <p:sp>
+        <p:nvSpPr>
+          <p:cNvPr id="11" name="Vertical Text Placeholder 2"/>
+          <p:cNvSpPr>
+            <a:spLocks noGrp="1"/>
+          </p:cNvSpPr>
+          <p:nvPr>
+            <p:ph type="body" orient="vert" sz="quarter" idx="13"/>
+          </p:nvPr>
+        </p:nvSpPr>
+        <p:spPr>
+          <a:xfrm>
+            <a:off x="913775" y="2367093"/>
+            <a:ext cx="10364452" cy="3424107"/>
           </a:xfrm>
         </p:spPr>
         <p:txBody>
@@ -10943,19 +13473,13 @@
               <a:rPr lang="en-US"/>
               <a:t>Fifth level</a:t>
             </a:r>
-            <a:endParaRPr lang="en-CA"/>
+            <a:endParaRPr lang="en-US" dirty="0"/>
           </a:p>
         </p:txBody>
       </p:sp>
       <p:sp>
         <p:nvSpPr>
-          <p:cNvPr id="4" name="Date Placeholder 3">
-            <a:extLst>
-              <a:ext uri="{FF2B5EF4-FFF2-40B4-BE49-F238E27FC236}">
-                <a16:creationId xmlns:a16="http://schemas.microsoft.com/office/drawing/2014/main" id="{26505505-CD15-422E-8162-B88E192CB248}"/>
-              </a:ext>
-            </a:extLst>
-          </p:cNvPr>
+          <p:cNvPr id="4" name="Date Placeholder 3"/>
           <p:cNvSpPr>
             <a:spLocks noGrp="1"/>
           </p:cNvSpPr>
@@ -10970,7 +13494,7 @@
           <a:p>
             <a:fld id="{A3023D7F-90D5-49D0-B78A-601D14CAF387}" type="datetimeFigureOut">
               <a:rPr lang="en-CA" smtClean="0"/>
-              <a:t>2019-07-16</a:t>
+              <a:t>2019-07-17</a:t>
             </a:fld>
             <a:endParaRPr lang="en-CA"/>
           </a:p>
@@ -10978,13 +13502,7 @@
       </p:sp>
       <p:sp>
         <p:nvSpPr>
-          <p:cNvPr id="5" name="Footer Placeholder 4">
-            <a:extLst>
-              <a:ext uri="{FF2B5EF4-FFF2-40B4-BE49-F238E27FC236}">
-                <a16:creationId xmlns:a16="http://schemas.microsoft.com/office/drawing/2014/main" id="{EB9BFC25-48A3-4022-9AB4-C2FF0E191515}"/>
-              </a:ext>
-            </a:extLst>
-          </p:cNvPr>
+          <p:cNvPr id="5" name="Footer Placeholder 4"/>
           <p:cNvSpPr>
             <a:spLocks noGrp="1"/>
           </p:cNvSpPr>
@@ -11003,13 +13521,7 @@
       </p:sp>
       <p:sp>
         <p:nvSpPr>
-          <p:cNvPr id="6" name="Slide Number Placeholder 5">
-            <a:extLst>
-              <a:ext uri="{FF2B5EF4-FFF2-40B4-BE49-F238E27FC236}">
-                <a16:creationId xmlns:a16="http://schemas.microsoft.com/office/drawing/2014/main" id="{9A25C158-46AD-4376-9533-E68921BF49C7}"/>
-              </a:ext>
-            </a:extLst>
-          </p:cNvPr>
+          <p:cNvPr id="6" name="Slide Number Placeholder 5"/>
           <p:cNvSpPr>
             <a:spLocks noGrp="1"/>
           </p:cNvSpPr>
@@ -11033,7 +13545,7 @@
     </p:spTree>
     <p:extLst>
       <p:ext uri="{BB962C8B-B14F-4D97-AF65-F5344CB8AC3E}">
-        <p14:creationId xmlns:p14="http://schemas.microsoft.com/office/powerpoint/2010/main" val="4201342031"/>
+        <p14:creationId xmlns:p14="http://schemas.microsoft.com/office/powerpoint/2010/main" val="494412809"/>
       </p:ext>
     </p:extLst>
   </p:cSld>
@@ -11043,9 +13555,223 @@
 </p:sldLayout>
 </file>
 
-<file path=ppt/slideLayouts/slideLayout2.xml><?xml version="1.0" encoding="utf-8"?>
-<p:sldLayout xmlns:a="http://schemas.openxmlformats.org/drawingml/2006/main" xmlns:r="http://schemas.openxmlformats.org/officeDocument/2006/relationships" xmlns:p="http://schemas.openxmlformats.org/presentationml/2006/main" type="obj" preserve="1">
-  <p:cSld name="Title and Content">
+<file path=ppt/slideLayouts/slideLayout17.xml><?xml version="1.0" encoding="utf-8"?>
+<p:sldLayout xmlns:a="http://schemas.openxmlformats.org/drawingml/2006/main" xmlns:r="http://schemas.openxmlformats.org/officeDocument/2006/relationships" xmlns:p="http://schemas.openxmlformats.org/presentationml/2006/main" type="vertTitleAndTx" preserve="1">
+  <p:cSld name="Vertical Title and Text">
+    <p:spTree>
+      <p:nvGrpSpPr>
+        <p:cNvPr id="1" name=""/>
+        <p:cNvGrpSpPr/>
+        <p:nvPr/>
+      </p:nvGrpSpPr>
+      <p:grpSpPr>
+        <a:xfrm>
+          <a:off x="0" y="0"/>
+          <a:ext cx="0" cy="0"/>
+          <a:chOff x="0" y="0"/>
+          <a:chExt cx="0" cy="0"/>
+        </a:xfrm>
+      </p:grpSpPr>
+      <p:pic>
+        <p:nvPicPr>
+          <p:cNvPr id="9" name="Picture 8" descr="Droplets-HD-Content-R1d.png"/>
+          <p:cNvPicPr>
+            <a:picLocks noChangeAspect="1"/>
+          </p:cNvPicPr>
+          <p:nvPr/>
+        </p:nvPicPr>
+        <p:blipFill>
+          <a:blip r:embed="rId2">
+            <a:extLst>
+              <a:ext uri="{28A0092B-C50C-407E-A947-70E740481C1C}">
+                <a14:useLocalDpi xmlns:a14="http://schemas.microsoft.com/office/drawing/2010/main" val="0"/>
+              </a:ext>
+            </a:extLst>
+          </a:blip>
+          <a:stretch>
+            <a:fillRect/>
+          </a:stretch>
+        </p:blipFill>
+        <p:spPr>
+          <a:xfrm>
+            <a:off x="0" y="0"/>
+            <a:ext cx="12192000" cy="6858000"/>
+          </a:xfrm>
+          <a:prstGeom prst="rect">
+            <a:avLst/>
+          </a:prstGeom>
+        </p:spPr>
+      </p:pic>
+      <p:sp>
+        <p:nvSpPr>
+          <p:cNvPr id="2" name="Vertical Title 1"/>
+          <p:cNvSpPr>
+            <a:spLocks noGrp="1"/>
+          </p:cNvSpPr>
+          <p:nvPr>
+            <p:ph type="title" orient="vert"/>
+          </p:nvPr>
+        </p:nvSpPr>
+        <p:spPr>
+          <a:xfrm>
+            <a:off x="8724900" y="609601"/>
+            <a:ext cx="2553326" cy="5181599"/>
+          </a:xfrm>
+        </p:spPr>
+        <p:txBody>
+          <a:bodyPr vert="eaVert"/>
+          <a:lstStyle>
+            <a:lvl1pPr algn="l">
+              <a:defRPr/>
+            </a:lvl1pPr>
+          </a:lstStyle>
+          <a:p>
+            <a:r>
+              <a:rPr lang="en-US"/>
+              <a:t>Click to edit Master title style</a:t>
+            </a:r>
+            <a:endParaRPr lang="en-US" dirty="0"/>
+          </a:p>
+        </p:txBody>
+      </p:sp>
+      <p:sp>
+        <p:nvSpPr>
+          <p:cNvPr id="8" name="Vertical Text Placeholder 2"/>
+          <p:cNvSpPr>
+            <a:spLocks noGrp="1"/>
+          </p:cNvSpPr>
+          <p:nvPr>
+            <p:ph type="body" orient="vert" sz="quarter" idx="13"/>
+          </p:nvPr>
+        </p:nvSpPr>
+        <p:spPr>
+          <a:xfrm>
+            <a:off x="913775" y="609601"/>
+            <a:ext cx="7658724" cy="5181599"/>
+          </a:xfrm>
+        </p:spPr>
+        <p:txBody>
+          <a:bodyPr vert="eaVert"/>
+          <a:lstStyle/>
+          <a:p>
+            <a:pPr lvl="0"/>
+            <a:r>
+              <a:rPr lang="en-US"/>
+              <a:t>Click to edit Master text styles</a:t>
+            </a:r>
+          </a:p>
+          <a:p>
+            <a:pPr lvl="1"/>
+            <a:r>
+              <a:rPr lang="en-US"/>
+              <a:t>Second level</a:t>
+            </a:r>
+          </a:p>
+          <a:p>
+            <a:pPr lvl="2"/>
+            <a:r>
+              <a:rPr lang="en-US"/>
+              <a:t>Third level</a:t>
+            </a:r>
+          </a:p>
+          <a:p>
+            <a:pPr lvl="3"/>
+            <a:r>
+              <a:rPr lang="en-US"/>
+              <a:t>Fourth level</a:t>
+            </a:r>
+          </a:p>
+          <a:p>
+            <a:pPr lvl="4"/>
+            <a:r>
+              <a:rPr lang="en-US"/>
+              <a:t>Fifth level</a:t>
+            </a:r>
+            <a:endParaRPr lang="en-US" dirty="0"/>
+          </a:p>
+        </p:txBody>
+      </p:sp>
+      <p:sp>
+        <p:nvSpPr>
+          <p:cNvPr id="4" name="Date Placeholder 3"/>
+          <p:cNvSpPr>
+            <a:spLocks noGrp="1"/>
+          </p:cNvSpPr>
+          <p:nvPr>
+            <p:ph type="dt" sz="half" idx="10"/>
+          </p:nvPr>
+        </p:nvSpPr>
+        <p:spPr/>
+        <p:txBody>
+          <a:bodyPr/>
+          <a:lstStyle/>
+          <a:p>
+            <a:fld id="{A3023D7F-90D5-49D0-B78A-601D14CAF387}" type="datetimeFigureOut">
+              <a:rPr lang="en-CA" smtClean="0"/>
+              <a:t>2019-07-17</a:t>
+            </a:fld>
+            <a:endParaRPr lang="en-CA"/>
+          </a:p>
+        </p:txBody>
+      </p:sp>
+      <p:sp>
+        <p:nvSpPr>
+          <p:cNvPr id="5" name="Footer Placeholder 4"/>
+          <p:cNvSpPr>
+            <a:spLocks noGrp="1"/>
+          </p:cNvSpPr>
+          <p:nvPr>
+            <p:ph type="ftr" sz="quarter" idx="11"/>
+          </p:nvPr>
+        </p:nvSpPr>
+        <p:spPr/>
+        <p:txBody>
+          <a:bodyPr/>
+          <a:lstStyle/>
+          <a:p>
+            <a:endParaRPr lang="en-CA"/>
+          </a:p>
+        </p:txBody>
+      </p:sp>
+      <p:sp>
+        <p:nvSpPr>
+          <p:cNvPr id="6" name="Slide Number Placeholder 5"/>
+          <p:cNvSpPr>
+            <a:spLocks noGrp="1"/>
+          </p:cNvSpPr>
+          <p:nvPr>
+            <p:ph type="sldNum" sz="quarter" idx="12"/>
+          </p:nvPr>
+        </p:nvSpPr>
+        <p:spPr/>
+        <p:txBody>
+          <a:bodyPr/>
+          <a:lstStyle/>
+          <a:p>
+            <a:fld id="{5892F983-A0B9-4DC3-92A6-6D9898F6EAA8}" type="slidenum">
+              <a:rPr lang="en-CA" smtClean="0"/>
+              <a:t>‹#›</a:t>
+            </a:fld>
+            <a:endParaRPr lang="en-CA"/>
+          </a:p>
+        </p:txBody>
+      </p:sp>
+    </p:spTree>
+    <p:extLst>
+      <p:ext uri="{BB962C8B-B14F-4D97-AF65-F5344CB8AC3E}">
+        <p14:creationId xmlns:p14="http://schemas.microsoft.com/office/powerpoint/2010/main" val="784933188"/>
+      </p:ext>
+    </p:extLst>
+  </p:cSld>
+  <p:clrMapOvr>
+    <a:masterClrMapping/>
+  </p:clrMapOvr>
+</p:sldLayout>
+</file>
+
+<file path=ppt/slideLayouts/slideLayout18.xml><?xml version="1.0" encoding="utf-8"?>
+<p:sldLayout xmlns:a="http://schemas.openxmlformats.org/drawingml/2006/main" xmlns:r="http://schemas.openxmlformats.org/officeDocument/2006/relationships" xmlns:p="http://schemas.openxmlformats.org/presentationml/2006/main" type="obj">
+  <p:cSld name="1_Title and Content">
     <p:spTree>
       <p:nvGrpSpPr>
         <p:cNvPr id="1" name=""/>
@@ -11170,7 +13896,7 @@
           <a:p>
             <a:fld id="{A3023D7F-90D5-49D0-B78A-601D14CAF387}" type="datetimeFigureOut">
               <a:rPr lang="en-CA" smtClean="0"/>
-              <a:t>2019-07-16</a:t>
+              <a:t>2019-07-17</a:t>
             </a:fld>
             <a:endParaRPr lang="en-CA"/>
           </a:p>
@@ -11233,7 +13959,7 @@
     </p:spTree>
     <p:extLst>
       <p:ext uri="{BB962C8B-B14F-4D97-AF65-F5344CB8AC3E}">
-        <p14:creationId xmlns:p14="http://schemas.microsoft.com/office/powerpoint/2010/main" val="4153799931"/>
+        <p14:creationId xmlns:p14="http://schemas.microsoft.com/office/powerpoint/2010/main" val="4164833665"/>
       </p:ext>
     </p:extLst>
   </p:cSld>
@@ -11243,9 +13969,9 @@
 </p:sldLayout>
 </file>
 
-<file path=ppt/slideLayouts/slideLayout3.xml><?xml version="1.0" encoding="utf-8"?>
-<p:sldLayout xmlns:a="http://schemas.openxmlformats.org/drawingml/2006/main" xmlns:r="http://schemas.openxmlformats.org/officeDocument/2006/relationships" xmlns:p="http://schemas.openxmlformats.org/presentationml/2006/main" type="secHead" preserve="1">
-  <p:cSld name="Section Header">
+<file path=ppt/slideLayouts/slideLayout2.xml><?xml version="1.0" encoding="utf-8"?>
+<p:sldLayout xmlns:a="http://schemas.openxmlformats.org/drawingml/2006/main" xmlns:r="http://schemas.openxmlformats.org/officeDocument/2006/relationships" xmlns:p="http://schemas.openxmlformats.org/presentationml/2006/main" type="obj" preserve="1">
+  <p:cSld name="Title and Content">
     <p:spTree>
       <p:nvGrpSpPr>
         <p:cNvPr id="1" name=""/>
@@ -11260,291 +13986,39 @@
           <a:chExt cx="0" cy="0"/>
         </a:xfrm>
       </p:grpSpPr>
+      <p:pic>
+        <p:nvPicPr>
+          <p:cNvPr id="3" name="Picture 2" descr="Droplets-HD-Content-R1d.png"/>
+          <p:cNvPicPr>
+            <a:picLocks noChangeAspect="1"/>
+          </p:cNvPicPr>
+          <p:nvPr/>
+        </p:nvPicPr>
+        <p:blipFill>
+          <a:blip r:embed="rId2">
+            <a:extLst>
+              <a:ext uri="{28A0092B-C50C-407E-A947-70E740481C1C}">
+                <a14:useLocalDpi xmlns:a14="http://schemas.microsoft.com/office/drawing/2010/main" val="0"/>
+              </a:ext>
+            </a:extLst>
+          </a:blip>
+          <a:stretch>
+            <a:fillRect/>
+          </a:stretch>
+        </p:blipFill>
+        <p:spPr>
+          <a:xfrm>
+            <a:off x="0" y="0"/>
+            <a:ext cx="12192000" cy="6858000"/>
+          </a:xfrm>
+          <a:prstGeom prst="rect">
+            <a:avLst/>
+          </a:prstGeom>
+        </p:spPr>
+      </p:pic>
       <p:sp>
         <p:nvSpPr>
-          <p:cNvPr id="2" name="Title 1">
-            <a:extLst>
-              <a:ext uri="{FF2B5EF4-FFF2-40B4-BE49-F238E27FC236}">
-                <a16:creationId xmlns:a16="http://schemas.microsoft.com/office/drawing/2014/main" id="{BFC08C57-B57B-41D4-8089-F51F4254C9CE}"/>
-              </a:ext>
-            </a:extLst>
-          </p:cNvPr>
-          <p:cNvSpPr>
-            <a:spLocks noGrp="1"/>
-          </p:cNvSpPr>
-          <p:nvPr>
-            <p:ph type="title"/>
-          </p:nvPr>
-        </p:nvSpPr>
-        <p:spPr>
-          <a:xfrm>
-            <a:off x="831850" y="1709738"/>
-            <a:ext cx="10515600" cy="2852737"/>
-          </a:xfrm>
-        </p:spPr>
-        <p:txBody>
-          <a:bodyPr anchor="b"/>
-          <a:lstStyle>
-            <a:lvl1pPr>
-              <a:defRPr sz="6000"/>
-            </a:lvl1pPr>
-          </a:lstStyle>
-          <a:p>
-            <a:r>
-              <a:rPr lang="en-US"/>
-              <a:t>Click to edit Master title style</a:t>
-            </a:r>
-            <a:endParaRPr lang="en-CA"/>
-          </a:p>
-        </p:txBody>
-      </p:sp>
-      <p:sp>
-        <p:nvSpPr>
-          <p:cNvPr id="3" name="Text Placeholder 2">
-            <a:extLst>
-              <a:ext uri="{FF2B5EF4-FFF2-40B4-BE49-F238E27FC236}">
-                <a16:creationId xmlns:a16="http://schemas.microsoft.com/office/drawing/2014/main" id="{739D8E43-C495-41CC-B4AE-1058E871E415}"/>
-              </a:ext>
-            </a:extLst>
-          </p:cNvPr>
-          <p:cNvSpPr>
-            <a:spLocks noGrp="1"/>
-          </p:cNvSpPr>
-          <p:nvPr>
-            <p:ph type="body" idx="1"/>
-          </p:nvPr>
-        </p:nvSpPr>
-        <p:spPr>
-          <a:xfrm>
-            <a:off x="831850" y="4589463"/>
-            <a:ext cx="10515600" cy="1500187"/>
-          </a:xfrm>
-        </p:spPr>
-        <p:txBody>
-          <a:bodyPr/>
-          <a:lstStyle>
-            <a:lvl1pPr marL="0" indent="0">
-              <a:buNone/>
-              <a:defRPr sz="2400">
-                <a:solidFill>
-                  <a:schemeClr val="tx1">
-                    <a:tint val="75000"/>
-                  </a:schemeClr>
-                </a:solidFill>
-              </a:defRPr>
-            </a:lvl1pPr>
-            <a:lvl2pPr marL="457200" indent="0">
-              <a:buNone/>
-              <a:defRPr sz="2000">
-                <a:solidFill>
-                  <a:schemeClr val="tx1">
-                    <a:tint val="75000"/>
-                  </a:schemeClr>
-                </a:solidFill>
-              </a:defRPr>
-            </a:lvl2pPr>
-            <a:lvl3pPr marL="914400" indent="0">
-              <a:buNone/>
-              <a:defRPr sz="1800">
-                <a:solidFill>
-                  <a:schemeClr val="tx1">
-                    <a:tint val="75000"/>
-                  </a:schemeClr>
-                </a:solidFill>
-              </a:defRPr>
-            </a:lvl3pPr>
-            <a:lvl4pPr marL="1371600" indent="0">
-              <a:buNone/>
-              <a:defRPr sz="1600">
-                <a:solidFill>
-                  <a:schemeClr val="tx1">
-                    <a:tint val="75000"/>
-                  </a:schemeClr>
-                </a:solidFill>
-              </a:defRPr>
-            </a:lvl4pPr>
-            <a:lvl5pPr marL="1828800" indent="0">
-              <a:buNone/>
-              <a:defRPr sz="1600">
-                <a:solidFill>
-                  <a:schemeClr val="tx1">
-                    <a:tint val="75000"/>
-                  </a:schemeClr>
-                </a:solidFill>
-              </a:defRPr>
-            </a:lvl5pPr>
-            <a:lvl6pPr marL="2286000" indent="0">
-              <a:buNone/>
-              <a:defRPr sz="1600">
-                <a:solidFill>
-                  <a:schemeClr val="tx1">
-                    <a:tint val="75000"/>
-                  </a:schemeClr>
-                </a:solidFill>
-              </a:defRPr>
-            </a:lvl6pPr>
-            <a:lvl7pPr marL="2743200" indent="0">
-              <a:buNone/>
-              <a:defRPr sz="1600">
-                <a:solidFill>
-                  <a:schemeClr val="tx1">
-                    <a:tint val="75000"/>
-                  </a:schemeClr>
-                </a:solidFill>
-              </a:defRPr>
-            </a:lvl7pPr>
-            <a:lvl8pPr marL="3200400" indent="0">
-              <a:buNone/>
-              <a:defRPr sz="1600">
-                <a:solidFill>
-                  <a:schemeClr val="tx1">
-                    <a:tint val="75000"/>
-                  </a:schemeClr>
-                </a:solidFill>
-              </a:defRPr>
-            </a:lvl8pPr>
-            <a:lvl9pPr marL="3657600" indent="0">
-              <a:buNone/>
-              <a:defRPr sz="1600">
-                <a:solidFill>
-                  <a:schemeClr val="tx1">
-                    <a:tint val="75000"/>
-                  </a:schemeClr>
-                </a:solidFill>
-              </a:defRPr>
-            </a:lvl9pPr>
-          </a:lstStyle>
-          <a:p>
-            <a:pPr lvl="0"/>
-            <a:r>
-              <a:rPr lang="en-US"/>
-              <a:t>Click to edit Master text styles</a:t>
-            </a:r>
-          </a:p>
-        </p:txBody>
-      </p:sp>
-      <p:sp>
-        <p:nvSpPr>
-          <p:cNvPr id="4" name="Date Placeholder 3">
-            <a:extLst>
-              <a:ext uri="{FF2B5EF4-FFF2-40B4-BE49-F238E27FC236}">
-                <a16:creationId xmlns:a16="http://schemas.microsoft.com/office/drawing/2014/main" id="{E007102F-F093-452C-9B4C-AFC8B4C80945}"/>
-              </a:ext>
-            </a:extLst>
-          </p:cNvPr>
-          <p:cNvSpPr>
-            <a:spLocks noGrp="1"/>
-          </p:cNvSpPr>
-          <p:nvPr>
-            <p:ph type="dt" sz="half" idx="10"/>
-          </p:nvPr>
-        </p:nvSpPr>
-        <p:spPr/>
-        <p:txBody>
-          <a:bodyPr/>
-          <a:lstStyle/>
-          <a:p>
-            <a:fld id="{A3023D7F-90D5-49D0-B78A-601D14CAF387}" type="datetimeFigureOut">
-              <a:rPr lang="en-CA" smtClean="0"/>
-              <a:t>2019-07-16</a:t>
-            </a:fld>
-            <a:endParaRPr lang="en-CA"/>
-          </a:p>
-        </p:txBody>
-      </p:sp>
-      <p:sp>
-        <p:nvSpPr>
-          <p:cNvPr id="5" name="Footer Placeholder 4">
-            <a:extLst>
-              <a:ext uri="{FF2B5EF4-FFF2-40B4-BE49-F238E27FC236}">
-                <a16:creationId xmlns:a16="http://schemas.microsoft.com/office/drawing/2014/main" id="{D7F7D7AB-5768-4174-8029-785AB1CB956B}"/>
-              </a:ext>
-            </a:extLst>
-          </p:cNvPr>
-          <p:cNvSpPr>
-            <a:spLocks noGrp="1"/>
-          </p:cNvSpPr>
-          <p:nvPr>
-            <p:ph type="ftr" sz="quarter" idx="11"/>
-          </p:nvPr>
-        </p:nvSpPr>
-        <p:spPr/>
-        <p:txBody>
-          <a:bodyPr/>
-          <a:lstStyle/>
-          <a:p>
-            <a:endParaRPr lang="en-CA"/>
-          </a:p>
-        </p:txBody>
-      </p:sp>
-      <p:sp>
-        <p:nvSpPr>
-          <p:cNvPr id="6" name="Slide Number Placeholder 5">
-            <a:extLst>
-              <a:ext uri="{FF2B5EF4-FFF2-40B4-BE49-F238E27FC236}">
-                <a16:creationId xmlns:a16="http://schemas.microsoft.com/office/drawing/2014/main" id="{3FDC51AA-D2BD-4E25-9939-9650DDCAF2A3}"/>
-              </a:ext>
-            </a:extLst>
-          </p:cNvPr>
-          <p:cNvSpPr>
-            <a:spLocks noGrp="1"/>
-          </p:cNvSpPr>
-          <p:nvPr>
-            <p:ph type="sldNum" sz="quarter" idx="12"/>
-          </p:nvPr>
-        </p:nvSpPr>
-        <p:spPr/>
-        <p:txBody>
-          <a:bodyPr/>
-          <a:lstStyle/>
-          <a:p>
-            <a:fld id="{5892F983-A0B9-4DC3-92A6-6D9898F6EAA8}" type="slidenum">
-              <a:rPr lang="en-CA" smtClean="0"/>
-              <a:t>‹#›</a:t>
-            </a:fld>
-            <a:endParaRPr lang="en-CA"/>
-          </a:p>
-        </p:txBody>
-      </p:sp>
-    </p:spTree>
-    <p:extLst>
-      <p:ext uri="{BB962C8B-B14F-4D97-AF65-F5344CB8AC3E}">
-        <p14:creationId xmlns:p14="http://schemas.microsoft.com/office/powerpoint/2010/main" val="1283806474"/>
-      </p:ext>
-    </p:extLst>
-  </p:cSld>
-  <p:clrMapOvr>
-    <a:masterClrMapping/>
-  </p:clrMapOvr>
-</p:sldLayout>
-</file>
-
-<file path=ppt/slideLayouts/slideLayout4.xml><?xml version="1.0" encoding="utf-8"?>
-<p:sldLayout xmlns:a="http://schemas.openxmlformats.org/drawingml/2006/main" xmlns:r="http://schemas.openxmlformats.org/officeDocument/2006/relationships" xmlns:p="http://schemas.openxmlformats.org/presentationml/2006/main" type="twoObj" preserve="1">
-  <p:cSld name="Two Content">
-    <p:spTree>
-      <p:nvGrpSpPr>
-        <p:cNvPr id="1" name=""/>
-        <p:cNvGrpSpPr/>
-        <p:nvPr/>
-      </p:nvGrpSpPr>
-      <p:grpSpPr>
-        <a:xfrm>
-          <a:off x="0" y="0"/>
-          <a:ext cx="0" cy="0"/>
-          <a:chOff x="0" y="0"/>
-          <a:chExt cx="0" cy="0"/>
-        </a:xfrm>
-      </p:grpSpPr>
-      <p:sp>
-        <p:nvSpPr>
-          <p:cNvPr id="2" name="Title 1">
-            <a:extLst>
-              <a:ext uri="{FF2B5EF4-FFF2-40B4-BE49-F238E27FC236}">
-                <a16:creationId xmlns:a16="http://schemas.microsoft.com/office/drawing/2014/main" id="{297511E7-B2AF-4C64-B3AA-F24BA7F5F9F8}"/>
-              </a:ext>
-            </a:extLst>
-          </p:cNvPr>
+          <p:cNvPr id="2" name="Title 1"/>
           <p:cNvSpPr>
             <a:spLocks noGrp="1"/>
           </p:cNvSpPr>
@@ -11561,30 +14035,24 @@
               <a:rPr lang="en-US"/>
               <a:t>Click to edit Master title style</a:t>
             </a:r>
-            <a:endParaRPr lang="en-CA"/>
+            <a:endParaRPr lang="en-US" dirty="0"/>
           </a:p>
         </p:txBody>
       </p:sp>
       <p:sp>
         <p:nvSpPr>
-          <p:cNvPr id="3" name="Content Placeholder 2">
-            <a:extLst>
-              <a:ext uri="{FF2B5EF4-FFF2-40B4-BE49-F238E27FC236}">
-                <a16:creationId xmlns:a16="http://schemas.microsoft.com/office/drawing/2014/main" id="{E788ACF9-3095-4C4C-99A6-8514C0758997}"/>
-              </a:ext>
-            </a:extLst>
-          </p:cNvPr>
+          <p:cNvPr id="12" name="Content Placeholder 2"/>
           <p:cNvSpPr>
             <a:spLocks noGrp="1"/>
           </p:cNvSpPr>
           <p:nvPr>
-            <p:ph sz="half" idx="1"/>
+            <p:ph sz="quarter" idx="13"/>
           </p:nvPr>
         </p:nvSpPr>
         <p:spPr>
           <a:xfrm>
-            <a:off x="838200" y="1825625"/>
-            <a:ext cx="5181600" cy="4351338"/>
+            <a:off x="913774" y="2367092"/>
+            <a:ext cx="10363826" cy="3424107"/>
           </a:xfrm>
         </p:spPr>
         <p:txBody>
@@ -11624,30 +14092,457 @@
               <a:rPr lang="en-US"/>
               <a:t>Fifth level</a:t>
             </a:r>
+            <a:endParaRPr lang="en-US" dirty="0"/>
+          </a:p>
+        </p:txBody>
+      </p:sp>
+      <p:sp>
+        <p:nvSpPr>
+          <p:cNvPr id="4" name="Date Placeholder 3"/>
+          <p:cNvSpPr>
+            <a:spLocks noGrp="1"/>
+          </p:cNvSpPr>
+          <p:nvPr>
+            <p:ph type="dt" sz="half" idx="10"/>
+          </p:nvPr>
+        </p:nvSpPr>
+        <p:spPr/>
+        <p:txBody>
+          <a:bodyPr/>
+          <a:lstStyle/>
+          <a:p>
+            <a:fld id="{A3023D7F-90D5-49D0-B78A-601D14CAF387}" type="datetimeFigureOut">
+              <a:rPr lang="en-CA" smtClean="0"/>
+              <a:t>2019-07-17</a:t>
+            </a:fld>
             <a:endParaRPr lang="en-CA"/>
           </a:p>
         </p:txBody>
       </p:sp>
       <p:sp>
         <p:nvSpPr>
-          <p:cNvPr id="4" name="Content Placeholder 3">
-            <a:extLst>
-              <a:ext uri="{FF2B5EF4-FFF2-40B4-BE49-F238E27FC236}">
-                <a16:creationId xmlns:a16="http://schemas.microsoft.com/office/drawing/2014/main" id="{562431E2-9A49-40F9-B41E-A370C499E1F8}"/>
-              </a:ext>
-            </a:extLst>
-          </p:cNvPr>
+          <p:cNvPr id="5" name="Footer Placeholder 4"/>
           <p:cNvSpPr>
             <a:spLocks noGrp="1"/>
           </p:cNvSpPr>
           <p:nvPr>
-            <p:ph sz="half" idx="2"/>
+            <p:ph type="ftr" sz="quarter" idx="11"/>
+          </p:nvPr>
+        </p:nvSpPr>
+        <p:spPr/>
+        <p:txBody>
+          <a:bodyPr/>
+          <a:lstStyle/>
+          <a:p>
+            <a:endParaRPr lang="en-CA"/>
+          </a:p>
+        </p:txBody>
+      </p:sp>
+      <p:sp>
+        <p:nvSpPr>
+          <p:cNvPr id="6" name="Slide Number Placeholder 5"/>
+          <p:cNvSpPr>
+            <a:spLocks noGrp="1"/>
+          </p:cNvSpPr>
+          <p:nvPr>
+            <p:ph type="sldNum" sz="quarter" idx="12"/>
+          </p:nvPr>
+        </p:nvSpPr>
+        <p:spPr/>
+        <p:txBody>
+          <a:bodyPr/>
+          <a:lstStyle/>
+          <a:p>
+            <a:fld id="{5892F983-A0B9-4DC3-92A6-6D9898F6EAA8}" type="slidenum">
+              <a:rPr lang="en-CA" smtClean="0"/>
+              <a:t>‹#›</a:t>
+            </a:fld>
+            <a:endParaRPr lang="en-CA"/>
+          </a:p>
+        </p:txBody>
+      </p:sp>
+    </p:spTree>
+    <p:extLst>
+      <p:ext uri="{BB962C8B-B14F-4D97-AF65-F5344CB8AC3E}">
+        <p14:creationId xmlns:p14="http://schemas.microsoft.com/office/powerpoint/2010/main" val="240845104"/>
+      </p:ext>
+    </p:extLst>
+  </p:cSld>
+  <p:clrMapOvr>
+    <a:masterClrMapping/>
+  </p:clrMapOvr>
+</p:sldLayout>
+</file>
+
+<file path=ppt/slideLayouts/slideLayout3.xml><?xml version="1.0" encoding="utf-8"?>
+<p:sldLayout xmlns:a="http://schemas.openxmlformats.org/drawingml/2006/main" xmlns:r="http://schemas.openxmlformats.org/officeDocument/2006/relationships" xmlns:p="http://schemas.openxmlformats.org/presentationml/2006/main" type="secHead" preserve="1">
+  <p:cSld name="Section Header">
+    <p:spTree>
+      <p:nvGrpSpPr>
+        <p:cNvPr id="1" name=""/>
+        <p:cNvGrpSpPr/>
+        <p:nvPr/>
+      </p:nvGrpSpPr>
+      <p:grpSpPr>
+        <a:xfrm>
+          <a:off x="0" y="0"/>
+          <a:ext cx="0" cy="0"/>
+          <a:chOff x="0" y="0"/>
+          <a:chExt cx="0" cy="0"/>
+        </a:xfrm>
+      </p:grpSpPr>
+      <p:pic>
+        <p:nvPicPr>
+          <p:cNvPr id="9" name="Picture 8" descr="Droplets-HD-Content-R1d.png"/>
+          <p:cNvPicPr>
+            <a:picLocks noChangeAspect="1"/>
+          </p:cNvPicPr>
+          <p:nvPr/>
+        </p:nvPicPr>
+        <p:blipFill>
+          <a:blip r:embed="rId2">
+            <a:extLst>
+              <a:ext uri="{28A0092B-C50C-407E-A947-70E740481C1C}">
+                <a14:useLocalDpi xmlns:a14="http://schemas.microsoft.com/office/drawing/2010/main" val="0"/>
+              </a:ext>
+            </a:extLst>
+          </a:blip>
+          <a:stretch>
+            <a:fillRect/>
+          </a:stretch>
+        </p:blipFill>
+        <p:spPr>
+          <a:xfrm>
+            <a:off x="0" y="0"/>
+            <a:ext cx="12192000" cy="6858000"/>
+          </a:xfrm>
+          <a:prstGeom prst="rect">
+            <a:avLst/>
+          </a:prstGeom>
+        </p:spPr>
+      </p:pic>
+      <p:sp>
+        <p:nvSpPr>
+          <p:cNvPr id="2" name="Title 1"/>
+          <p:cNvSpPr>
+            <a:spLocks noGrp="1"/>
+          </p:cNvSpPr>
+          <p:nvPr>
+            <p:ph type="title"/>
           </p:nvPr>
         </p:nvSpPr>
         <p:spPr>
           <a:xfrm>
-            <a:off x="6172200" y="1825625"/>
-            <a:ext cx="5181600" cy="4351338"/>
+            <a:off x="913774" y="828563"/>
+            <a:ext cx="10351752" cy="2736819"/>
+          </a:xfrm>
+        </p:spPr>
+        <p:txBody>
+          <a:bodyPr anchor="b">
+            <a:normAutofit/>
+          </a:bodyPr>
+          <a:lstStyle>
+            <a:lvl1pPr>
+              <a:defRPr sz="4000"/>
+            </a:lvl1pPr>
+          </a:lstStyle>
+          <a:p>
+            <a:r>
+              <a:rPr lang="en-US"/>
+              <a:t>Click to edit Master title style</a:t>
+            </a:r>
+            <a:endParaRPr lang="en-US" dirty="0"/>
+          </a:p>
+        </p:txBody>
+      </p:sp>
+      <p:sp>
+        <p:nvSpPr>
+          <p:cNvPr id="3" name="Text Placeholder 2"/>
+          <p:cNvSpPr>
+            <a:spLocks noGrp="1"/>
+          </p:cNvSpPr>
+          <p:nvPr>
+            <p:ph type="body" idx="1"/>
+          </p:nvPr>
+        </p:nvSpPr>
+        <p:spPr>
+          <a:xfrm>
+            <a:off x="913774" y="3657457"/>
+            <a:ext cx="10351752" cy="1368183"/>
+          </a:xfrm>
+        </p:spPr>
+        <p:txBody>
+          <a:bodyPr>
+            <a:normAutofit/>
+          </a:bodyPr>
+          <a:lstStyle>
+            <a:lvl1pPr marL="0" indent="0" algn="ctr">
+              <a:buNone/>
+              <a:defRPr sz="2000">
+                <a:solidFill>
+                  <a:schemeClr val="bg1">
+                    <a:lumMod val="50000"/>
+                  </a:schemeClr>
+                </a:solidFill>
+              </a:defRPr>
+            </a:lvl1pPr>
+            <a:lvl2pPr marL="457200" indent="0">
+              <a:buNone/>
+              <a:defRPr sz="2000">
+                <a:solidFill>
+                  <a:schemeClr val="tx1">
+                    <a:tint val="75000"/>
+                  </a:schemeClr>
+                </a:solidFill>
+              </a:defRPr>
+            </a:lvl2pPr>
+            <a:lvl3pPr marL="914400" indent="0">
+              <a:buNone/>
+              <a:defRPr sz="1800">
+                <a:solidFill>
+                  <a:schemeClr val="tx1">
+                    <a:tint val="75000"/>
+                  </a:schemeClr>
+                </a:solidFill>
+              </a:defRPr>
+            </a:lvl3pPr>
+            <a:lvl4pPr marL="1371600" indent="0">
+              <a:buNone/>
+              <a:defRPr sz="1600">
+                <a:solidFill>
+                  <a:schemeClr val="tx1">
+                    <a:tint val="75000"/>
+                  </a:schemeClr>
+                </a:solidFill>
+              </a:defRPr>
+            </a:lvl4pPr>
+            <a:lvl5pPr marL="1828800" indent="0">
+              <a:buNone/>
+              <a:defRPr sz="1600">
+                <a:solidFill>
+                  <a:schemeClr val="tx1">
+                    <a:tint val="75000"/>
+                  </a:schemeClr>
+                </a:solidFill>
+              </a:defRPr>
+            </a:lvl5pPr>
+            <a:lvl6pPr marL="2286000" indent="0">
+              <a:buNone/>
+              <a:defRPr sz="1600">
+                <a:solidFill>
+                  <a:schemeClr val="tx1">
+                    <a:tint val="75000"/>
+                  </a:schemeClr>
+                </a:solidFill>
+              </a:defRPr>
+            </a:lvl6pPr>
+            <a:lvl7pPr marL="2743200" indent="0">
+              <a:buNone/>
+              <a:defRPr sz="1600">
+                <a:solidFill>
+                  <a:schemeClr val="tx1">
+                    <a:tint val="75000"/>
+                  </a:schemeClr>
+                </a:solidFill>
+              </a:defRPr>
+            </a:lvl7pPr>
+            <a:lvl8pPr marL="3200400" indent="0">
+              <a:buNone/>
+              <a:defRPr sz="1600">
+                <a:solidFill>
+                  <a:schemeClr val="tx1">
+                    <a:tint val="75000"/>
+                  </a:schemeClr>
+                </a:solidFill>
+              </a:defRPr>
+            </a:lvl8pPr>
+            <a:lvl9pPr marL="3657600" indent="0">
+              <a:buNone/>
+              <a:defRPr sz="1600">
+                <a:solidFill>
+                  <a:schemeClr val="tx1">
+                    <a:tint val="75000"/>
+                  </a:schemeClr>
+                </a:solidFill>
+              </a:defRPr>
+            </a:lvl9pPr>
+          </a:lstStyle>
+          <a:p>
+            <a:pPr lvl="0"/>
+            <a:r>
+              <a:rPr lang="en-US"/>
+              <a:t>Click to edit Master text styles</a:t>
+            </a:r>
+          </a:p>
+        </p:txBody>
+      </p:sp>
+      <p:sp>
+        <p:nvSpPr>
+          <p:cNvPr id="4" name="Date Placeholder 3"/>
+          <p:cNvSpPr>
+            <a:spLocks noGrp="1"/>
+          </p:cNvSpPr>
+          <p:nvPr>
+            <p:ph type="dt" sz="half" idx="10"/>
+          </p:nvPr>
+        </p:nvSpPr>
+        <p:spPr/>
+        <p:txBody>
+          <a:bodyPr/>
+          <a:lstStyle/>
+          <a:p>
+            <a:fld id="{A3023D7F-90D5-49D0-B78A-601D14CAF387}" type="datetimeFigureOut">
+              <a:rPr lang="en-CA" smtClean="0"/>
+              <a:t>2019-07-17</a:t>
+            </a:fld>
+            <a:endParaRPr lang="en-CA"/>
+          </a:p>
+        </p:txBody>
+      </p:sp>
+      <p:sp>
+        <p:nvSpPr>
+          <p:cNvPr id="5" name="Footer Placeholder 4"/>
+          <p:cNvSpPr>
+            <a:spLocks noGrp="1"/>
+          </p:cNvSpPr>
+          <p:nvPr>
+            <p:ph type="ftr" sz="quarter" idx="11"/>
+          </p:nvPr>
+        </p:nvSpPr>
+        <p:spPr/>
+        <p:txBody>
+          <a:bodyPr/>
+          <a:lstStyle/>
+          <a:p>
+            <a:endParaRPr lang="en-CA"/>
+          </a:p>
+        </p:txBody>
+      </p:sp>
+      <p:sp>
+        <p:nvSpPr>
+          <p:cNvPr id="6" name="Slide Number Placeholder 5"/>
+          <p:cNvSpPr>
+            <a:spLocks noGrp="1"/>
+          </p:cNvSpPr>
+          <p:nvPr>
+            <p:ph type="sldNum" sz="quarter" idx="12"/>
+          </p:nvPr>
+        </p:nvSpPr>
+        <p:spPr/>
+        <p:txBody>
+          <a:bodyPr/>
+          <a:lstStyle/>
+          <a:p>
+            <a:fld id="{5892F983-A0B9-4DC3-92A6-6D9898F6EAA8}" type="slidenum">
+              <a:rPr lang="en-CA" smtClean="0"/>
+              <a:t>‹#›</a:t>
+            </a:fld>
+            <a:endParaRPr lang="en-CA"/>
+          </a:p>
+        </p:txBody>
+      </p:sp>
+    </p:spTree>
+    <p:extLst>
+      <p:ext uri="{BB962C8B-B14F-4D97-AF65-F5344CB8AC3E}">
+        <p14:creationId xmlns:p14="http://schemas.microsoft.com/office/powerpoint/2010/main" val="1871332975"/>
+      </p:ext>
+    </p:extLst>
+  </p:cSld>
+  <p:clrMapOvr>
+    <a:masterClrMapping/>
+  </p:clrMapOvr>
+</p:sldLayout>
+</file>
+
+<file path=ppt/slideLayouts/slideLayout4.xml><?xml version="1.0" encoding="utf-8"?>
+<p:sldLayout xmlns:a="http://schemas.openxmlformats.org/drawingml/2006/main" xmlns:r="http://schemas.openxmlformats.org/officeDocument/2006/relationships" xmlns:p="http://schemas.openxmlformats.org/presentationml/2006/main" type="twoObj" preserve="1">
+  <p:cSld name="Two Content">
+    <p:spTree>
+      <p:nvGrpSpPr>
+        <p:cNvPr id="1" name=""/>
+        <p:cNvGrpSpPr/>
+        <p:nvPr/>
+      </p:nvGrpSpPr>
+      <p:grpSpPr>
+        <a:xfrm>
+          <a:off x="0" y="0"/>
+          <a:ext cx="0" cy="0"/>
+          <a:chOff x="0" y="0"/>
+          <a:chExt cx="0" cy="0"/>
+        </a:xfrm>
+      </p:grpSpPr>
+      <p:pic>
+        <p:nvPicPr>
+          <p:cNvPr id="10" name="Picture 9" descr="Droplets-HD-Content-R1d.png"/>
+          <p:cNvPicPr>
+            <a:picLocks noChangeAspect="1"/>
+          </p:cNvPicPr>
+          <p:nvPr/>
+        </p:nvPicPr>
+        <p:blipFill>
+          <a:blip r:embed="rId2">
+            <a:extLst>
+              <a:ext uri="{28A0092B-C50C-407E-A947-70E740481C1C}">
+                <a14:useLocalDpi xmlns:a14="http://schemas.microsoft.com/office/drawing/2010/main" val="0"/>
+              </a:ext>
+            </a:extLst>
+          </a:blip>
+          <a:stretch>
+            <a:fillRect/>
+          </a:stretch>
+        </p:blipFill>
+        <p:spPr>
+          <a:xfrm>
+            <a:off x="0" y="0"/>
+            <a:ext cx="12192000" cy="6858000"/>
+          </a:xfrm>
+          <a:prstGeom prst="rect">
+            <a:avLst/>
+          </a:prstGeom>
+        </p:spPr>
+      </p:pic>
+      <p:sp>
+        <p:nvSpPr>
+          <p:cNvPr id="14" name="Title 1"/>
+          <p:cNvSpPr>
+            <a:spLocks noGrp="1"/>
+          </p:cNvSpPr>
+          <p:nvPr>
+            <p:ph type="title"/>
+          </p:nvPr>
+        </p:nvSpPr>
+        <p:spPr>
+          <a:xfrm>
+            <a:off x="913775" y="618517"/>
+            <a:ext cx="10364451" cy="1596177"/>
+          </a:xfrm>
+        </p:spPr>
+        <p:txBody>
+          <a:bodyPr/>
+          <a:lstStyle/>
+          <a:p>
+            <a:r>
+              <a:rPr lang="en-US"/>
+              <a:t>Click to edit Master title style</a:t>
+            </a:r>
+            <a:endParaRPr lang="en-US" dirty="0"/>
+          </a:p>
+        </p:txBody>
+      </p:sp>
+      <p:sp>
+        <p:nvSpPr>
+          <p:cNvPr id="12" name="Content Placeholder 2"/>
+          <p:cNvSpPr>
+            <a:spLocks noGrp="1"/>
+          </p:cNvSpPr>
+          <p:nvPr>
+            <p:ph sz="quarter" idx="13"/>
+          </p:nvPr>
+        </p:nvSpPr>
+        <p:spPr>
+          <a:xfrm>
+            <a:off x="913774" y="2367092"/>
+            <a:ext cx="5106026" cy="3424107"/>
           </a:xfrm>
         </p:spPr>
         <p:txBody>
@@ -11687,248 +14582,24 @@
               <a:rPr lang="en-US"/>
               <a:t>Fifth level</a:t>
             </a:r>
-            <a:endParaRPr lang="en-CA"/>
+            <a:endParaRPr lang="en-US" dirty="0"/>
           </a:p>
         </p:txBody>
       </p:sp>
       <p:sp>
         <p:nvSpPr>
-          <p:cNvPr id="5" name="Date Placeholder 4">
-            <a:extLst>
-              <a:ext uri="{FF2B5EF4-FFF2-40B4-BE49-F238E27FC236}">
-                <a16:creationId xmlns:a16="http://schemas.microsoft.com/office/drawing/2014/main" id="{2375D26D-3872-4A00-8888-90907FA81D4F}"/>
-              </a:ext>
-            </a:extLst>
-          </p:cNvPr>
+          <p:cNvPr id="13" name="Content Placeholder 3"/>
           <p:cNvSpPr>
             <a:spLocks noGrp="1"/>
           </p:cNvSpPr>
           <p:nvPr>
-            <p:ph type="dt" sz="half" idx="10"/>
-          </p:nvPr>
-        </p:nvSpPr>
-        <p:spPr/>
-        <p:txBody>
-          <a:bodyPr/>
-          <a:lstStyle/>
-          <a:p>
-            <a:fld id="{A3023D7F-90D5-49D0-B78A-601D14CAF387}" type="datetimeFigureOut">
-              <a:rPr lang="en-CA" smtClean="0"/>
-              <a:t>2019-07-16</a:t>
-            </a:fld>
-            <a:endParaRPr lang="en-CA"/>
-          </a:p>
-        </p:txBody>
-      </p:sp>
-      <p:sp>
-        <p:nvSpPr>
-          <p:cNvPr id="6" name="Footer Placeholder 5">
-            <a:extLst>
-              <a:ext uri="{FF2B5EF4-FFF2-40B4-BE49-F238E27FC236}">
-                <a16:creationId xmlns:a16="http://schemas.microsoft.com/office/drawing/2014/main" id="{24AAAD51-0606-41E3-B2CE-C6DC93689496}"/>
-              </a:ext>
-            </a:extLst>
-          </p:cNvPr>
-          <p:cNvSpPr>
-            <a:spLocks noGrp="1"/>
-          </p:cNvSpPr>
-          <p:nvPr>
-            <p:ph type="ftr" sz="quarter" idx="11"/>
-          </p:nvPr>
-        </p:nvSpPr>
-        <p:spPr/>
-        <p:txBody>
-          <a:bodyPr/>
-          <a:lstStyle/>
-          <a:p>
-            <a:endParaRPr lang="en-CA"/>
-          </a:p>
-        </p:txBody>
-      </p:sp>
-      <p:sp>
-        <p:nvSpPr>
-          <p:cNvPr id="7" name="Slide Number Placeholder 6">
-            <a:extLst>
-              <a:ext uri="{FF2B5EF4-FFF2-40B4-BE49-F238E27FC236}">
-                <a16:creationId xmlns:a16="http://schemas.microsoft.com/office/drawing/2014/main" id="{FC4C0BBF-BDE1-4E59-89AA-D76E0B04D032}"/>
-              </a:ext>
-            </a:extLst>
-          </p:cNvPr>
-          <p:cNvSpPr>
-            <a:spLocks noGrp="1"/>
-          </p:cNvSpPr>
-          <p:nvPr>
-            <p:ph type="sldNum" sz="quarter" idx="12"/>
-          </p:nvPr>
-        </p:nvSpPr>
-        <p:spPr/>
-        <p:txBody>
-          <a:bodyPr/>
-          <a:lstStyle/>
-          <a:p>
-            <a:fld id="{5892F983-A0B9-4DC3-92A6-6D9898F6EAA8}" type="slidenum">
-              <a:rPr lang="en-CA" smtClean="0"/>
-              <a:t>‹#›</a:t>
-            </a:fld>
-            <a:endParaRPr lang="en-CA"/>
-          </a:p>
-        </p:txBody>
-      </p:sp>
-    </p:spTree>
-    <p:extLst>
-      <p:ext uri="{BB962C8B-B14F-4D97-AF65-F5344CB8AC3E}">
-        <p14:creationId xmlns:p14="http://schemas.microsoft.com/office/powerpoint/2010/main" val="3735356056"/>
-      </p:ext>
-    </p:extLst>
-  </p:cSld>
-  <p:clrMapOvr>
-    <a:masterClrMapping/>
-  </p:clrMapOvr>
-</p:sldLayout>
-</file>
-
-<file path=ppt/slideLayouts/slideLayout5.xml><?xml version="1.0" encoding="utf-8"?>
-<p:sldLayout xmlns:a="http://schemas.openxmlformats.org/drawingml/2006/main" xmlns:r="http://schemas.openxmlformats.org/officeDocument/2006/relationships" xmlns:p="http://schemas.openxmlformats.org/presentationml/2006/main" type="twoTxTwoObj" preserve="1">
-  <p:cSld name="Comparison">
-    <p:spTree>
-      <p:nvGrpSpPr>
-        <p:cNvPr id="1" name=""/>
-        <p:cNvGrpSpPr/>
-        <p:nvPr/>
-      </p:nvGrpSpPr>
-      <p:grpSpPr>
-        <a:xfrm>
-          <a:off x="0" y="0"/>
-          <a:ext cx="0" cy="0"/>
-          <a:chOff x="0" y="0"/>
-          <a:chExt cx="0" cy="0"/>
-        </a:xfrm>
-      </p:grpSpPr>
-      <p:sp>
-        <p:nvSpPr>
-          <p:cNvPr id="2" name="Title 1">
-            <a:extLst>
-              <a:ext uri="{FF2B5EF4-FFF2-40B4-BE49-F238E27FC236}">
-                <a16:creationId xmlns:a16="http://schemas.microsoft.com/office/drawing/2014/main" id="{72284256-E4E1-4BAB-900C-0C0AA0744BC8}"/>
-              </a:ext>
-            </a:extLst>
-          </p:cNvPr>
-          <p:cNvSpPr>
-            <a:spLocks noGrp="1"/>
-          </p:cNvSpPr>
-          <p:nvPr>
-            <p:ph type="title"/>
+            <p:ph sz="quarter" idx="14"/>
           </p:nvPr>
         </p:nvSpPr>
         <p:spPr>
           <a:xfrm>
-            <a:off x="839788" y="365125"/>
-            <a:ext cx="10515600" cy="1325563"/>
-          </a:xfrm>
-        </p:spPr>
-        <p:txBody>
-          <a:bodyPr/>
-          <a:lstStyle/>
-          <a:p>
-            <a:r>
-              <a:rPr lang="en-US"/>
-              <a:t>Click to edit Master title style</a:t>
-            </a:r>
-            <a:endParaRPr lang="en-CA"/>
-          </a:p>
-        </p:txBody>
-      </p:sp>
-      <p:sp>
-        <p:nvSpPr>
-          <p:cNvPr id="3" name="Text Placeholder 2">
-            <a:extLst>
-              <a:ext uri="{FF2B5EF4-FFF2-40B4-BE49-F238E27FC236}">
-                <a16:creationId xmlns:a16="http://schemas.microsoft.com/office/drawing/2014/main" id="{8FAF64D0-114B-4505-9F1D-0559B59BD05A}"/>
-              </a:ext>
-            </a:extLst>
-          </p:cNvPr>
-          <p:cNvSpPr>
-            <a:spLocks noGrp="1"/>
-          </p:cNvSpPr>
-          <p:nvPr>
-            <p:ph type="body" idx="1"/>
-          </p:nvPr>
-        </p:nvSpPr>
-        <p:spPr>
-          <a:xfrm>
-            <a:off x="839788" y="1681163"/>
-            <a:ext cx="5157787" cy="823912"/>
-          </a:xfrm>
-        </p:spPr>
-        <p:txBody>
-          <a:bodyPr anchor="b"/>
-          <a:lstStyle>
-            <a:lvl1pPr marL="0" indent="0">
-              <a:buNone/>
-              <a:defRPr sz="2400" b="1"/>
-            </a:lvl1pPr>
-            <a:lvl2pPr marL="457200" indent="0">
-              <a:buNone/>
-              <a:defRPr sz="2000" b="1"/>
-            </a:lvl2pPr>
-            <a:lvl3pPr marL="914400" indent="0">
-              <a:buNone/>
-              <a:defRPr sz="1800" b="1"/>
-            </a:lvl3pPr>
-            <a:lvl4pPr marL="1371600" indent="0">
-              <a:buNone/>
-              <a:defRPr sz="1600" b="1"/>
-            </a:lvl4pPr>
-            <a:lvl5pPr marL="1828800" indent="0">
-              <a:buNone/>
-              <a:defRPr sz="1600" b="1"/>
-            </a:lvl5pPr>
-            <a:lvl6pPr marL="2286000" indent="0">
-              <a:buNone/>
-              <a:defRPr sz="1600" b="1"/>
-            </a:lvl6pPr>
-            <a:lvl7pPr marL="2743200" indent="0">
-              <a:buNone/>
-              <a:defRPr sz="1600" b="1"/>
-            </a:lvl7pPr>
-            <a:lvl8pPr marL="3200400" indent="0">
-              <a:buNone/>
-              <a:defRPr sz="1600" b="1"/>
-            </a:lvl8pPr>
-            <a:lvl9pPr marL="3657600" indent="0">
-              <a:buNone/>
-              <a:defRPr sz="1600" b="1"/>
-            </a:lvl9pPr>
-          </a:lstStyle>
-          <a:p>
-            <a:pPr lvl="0"/>
-            <a:r>
-              <a:rPr lang="en-US"/>
-              <a:t>Click to edit Master text styles</a:t>
-            </a:r>
-          </a:p>
-        </p:txBody>
-      </p:sp>
-      <p:sp>
-        <p:nvSpPr>
-          <p:cNvPr id="4" name="Content Placeholder 3">
-            <a:extLst>
-              <a:ext uri="{FF2B5EF4-FFF2-40B4-BE49-F238E27FC236}">
-                <a16:creationId xmlns:a16="http://schemas.microsoft.com/office/drawing/2014/main" id="{437DBDCB-DA0F-4441-9FF3-9BA62CECDB4F}"/>
-              </a:ext>
-            </a:extLst>
-          </p:cNvPr>
-          <p:cNvSpPr>
-            <a:spLocks noGrp="1"/>
-          </p:cNvSpPr>
-          <p:nvPr>
-            <p:ph sz="half" idx="2"/>
-          </p:nvPr>
-        </p:nvSpPr>
-        <p:spPr>
-          <a:xfrm>
-            <a:off x="839788" y="2505075"/>
-            <a:ext cx="5157787" cy="3684588"/>
+            <a:off x="6172200" y="2367092"/>
+            <a:ext cx="5105400" cy="3424107"/>
           </a:xfrm>
         </p:spPr>
         <p:txBody>
@@ -11968,38 +14639,194 @@
               <a:rPr lang="en-US"/>
               <a:t>Fifth level</a:t>
             </a:r>
+            <a:endParaRPr lang="en-US" dirty="0"/>
+          </a:p>
+        </p:txBody>
+      </p:sp>
+      <p:sp>
+        <p:nvSpPr>
+          <p:cNvPr id="5" name="Date Placeholder 4"/>
+          <p:cNvSpPr>
+            <a:spLocks noGrp="1"/>
+          </p:cNvSpPr>
+          <p:nvPr>
+            <p:ph type="dt" sz="half" idx="10"/>
+          </p:nvPr>
+        </p:nvSpPr>
+        <p:spPr/>
+        <p:txBody>
+          <a:bodyPr/>
+          <a:lstStyle/>
+          <a:p>
+            <a:fld id="{A3023D7F-90D5-49D0-B78A-601D14CAF387}" type="datetimeFigureOut">
+              <a:rPr lang="en-CA" smtClean="0"/>
+              <a:t>2019-07-17</a:t>
+            </a:fld>
             <a:endParaRPr lang="en-CA"/>
           </a:p>
         </p:txBody>
       </p:sp>
       <p:sp>
         <p:nvSpPr>
-          <p:cNvPr id="5" name="Text Placeholder 4">
-            <a:extLst>
-              <a:ext uri="{FF2B5EF4-FFF2-40B4-BE49-F238E27FC236}">
-                <a16:creationId xmlns:a16="http://schemas.microsoft.com/office/drawing/2014/main" id="{CC3FCEE6-FB8C-41D4-9CB3-A98FCAD10C18}"/>
-              </a:ext>
-            </a:extLst>
-          </p:cNvPr>
+          <p:cNvPr id="6" name="Footer Placeholder 5"/>
           <p:cNvSpPr>
             <a:spLocks noGrp="1"/>
           </p:cNvSpPr>
           <p:nvPr>
-            <p:ph type="body" sz="quarter" idx="3"/>
+            <p:ph type="ftr" sz="quarter" idx="11"/>
+          </p:nvPr>
+        </p:nvSpPr>
+        <p:spPr/>
+        <p:txBody>
+          <a:bodyPr/>
+          <a:lstStyle/>
+          <a:p>
+            <a:endParaRPr lang="en-CA"/>
+          </a:p>
+        </p:txBody>
+      </p:sp>
+      <p:sp>
+        <p:nvSpPr>
+          <p:cNvPr id="7" name="Slide Number Placeholder 6"/>
+          <p:cNvSpPr>
+            <a:spLocks noGrp="1"/>
+          </p:cNvSpPr>
+          <p:nvPr>
+            <p:ph type="sldNum" sz="quarter" idx="12"/>
+          </p:nvPr>
+        </p:nvSpPr>
+        <p:spPr/>
+        <p:txBody>
+          <a:bodyPr/>
+          <a:lstStyle/>
+          <a:p>
+            <a:fld id="{5892F983-A0B9-4DC3-92A6-6D9898F6EAA8}" type="slidenum">
+              <a:rPr lang="en-CA" smtClean="0"/>
+              <a:t>‹#›</a:t>
+            </a:fld>
+            <a:endParaRPr lang="en-CA"/>
+          </a:p>
+        </p:txBody>
+      </p:sp>
+    </p:spTree>
+    <p:extLst>
+      <p:ext uri="{BB962C8B-B14F-4D97-AF65-F5344CB8AC3E}">
+        <p14:creationId xmlns:p14="http://schemas.microsoft.com/office/powerpoint/2010/main" val="2805877764"/>
+      </p:ext>
+    </p:extLst>
+  </p:cSld>
+  <p:clrMapOvr>
+    <a:masterClrMapping/>
+  </p:clrMapOvr>
+</p:sldLayout>
+</file>
+
+<file path=ppt/slideLayouts/slideLayout5.xml><?xml version="1.0" encoding="utf-8"?>
+<p:sldLayout xmlns:a="http://schemas.openxmlformats.org/drawingml/2006/main" xmlns:r="http://schemas.openxmlformats.org/officeDocument/2006/relationships" xmlns:p="http://schemas.openxmlformats.org/presentationml/2006/main" type="twoTxTwoObj" preserve="1">
+  <p:cSld name="Comparison">
+    <p:spTree>
+      <p:nvGrpSpPr>
+        <p:cNvPr id="1" name=""/>
+        <p:cNvGrpSpPr/>
+        <p:nvPr/>
+      </p:nvGrpSpPr>
+      <p:grpSpPr>
+        <a:xfrm>
+          <a:off x="0" y="0"/>
+          <a:ext cx="0" cy="0"/>
+          <a:chOff x="0" y="0"/>
+          <a:chExt cx="0" cy="0"/>
+        </a:xfrm>
+      </p:grpSpPr>
+      <p:pic>
+        <p:nvPicPr>
+          <p:cNvPr id="15" name="Picture 14" descr="Droplets-HD-Content-R1d.png"/>
+          <p:cNvPicPr>
+            <a:picLocks noChangeAspect="1"/>
+          </p:cNvPicPr>
+          <p:nvPr/>
+        </p:nvPicPr>
+        <p:blipFill>
+          <a:blip r:embed="rId2">
+            <a:extLst>
+              <a:ext uri="{28A0092B-C50C-407E-A947-70E740481C1C}">
+                <a14:useLocalDpi xmlns:a14="http://schemas.microsoft.com/office/drawing/2010/main" val="0"/>
+              </a:ext>
+            </a:extLst>
+          </a:blip>
+          <a:stretch>
+            <a:fillRect/>
+          </a:stretch>
+        </p:blipFill>
+        <p:spPr>
+          <a:xfrm>
+            <a:off x="0" y="0"/>
+            <a:ext cx="12192000" cy="6858000"/>
+          </a:xfrm>
+          <a:prstGeom prst="rect">
+            <a:avLst/>
+          </a:prstGeom>
+        </p:spPr>
+      </p:pic>
+      <p:sp>
+        <p:nvSpPr>
+          <p:cNvPr id="14" name="Title 1"/>
+          <p:cNvSpPr>
+            <a:spLocks noGrp="1"/>
+          </p:cNvSpPr>
+          <p:nvPr>
+            <p:ph type="title"/>
           </p:nvPr>
         </p:nvSpPr>
         <p:spPr>
           <a:xfrm>
-            <a:off x="6172200" y="1681163"/>
-            <a:ext cx="5183188" cy="823912"/>
+            <a:off x="913775" y="618517"/>
+            <a:ext cx="10364451" cy="1596177"/>
           </a:xfrm>
         </p:spPr>
         <p:txBody>
-          <a:bodyPr anchor="b"/>
+          <a:bodyPr/>
+          <a:lstStyle/>
+          <a:p>
+            <a:r>
+              <a:rPr lang="en-US"/>
+              <a:t>Click to edit Master title style</a:t>
+            </a:r>
+            <a:endParaRPr lang="en-US" dirty="0"/>
+          </a:p>
+        </p:txBody>
+      </p:sp>
+      <p:sp>
+        <p:nvSpPr>
+          <p:cNvPr id="3" name="Text Placeholder 2"/>
+          <p:cNvSpPr>
+            <a:spLocks noGrp="1"/>
+          </p:cNvSpPr>
+          <p:nvPr>
+            <p:ph type="body" idx="1"/>
+          </p:nvPr>
+        </p:nvSpPr>
+        <p:spPr>
+          <a:xfrm>
+            <a:off x="1146328" y="2371018"/>
+            <a:ext cx="4873474" cy="679994"/>
+          </a:xfrm>
+        </p:spPr>
+        <p:txBody>
+          <a:bodyPr anchor="b">
+            <a:noAutofit/>
+          </a:bodyPr>
           <a:lstStyle>
             <a:lvl1pPr marL="0" indent="0">
-              <a:buNone/>
-              <a:defRPr sz="2400" b="1"/>
+              <a:lnSpc>
+                <a:spcPct val="85000"/>
+              </a:lnSpc>
+              <a:buNone/>
+              <a:defRPr sz="2600" b="0">
+                <a:solidFill>
+                  <a:schemeClr val="tx1"/>
+                </a:solidFill>
+              </a:defRPr>
             </a:lvl1pPr>
             <a:lvl2pPr marL="457200" indent="0">
               <a:buNone/>
@@ -12045,24 +14872,18 @@
       </p:sp>
       <p:sp>
         <p:nvSpPr>
-          <p:cNvPr id="6" name="Content Placeholder 5">
-            <a:extLst>
-              <a:ext uri="{FF2B5EF4-FFF2-40B4-BE49-F238E27FC236}">
-                <a16:creationId xmlns:a16="http://schemas.microsoft.com/office/drawing/2014/main" id="{6896DFFF-2AAE-4F27-A2BC-B7B0E548B196}"/>
-              </a:ext>
-            </a:extLst>
-          </p:cNvPr>
+          <p:cNvPr id="12" name="Content Placeholder 3"/>
           <p:cNvSpPr>
             <a:spLocks noGrp="1"/>
           </p:cNvSpPr>
           <p:nvPr>
-            <p:ph sz="quarter" idx="4"/>
+            <p:ph sz="quarter" idx="13"/>
           </p:nvPr>
         </p:nvSpPr>
         <p:spPr>
           <a:xfrm>
-            <a:off x="6172200" y="2505075"/>
-            <a:ext cx="5183188" cy="3684588"/>
+            <a:off x="913774" y="3051012"/>
+            <a:ext cx="5106027" cy="2740187"/>
           </a:xfrm>
         </p:spPr>
         <p:txBody>
@@ -12102,469 +14923,103 @@
               <a:rPr lang="en-US"/>
               <a:t>Fifth level</a:t>
             </a:r>
-            <a:endParaRPr lang="en-CA"/>
+            <a:endParaRPr lang="en-US" dirty="0"/>
           </a:p>
         </p:txBody>
       </p:sp>
       <p:sp>
         <p:nvSpPr>
-          <p:cNvPr id="7" name="Date Placeholder 6">
-            <a:extLst>
-              <a:ext uri="{FF2B5EF4-FFF2-40B4-BE49-F238E27FC236}">
-                <a16:creationId xmlns:a16="http://schemas.microsoft.com/office/drawing/2014/main" id="{37B9EADE-C3DB-409A-BF2E-F44FE6EFE712}"/>
-              </a:ext>
-            </a:extLst>
-          </p:cNvPr>
+          <p:cNvPr id="5" name="Text Placeholder 4"/>
           <p:cNvSpPr>
             <a:spLocks noGrp="1"/>
           </p:cNvSpPr>
           <p:nvPr>
-            <p:ph type="dt" sz="half" idx="10"/>
+            <p:ph type="body" sz="quarter" idx="3"/>
           </p:nvPr>
         </p:nvSpPr>
-        <p:spPr/>
+        <p:spPr>
+          <a:xfrm>
+            <a:off x="6396423" y="2371018"/>
+            <a:ext cx="4881804" cy="679994"/>
+          </a:xfrm>
+        </p:spPr>
         <p:txBody>
-          <a:bodyPr/>
-          <a:lstStyle/>
+          <a:bodyPr anchor="b">
+            <a:noAutofit/>
+          </a:bodyPr>
+          <a:lstStyle>
+            <a:lvl1pPr marL="0" indent="0">
+              <a:lnSpc>
+                <a:spcPct val="85000"/>
+              </a:lnSpc>
+              <a:buNone/>
+              <a:defRPr sz="2600" b="0">
+                <a:solidFill>
+                  <a:schemeClr val="tx1"/>
+                </a:solidFill>
+              </a:defRPr>
+            </a:lvl1pPr>
+            <a:lvl2pPr marL="457200" indent="0">
+              <a:buNone/>
+              <a:defRPr sz="2000" b="1"/>
+            </a:lvl2pPr>
+            <a:lvl3pPr marL="914400" indent="0">
+              <a:buNone/>
+              <a:defRPr sz="1800" b="1"/>
+            </a:lvl3pPr>
+            <a:lvl4pPr marL="1371600" indent="0">
+              <a:buNone/>
+              <a:defRPr sz="1600" b="1"/>
+            </a:lvl4pPr>
+            <a:lvl5pPr marL="1828800" indent="0">
+              <a:buNone/>
+              <a:defRPr sz="1600" b="1"/>
+            </a:lvl5pPr>
+            <a:lvl6pPr marL="2286000" indent="0">
+              <a:buNone/>
+              <a:defRPr sz="1600" b="1"/>
+            </a:lvl6pPr>
+            <a:lvl7pPr marL="2743200" indent="0">
+              <a:buNone/>
+              <a:defRPr sz="1600" b="1"/>
+            </a:lvl7pPr>
+            <a:lvl8pPr marL="3200400" indent="0">
+              <a:buNone/>
+              <a:defRPr sz="1600" b="1"/>
+            </a:lvl8pPr>
+            <a:lvl9pPr marL="3657600" indent="0">
+              <a:buNone/>
+              <a:defRPr sz="1600" b="1"/>
+            </a:lvl9pPr>
+          </a:lstStyle>
           <a:p>
-            <a:fld id="{A3023D7F-90D5-49D0-B78A-601D14CAF387}" type="datetimeFigureOut">
-              <a:rPr lang="en-CA" smtClean="0"/>
-              <a:t>2019-07-16</a:t>
-            </a:fld>
-            <a:endParaRPr lang="en-CA"/>
+            <a:pPr lvl="0"/>
+            <a:r>
+              <a:rPr lang="en-US"/>
+              <a:t>Click to edit Master text styles</a:t>
+            </a:r>
           </a:p>
         </p:txBody>
       </p:sp>
       <p:sp>
         <p:nvSpPr>
-          <p:cNvPr id="8" name="Footer Placeholder 7">
-            <a:extLst>
-              <a:ext uri="{FF2B5EF4-FFF2-40B4-BE49-F238E27FC236}">
-                <a16:creationId xmlns:a16="http://schemas.microsoft.com/office/drawing/2014/main" id="{0557C0AC-CA0A-471C-A1E9-0E4CFBE3660D}"/>
-              </a:ext>
-            </a:extLst>
-          </p:cNvPr>
+          <p:cNvPr id="13" name="Content Placeholder 5"/>
           <p:cNvSpPr>
             <a:spLocks noGrp="1"/>
           </p:cNvSpPr>
           <p:nvPr>
-            <p:ph type="ftr" sz="quarter" idx="11"/>
-          </p:nvPr>
-        </p:nvSpPr>
-        <p:spPr/>
-        <p:txBody>
-          <a:bodyPr/>
-          <a:lstStyle/>
-          <a:p>
-            <a:endParaRPr lang="en-CA"/>
-          </a:p>
-        </p:txBody>
-      </p:sp>
-      <p:sp>
-        <p:nvSpPr>
-          <p:cNvPr id="9" name="Slide Number Placeholder 8">
-            <a:extLst>
-              <a:ext uri="{FF2B5EF4-FFF2-40B4-BE49-F238E27FC236}">
-                <a16:creationId xmlns:a16="http://schemas.microsoft.com/office/drawing/2014/main" id="{2A82638E-9915-441F-9279-24DA5AA15D28}"/>
-              </a:ext>
-            </a:extLst>
-          </p:cNvPr>
-          <p:cNvSpPr>
-            <a:spLocks noGrp="1"/>
-          </p:cNvSpPr>
-          <p:nvPr>
-            <p:ph type="sldNum" sz="quarter" idx="12"/>
-          </p:nvPr>
-        </p:nvSpPr>
-        <p:spPr/>
-        <p:txBody>
-          <a:bodyPr/>
-          <a:lstStyle/>
-          <a:p>
-            <a:fld id="{5892F983-A0B9-4DC3-92A6-6D9898F6EAA8}" type="slidenum">
-              <a:rPr lang="en-CA" smtClean="0"/>
-              <a:t>‹#›</a:t>
-            </a:fld>
-            <a:endParaRPr lang="en-CA"/>
-          </a:p>
-        </p:txBody>
-      </p:sp>
-    </p:spTree>
-    <p:extLst>
-      <p:ext uri="{BB962C8B-B14F-4D97-AF65-F5344CB8AC3E}">
-        <p14:creationId xmlns:p14="http://schemas.microsoft.com/office/powerpoint/2010/main" val="972102921"/>
-      </p:ext>
-    </p:extLst>
-  </p:cSld>
-  <p:clrMapOvr>
-    <a:masterClrMapping/>
-  </p:clrMapOvr>
-</p:sldLayout>
-</file>
-
-<file path=ppt/slideLayouts/slideLayout6.xml><?xml version="1.0" encoding="utf-8"?>
-<p:sldLayout xmlns:a="http://schemas.openxmlformats.org/drawingml/2006/main" xmlns:r="http://schemas.openxmlformats.org/officeDocument/2006/relationships" xmlns:p="http://schemas.openxmlformats.org/presentationml/2006/main" type="titleOnly" preserve="1">
-  <p:cSld name="Title Only">
-    <p:spTree>
-      <p:nvGrpSpPr>
-        <p:cNvPr id="1" name=""/>
-        <p:cNvGrpSpPr/>
-        <p:nvPr/>
-      </p:nvGrpSpPr>
-      <p:grpSpPr>
-        <a:xfrm>
-          <a:off x="0" y="0"/>
-          <a:ext cx="0" cy="0"/>
-          <a:chOff x="0" y="0"/>
-          <a:chExt cx="0" cy="0"/>
-        </a:xfrm>
-      </p:grpSpPr>
-      <p:sp>
-        <p:nvSpPr>
-          <p:cNvPr id="2" name="Title 1">
-            <a:extLst>
-              <a:ext uri="{FF2B5EF4-FFF2-40B4-BE49-F238E27FC236}">
-                <a16:creationId xmlns:a16="http://schemas.microsoft.com/office/drawing/2014/main" id="{4B2956E4-D3FD-4105-BA1A-9B19B799E364}"/>
-              </a:ext>
-            </a:extLst>
-          </p:cNvPr>
-          <p:cNvSpPr>
-            <a:spLocks noGrp="1"/>
-          </p:cNvSpPr>
-          <p:nvPr>
-            <p:ph type="title"/>
-          </p:nvPr>
-        </p:nvSpPr>
-        <p:spPr/>
-        <p:txBody>
-          <a:bodyPr/>
-          <a:lstStyle/>
-          <a:p>
-            <a:r>
-              <a:rPr lang="en-US"/>
-              <a:t>Click to edit Master title style</a:t>
-            </a:r>
-            <a:endParaRPr lang="en-CA"/>
-          </a:p>
-        </p:txBody>
-      </p:sp>
-      <p:sp>
-        <p:nvSpPr>
-          <p:cNvPr id="3" name="Date Placeholder 2">
-            <a:extLst>
-              <a:ext uri="{FF2B5EF4-FFF2-40B4-BE49-F238E27FC236}">
-                <a16:creationId xmlns:a16="http://schemas.microsoft.com/office/drawing/2014/main" id="{8F0F9D37-9873-49DA-B967-DC3C03C35482}"/>
-              </a:ext>
-            </a:extLst>
-          </p:cNvPr>
-          <p:cNvSpPr>
-            <a:spLocks noGrp="1"/>
-          </p:cNvSpPr>
-          <p:nvPr>
-            <p:ph type="dt" sz="half" idx="10"/>
-          </p:nvPr>
-        </p:nvSpPr>
-        <p:spPr/>
-        <p:txBody>
-          <a:bodyPr/>
-          <a:lstStyle/>
-          <a:p>
-            <a:fld id="{A3023D7F-90D5-49D0-B78A-601D14CAF387}" type="datetimeFigureOut">
-              <a:rPr lang="en-CA" smtClean="0"/>
-              <a:t>2019-07-16</a:t>
-            </a:fld>
-            <a:endParaRPr lang="en-CA"/>
-          </a:p>
-        </p:txBody>
-      </p:sp>
-      <p:sp>
-        <p:nvSpPr>
-          <p:cNvPr id="4" name="Footer Placeholder 3">
-            <a:extLst>
-              <a:ext uri="{FF2B5EF4-FFF2-40B4-BE49-F238E27FC236}">
-                <a16:creationId xmlns:a16="http://schemas.microsoft.com/office/drawing/2014/main" id="{87EC230E-D9FA-441A-B964-56F071C80938}"/>
-              </a:ext>
-            </a:extLst>
-          </p:cNvPr>
-          <p:cNvSpPr>
-            <a:spLocks noGrp="1"/>
-          </p:cNvSpPr>
-          <p:nvPr>
-            <p:ph type="ftr" sz="quarter" idx="11"/>
-          </p:nvPr>
-        </p:nvSpPr>
-        <p:spPr/>
-        <p:txBody>
-          <a:bodyPr/>
-          <a:lstStyle/>
-          <a:p>
-            <a:endParaRPr lang="en-CA"/>
-          </a:p>
-        </p:txBody>
-      </p:sp>
-      <p:sp>
-        <p:nvSpPr>
-          <p:cNvPr id="5" name="Slide Number Placeholder 4">
-            <a:extLst>
-              <a:ext uri="{FF2B5EF4-FFF2-40B4-BE49-F238E27FC236}">
-                <a16:creationId xmlns:a16="http://schemas.microsoft.com/office/drawing/2014/main" id="{A61C686D-E20D-42A3-A36A-058ED039CC0A}"/>
-              </a:ext>
-            </a:extLst>
-          </p:cNvPr>
-          <p:cNvSpPr>
-            <a:spLocks noGrp="1"/>
-          </p:cNvSpPr>
-          <p:nvPr>
-            <p:ph type="sldNum" sz="quarter" idx="12"/>
-          </p:nvPr>
-        </p:nvSpPr>
-        <p:spPr/>
-        <p:txBody>
-          <a:bodyPr/>
-          <a:lstStyle/>
-          <a:p>
-            <a:fld id="{5892F983-A0B9-4DC3-92A6-6D9898F6EAA8}" type="slidenum">
-              <a:rPr lang="en-CA" smtClean="0"/>
-              <a:t>‹#›</a:t>
-            </a:fld>
-            <a:endParaRPr lang="en-CA"/>
-          </a:p>
-        </p:txBody>
-      </p:sp>
-    </p:spTree>
-    <p:extLst>
-      <p:ext uri="{BB962C8B-B14F-4D97-AF65-F5344CB8AC3E}">
-        <p14:creationId xmlns:p14="http://schemas.microsoft.com/office/powerpoint/2010/main" val="4115478039"/>
-      </p:ext>
-    </p:extLst>
-  </p:cSld>
-  <p:clrMapOvr>
-    <a:masterClrMapping/>
-  </p:clrMapOvr>
-</p:sldLayout>
-</file>
-
-<file path=ppt/slideLayouts/slideLayout7.xml><?xml version="1.0" encoding="utf-8"?>
-<p:sldLayout xmlns:a="http://schemas.openxmlformats.org/drawingml/2006/main" xmlns:r="http://schemas.openxmlformats.org/officeDocument/2006/relationships" xmlns:p="http://schemas.openxmlformats.org/presentationml/2006/main" type="blank" preserve="1">
-  <p:cSld name="Blank">
-    <p:spTree>
-      <p:nvGrpSpPr>
-        <p:cNvPr id="1" name=""/>
-        <p:cNvGrpSpPr/>
-        <p:nvPr/>
-      </p:nvGrpSpPr>
-      <p:grpSpPr>
-        <a:xfrm>
-          <a:off x="0" y="0"/>
-          <a:ext cx="0" cy="0"/>
-          <a:chOff x="0" y="0"/>
-          <a:chExt cx="0" cy="0"/>
-        </a:xfrm>
-      </p:grpSpPr>
-      <p:sp>
-        <p:nvSpPr>
-          <p:cNvPr id="2" name="Date Placeholder 1">
-            <a:extLst>
-              <a:ext uri="{FF2B5EF4-FFF2-40B4-BE49-F238E27FC236}">
-                <a16:creationId xmlns:a16="http://schemas.microsoft.com/office/drawing/2014/main" id="{F800F973-DA10-4E2A-943C-28C53BBBB757}"/>
-              </a:ext>
-            </a:extLst>
-          </p:cNvPr>
-          <p:cNvSpPr>
-            <a:spLocks noGrp="1"/>
-          </p:cNvSpPr>
-          <p:nvPr>
-            <p:ph type="dt" sz="half" idx="10"/>
-          </p:nvPr>
-        </p:nvSpPr>
-        <p:spPr/>
-        <p:txBody>
-          <a:bodyPr/>
-          <a:lstStyle/>
-          <a:p>
-            <a:fld id="{A3023D7F-90D5-49D0-B78A-601D14CAF387}" type="datetimeFigureOut">
-              <a:rPr lang="en-CA" smtClean="0"/>
-              <a:t>2019-07-16</a:t>
-            </a:fld>
-            <a:endParaRPr lang="en-CA"/>
-          </a:p>
-        </p:txBody>
-      </p:sp>
-      <p:sp>
-        <p:nvSpPr>
-          <p:cNvPr id="3" name="Footer Placeholder 2">
-            <a:extLst>
-              <a:ext uri="{FF2B5EF4-FFF2-40B4-BE49-F238E27FC236}">
-                <a16:creationId xmlns:a16="http://schemas.microsoft.com/office/drawing/2014/main" id="{C1556F00-7AE5-4263-B40D-1280C15D0C40}"/>
-              </a:ext>
-            </a:extLst>
-          </p:cNvPr>
-          <p:cNvSpPr>
-            <a:spLocks noGrp="1"/>
-          </p:cNvSpPr>
-          <p:nvPr>
-            <p:ph type="ftr" sz="quarter" idx="11"/>
-          </p:nvPr>
-        </p:nvSpPr>
-        <p:spPr/>
-        <p:txBody>
-          <a:bodyPr/>
-          <a:lstStyle/>
-          <a:p>
-            <a:endParaRPr lang="en-CA"/>
-          </a:p>
-        </p:txBody>
-      </p:sp>
-      <p:sp>
-        <p:nvSpPr>
-          <p:cNvPr id="4" name="Slide Number Placeholder 3">
-            <a:extLst>
-              <a:ext uri="{FF2B5EF4-FFF2-40B4-BE49-F238E27FC236}">
-                <a16:creationId xmlns:a16="http://schemas.microsoft.com/office/drawing/2014/main" id="{FD6D3781-059F-4137-B00C-9D6EB0EA2FB3}"/>
-              </a:ext>
-            </a:extLst>
-          </p:cNvPr>
-          <p:cNvSpPr>
-            <a:spLocks noGrp="1"/>
-          </p:cNvSpPr>
-          <p:nvPr>
-            <p:ph type="sldNum" sz="quarter" idx="12"/>
-          </p:nvPr>
-        </p:nvSpPr>
-        <p:spPr/>
-        <p:txBody>
-          <a:bodyPr/>
-          <a:lstStyle/>
-          <a:p>
-            <a:fld id="{5892F983-A0B9-4DC3-92A6-6D9898F6EAA8}" type="slidenum">
-              <a:rPr lang="en-CA" smtClean="0"/>
-              <a:t>‹#›</a:t>
-            </a:fld>
-            <a:endParaRPr lang="en-CA"/>
-          </a:p>
-        </p:txBody>
-      </p:sp>
-    </p:spTree>
-    <p:extLst>
-      <p:ext uri="{BB962C8B-B14F-4D97-AF65-F5344CB8AC3E}">
-        <p14:creationId xmlns:p14="http://schemas.microsoft.com/office/powerpoint/2010/main" val="515666330"/>
-      </p:ext>
-    </p:extLst>
-  </p:cSld>
-  <p:clrMapOvr>
-    <a:masterClrMapping/>
-  </p:clrMapOvr>
-</p:sldLayout>
-</file>
-
-<file path=ppt/slideLayouts/slideLayout8.xml><?xml version="1.0" encoding="utf-8"?>
-<p:sldLayout xmlns:a="http://schemas.openxmlformats.org/drawingml/2006/main" xmlns:r="http://schemas.openxmlformats.org/officeDocument/2006/relationships" xmlns:p="http://schemas.openxmlformats.org/presentationml/2006/main" type="objTx" preserve="1">
-  <p:cSld name="Content with Caption">
-    <p:spTree>
-      <p:nvGrpSpPr>
-        <p:cNvPr id="1" name=""/>
-        <p:cNvGrpSpPr/>
-        <p:nvPr/>
-      </p:nvGrpSpPr>
-      <p:grpSpPr>
-        <a:xfrm>
-          <a:off x="0" y="0"/>
-          <a:ext cx="0" cy="0"/>
-          <a:chOff x="0" y="0"/>
-          <a:chExt cx="0" cy="0"/>
-        </a:xfrm>
-      </p:grpSpPr>
-      <p:sp>
-        <p:nvSpPr>
-          <p:cNvPr id="2" name="Title 1">
-            <a:extLst>
-              <a:ext uri="{FF2B5EF4-FFF2-40B4-BE49-F238E27FC236}">
-                <a16:creationId xmlns:a16="http://schemas.microsoft.com/office/drawing/2014/main" id="{550C5927-94F5-45C8-A9DF-5FE29DD95A7D}"/>
-              </a:ext>
-            </a:extLst>
-          </p:cNvPr>
-          <p:cNvSpPr>
-            <a:spLocks noGrp="1"/>
-          </p:cNvSpPr>
-          <p:nvPr>
-            <p:ph type="title"/>
+            <p:ph sz="quarter" idx="14"/>
           </p:nvPr>
         </p:nvSpPr>
         <p:spPr>
           <a:xfrm>
-            <a:off x="839788" y="457200"/>
-            <a:ext cx="3932237" cy="1600200"/>
-          </a:xfrm>
-        </p:spPr>
-        <p:txBody>
-          <a:bodyPr anchor="b"/>
-          <a:lstStyle>
-            <a:lvl1pPr>
-              <a:defRPr sz="3200"/>
-            </a:lvl1pPr>
-          </a:lstStyle>
-          <a:p>
-            <a:r>
-              <a:rPr lang="en-US"/>
-              <a:t>Click to edit Master title style</a:t>
-            </a:r>
-            <a:endParaRPr lang="en-CA"/>
-          </a:p>
-        </p:txBody>
-      </p:sp>
-      <p:sp>
-        <p:nvSpPr>
-          <p:cNvPr id="3" name="Content Placeholder 2">
-            <a:extLst>
-              <a:ext uri="{FF2B5EF4-FFF2-40B4-BE49-F238E27FC236}">
-                <a16:creationId xmlns:a16="http://schemas.microsoft.com/office/drawing/2014/main" id="{E93D172A-48EF-46C1-AC4C-CE04CEFAEA5E}"/>
-              </a:ext>
-            </a:extLst>
-          </p:cNvPr>
-          <p:cNvSpPr>
-            <a:spLocks noGrp="1"/>
-          </p:cNvSpPr>
-          <p:nvPr>
-            <p:ph idx="1"/>
-          </p:nvPr>
-        </p:nvSpPr>
-        <p:spPr>
-          <a:xfrm>
-            <a:off x="5183188" y="987425"/>
-            <a:ext cx="6172200" cy="4873625"/>
+            <a:off x="6172200" y="3051012"/>
+            <a:ext cx="5105401" cy="2740187"/>
           </a:xfrm>
         </p:spPr>
         <p:txBody>
           <a:bodyPr/>
-          <a:lstStyle>
-            <a:lvl1pPr>
-              <a:defRPr sz="3200"/>
-            </a:lvl1pPr>
-            <a:lvl2pPr>
-              <a:defRPr sz="2800"/>
-            </a:lvl2pPr>
-            <a:lvl3pPr>
-              <a:defRPr sz="2400"/>
-            </a:lvl3pPr>
-            <a:lvl4pPr>
-              <a:defRPr sz="2000"/>
-            </a:lvl4pPr>
-            <a:lvl5pPr>
-              <a:defRPr sz="2000"/>
-            </a:lvl5pPr>
-            <a:lvl6pPr>
-              <a:defRPr sz="2000"/>
-            </a:lvl6pPr>
-            <a:lvl7pPr>
-              <a:defRPr sz="2000"/>
-            </a:lvl7pPr>
-            <a:lvl8pPr>
-              <a:defRPr sz="2000"/>
-            </a:lvl8pPr>
-            <a:lvl9pPr>
-              <a:defRPr sz="2000"/>
-            </a:lvl9pPr>
-          </a:lstStyle>
+          <a:lstStyle/>
           <a:p>
             <a:pPr lvl="0"/>
             <a:r>
@@ -12599,90 +15054,13 @@
               <a:rPr lang="en-US"/>
               <a:t>Fifth level</a:t>
             </a:r>
-            <a:endParaRPr lang="en-CA"/>
+            <a:endParaRPr lang="en-US" dirty="0"/>
           </a:p>
         </p:txBody>
       </p:sp>
       <p:sp>
         <p:nvSpPr>
-          <p:cNvPr id="4" name="Text Placeholder 3">
-            <a:extLst>
-              <a:ext uri="{FF2B5EF4-FFF2-40B4-BE49-F238E27FC236}">
-                <a16:creationId xmlns:a16="http://schemas.microsoft.com/office/drawing/2014/main" id="{5A23B9E2-175F-46D0-A841-755DF3A042E6}"/>
-              </a:ext>
-            </a:extLst>
-          </p:cNvPr>
-          <p:cNvSpPr>
-            <a:spLocks noGrp="1"/>
-          </p:cNvSpPr>
-          <p:nvPr>
-            <p:ph type="body" sz="half" idx="2"/>
-          </p:nvPr>
-        </p:nvSpPr>
-        <p:spPr>
-          <a:xfrm>
-            <a:off x="839788" y="2057400"/>
-            <a:ext cx="3932237" cy="3811588"/>
-          </a:xfrm>
-        </p:spPr>
-        <p:txBody>
-          <a:bodyPr/>
-          <a:lstStyle>
-            <a:lvl1pPr marL="0" indent="0">
-              <a:buNone/>
-              <a:defRPr sz="1600"/>
-            </a:lvl1pPr>
-            <a:lvl2pPr marL="457200" indent="0">
-              <a:buNone/>
-              <a:defRPr sz="1400"/>
-            </a:lvl2pPr>
-            <a:lvl3pPr marL="914400" indent="0">
-              <a:buNone/>
-              <a:defRPr sz="1200"/>
-            </a:lvl3pPr>
-            <a:lvl4pPr marL="1371600" indent="0">
-              <a:buNone/>
-              <a:defRPr sz="1000"/>
-            </a:lvl4pPr>
-            <a:lvl5pPr marL="1828800" indent="0">
-              <a:buNone/>
-              <a:defRPr sz="1000"/>
-            </a:lvl5pPr>
-            <a:lvl6pPr marL="2286000" indent="0">
-              <a:buNone/>
-              <a:defRPr sz="1000"/>
-            </a:lvl6pPr>
-            <a:lvl7pPr marL="2743200" indent="0">
-              <a:buNone/>
-              <a:defRPr sz="1000"/>
-            </a:lvl7pPr>
-            <a:lvl8pPr marL="3200400" indent="0">
-              <a:buNone/>
-              <a:defRPr sz="1000"/>
-            </a:lvl8pPr>
-            <a:lvl9pPr marL="3657600" indent="0">
-              <a:buNone/>
-              <a:defRPr sz="1000"/>
-            </a:lvl9pPr>
-          </a:lstStyle>
-          <a:p>
-            <a:pPr lvl="0"/>
-            <a:r>
-              <a:rPr lang="en-US"/>
-              <a:t>Click to edit Master text styles</a:t>
-            </a:r>
-          </a:p>
-        </p:txBody>
-      </p:sp>
-      <p:sp>
-        <p:nvSpPr>
-          <p:cNvPr id="5" name="Date Placeholder 4">
-            <a:extLst>
-              <a:ext uri="{FF2B5EF4-FFF2-40B4-BE49-F238E27FC236}">
-                <a16:creationId xmlns:a16="http://schemas.microsoft.com/office/drawing/2014/main" id="{888A53E9-3302-4CAC-A463-BA73DF922279}"/>
-              </a:ext>
-            </a:extLst>
-          </p:cNvPr>
+          <p:cNvPr id="7" name="Date Placeholder 6"/>
           <p:cNvSpPr>
             <a:spLocks noGrp="1"/>
           </p:cNvSpPr>
@@ -12697,7 +15075,7 @@
           <a:p>
             <a:fld id="{A3023D7F-90D5-49D0-B78A-601D14CAF387}" type="datetimeFigureOut">
               <a:rPr lang="en-CA" smtClean="0"/>
-              <a:t>2019-07-16</a:t>
+              <a:t>2019-07-17</a:t>
             </a:fld>
             <a:endParaRPr lang="en-CA"/>
           </a:p>
@@ -12705,13 +15083,7 @@
       </p:sp>
       <p:sp>
         <p:nvSpPr>
-          <p:cNvPr id="6" name="Footer Placeholder 5">
-            <a:extLst>
-              <a:ext uri="{FF2B5EF4-FFF2-40B4-BE49-F238E27FC236}">
-                <a16:creationId xmlns:a16="http://schemas.microsoft.com/office/drawing/2014/main" id="{288BD9C6-66F8-4C89-9D62-057310D9C87E}"/>
-              </a:ext>
-            </a:extLst>
-          </p:cNvPr>
+          <p:cNvPr id="8" name="Footer Placeholder 7"/>
           <p:cNvSpPr>
             <a:spLocks noGrp="1"/>
           </p:cNvSpPr>
@@ -12730,13 +15102,7 @@
       </p:sp>
       <p:sp>
         <p:nvSpPr>
-          <p:cNvPr id="7" name="Slide Number Placeholder 6">
-            <a:extLst>
-              <a:ext uri="{FF2B5EF4-FFF2-40B4-BE49-F238E27FC236}">
-                <a16:creationId xmlns:a16="http://schemas.microsoft.com/office/drawing/2014/main" id="{23CFA4AE-7B6E-45C3-88ED-9D2218EE77D1}"/>
-              </a:ext>
-            </a:extLst>
-          </p:cNvPr>
+          <p:cNvPr id="9" name="Slide Number Placeholder 8"/>
           <p:cNvSpPr>
             <a:spLocks noGrp="1"/>
           </p:cNvSpPr>
@@ -12760,7 +15126,559 @@
     </p:spTree>
     <p:extLst>
       <p:ext uri="{BB962C8B-B14F-4D97-AF65-F5344CB8AC3E}">
-        <p14:creationId xmlns:p14="http://schemas.microsoft.com/office/powerpoint/2010/main" val="1143302900"/>
+        <p14:creationId xmlns:p14="http://schemas.microsoft.com/office/powerpoint/2010/main" val="3555799648"/>
+      </p:ext>
+    </p:extLst>
+  </p:cSld>
+  <p:clrMapOvr>
+    <a:masterClrMapping/>
+  </p:clrMapOvr>
+</p:sldLayout>
+</file>
+
+<file path=ppt/slideLayouts/slideLayout6.xml><?xml version="1.0" encoding="utf-8"?>
+<p:sldLayout xmlns:a="http://schemas.openxmlformats.org/drawingml/2006/main" xmlns:r="http://schemas.openxmlformats.org/officeDocument/2006/relationships" xmlns:p="http://schemas.openxmlformats.org/presentationml/2006/main" type="titleOnly" preserve="1">
+  <p:cSld name="Title Only">
+    <p:spTree>
+      <p:nvGrpSpPr>
+        <p:cNvPr id="1" name=""/>
+        <p:cNvGrpSpPr/>
+        <p:nvPr/>
+      </p:nvGrpSpPr>
+      <p:grpSpPr>
+        <a:xfrm>
+          <a:off x="0" y="0"/>
+          <a:ext cx="0" cy="0"/>
+          <a:chOff x="0" y="0"/>
+          <a:chExt cx="0" cy="0"/>
+        </a:xfrm>
+      </p:grpSpPr>
+      <p:pic>
+        <p:nvPicPr>
+          <p:cNvPr id="8" name="Picture 7" descr="Droplets-HD-Content-R1d.png"/>
+          <p:cNvPicPr>
+            <a:picLocks noChangeAspect="1"/>
+          </p:cNvPicPr>
+          <p:nvPr/>
+        </p:nvPicPr>
+        <p:blipFill>
+          <a:blip r:embed="rId2">
+            <a:extLst>
+              <a:ext uri="{28A0092B-C50C-407E-A947-70E740481C1C}">
+                <a14:useLocalDpi xmlns:a14="http://schemas.microsoft.com/office/drawing/2010/main" val="0"/>
+              </a:ext>
+            </a:extLst>
+          </a:blip>
+          <a:stretch>
+            <a:fillRect/>
+          </a:stretch>
+        </p:blipFill>
+        <p:spPr>
+          <a:xfrm>
+            <a:off x="0" y="0"/>
+            <a:ext cx="12192000" cy="6858000"/>
+          </a:xfrm>
+          <a:prstGeom prst="rect">
+            <a:avLst/>
+          </a:prstGeom>
+        </p:spPr>
+      </p:pic>
+      <p:sp>
+        <p:nvSpPr>
+          <p:cNvPr id="2" name="Title 1"/>
+          <p:cNvSpPr>
+            <a:spLocks noGrp="1"/>
+          </p:cNvSpPr>
+          <p:nvPr>
+            <p:ph type="title"/>
+          </p:nvPr>
+        </p:nvSpPr>
+        <p:spPr/>
+        <p:txBody>
+          <a:bodyPr/>
+          <a:lstStyle/>
+          <a:p>
+            <a:r>
+              <a:rPr lang="en-US"/>
+              <a:t>Click to edit Master title style</a:t>
+            </a:r>
+            <a:endParaRPr lang="en-US" dirty="0"/>
+          </a:p>
+        </p:txBody>
+      </p:sp>
+      <p:sp>
+        <p:nvSpPr>
+          <p:cNvPr id="3" name="Date Placeholder 2"/>
+          <p:cNvSpPr>
+            <a:spLocks noGrp="1"/>
+          </p:cNvSpPr>
+          <p:nvPr>
+            <p:ph type="dt" sz="half" idx="10"/>
+          </p:nvPr>
+        </p:nvSpPr>
+        <p:spPr/>
+        <p:txBody>
+          <a:bodyPr/>
+          <a:lstStyle/>
+          <a:p>
+            <a:fld id="{A3023D7F-90D5-49D0-B78A-601D14CAF387}" type="datetimeFigureOut">
+              <a:rPr lang="en-CA" smtClean="0"/>
+              <a:t>2019-07-17</a:t>
+            </a:fld>
+            <a:endParaRPr lang="en-CA"/>
+          </a:p>
+        </p:txBody>
+      </p:sp>
+      <p:sp>
+        <p:nvSpPr>
+          <p:cNvPr id="4" name="Footer Placeholder 3"/>
+          <p:cNvSpPr>
+            <a:spLocks noGrp="1"/>
+          </p:cNvSpPr>
+          <p:nvPr>
+            <p:ph type="ftr" sz="quarter" idx="11"/>
+          </p:nvPr>
+        </p:nvSpPr>
+        <p:spPr/>
+        <p:txBody>
+          <a:bodyPr/>
+          <a:lstStyle/>
+          <a:p>
+            <a:endParaRPr lang="en-CA"/>
+          </a:p>
+        </p:txBody>
+      </p:sp>
+      <p:sp>
+        <p:nvSpPr>
+          <p:cNvPr id="5" name="Slide Number Placeholder 4"/>
+          <p:cNvSpPr>
+            <a:spLocks noGrp="1"/>
+          </p:cNvSpPr>
+          <p:nvPr>
+            <p:ph type="sldNum" sz="quarter" idx="12"/>
+          </p:nvPr>
+        </p:nvSpPr>
+        <p:spPr/>
+        <p:txBody>
+          <a:bodyPr/>
+          <a:lstStyle/>
+          <a:p>
+            <a:fld id="{5892F983-A0B9-4DC3-92A6-6D9898F6EAA8}" type="slidenum">
+              <a:rPr lang="en-CA" smtClean="0"/>
+              <a:t>‹#›</a:t>
+            </a:fld>
+            <a:endParaRPr lang="en-CA"/>
+          </a:p>
+        </p:txBody>
+      </p:sp>
+    </p:spTree>
+    <p:extLst>
+      <p:ext uri="{BB962C8B-B14F-4D97-AF65-F5344CB8AC3E}">
+        <p14:creationId xmlns:p14="http://schemas.microsoft.com/office/powerpoint/2010/main" val="2980819633"/>
+      </p:ext>
+    </p:extLst>
+  </p:cSld>
+  <p:clrMapOvr>
+    <a:masterClrMapping/>
+  </p:clrMapOvr>
+</p:sldLayout>
+</file>
+
+<file path=ppt/slideLayouts/slideLayout7.xml><?xml version="1.0" encoding="utf-8"?>
+<p:sldLayout xmlns:a="http://schemas.openxmlformats.org/drawingml/2006/main" xmlns:r="http://schemas.openxmlformats.org/officeDocument/2006/relationships" xmlns:p="http://schemas.openxmlformats.org/presentationml/2006/main" type="blank" preserve="1">
+  <p:cSld name="Blank">
+    <p:spTree>
+      <p:nvGrpSpPr>
+        <p:cNvPr id="1" name=""/>
+        <p:cNvGrpSpPr/>
+        <p:nvPr/>
+      </p:nvGrpSpPr>
+      <p:grpSpPr>
+        <a:xfrm>
+          <a:off x="0" y="0"/>
+          <a:ext cx="0" cy="0"/>
+          <a:chOff x="0" y="0"/>
+          <a:chExt cx="0" cy="0"/>
+        </a:xfrm>
+      </p:grpSpPr>
+      <p:pic>
+        <p:nvPicPr>
+          <p:cNvPr id="7" name="Picture 6" descr="Droplets-HD-Content-R1d.png"/>
+          <p:cNvPicPr>
+            <a:picLocks noChangeAspect="1"/>
+          </p:cNvPicPr>
+          <p:nvPr/>
+        </p:nvPicPr>
+        <p:blipFill>
+          <a:blip r:embed="rId2">
+            <a:extLst>
+              <a:ext uri="{28A0092B-C50C-407E-A947-70E740481C1C}">
+                <a14:useLocalDpi xmlns:a14="http://schemas.microsoft.com/office/drawing/2010/main" val="0"/>
+              </a:ext>
+            </a:extLst>
+          </a:blip>
+          <a:stretch>
+            <a:fillRect/>
+          </a:stretch>
+        </p:blipFill>
+        <p:spPr>
+          <a:xfrm>
+            <a:off x="0" y="0"/>
+            <a:ext cx="12192000" cy="6858000"/>
+          </a:xfrm>
+          <a:prstGeom prst="rect">
+            <a:avLst/>
+          </a:prstGeom>
+        </p:spPr>
+      </p:pic>
+      <p:sp>
+        <p:nvSpPr>
+          <p:cNvPr id="2" name="Date Placeholder 1"/>
+          <p:cNvSpPr>
+            <a:spLocks noGrp="1"/>
+          </p:cNvSpPr>
+          <p:nvPr>
+            <p:ph type="dt" sz="half" idx="10"/>
+          </p:nvPr>
+        </p:nvSpPr>
+        <p:spPr/>
+        <p:txBody>
+          <a:bodyPr/>
+          <a:lstStyle/>
+          <a:p>
+            <a:fld id="{A3023D7F-90D5-49D0-B78A-601D14CAF387}" type="datetimeFigureOut">
+              <a:rPr lang="en-CA" smtClean="0"/>
+              <a:t>2019-07-17</a:t>
+            </a:fld>
+            <a:endParaRPr lang="en-CA"/>
+          </a:p>
+        </p:txBody>
+      </p:sp>
+      <p:sp>
+        <p:nvSpPr>
+          <p:cNvPr id="3" name="Footer Placeholder 2"/>
+          <p:cNvSpPr>
+            <a:spLocks noGrp="1"/>
+          </p:cNvSpPr>
+          <p:nvPr>
+            <p:ph type="ftr" sz="quarter" idx="11"/>
+          </p:nvPr>
+        </p:nvSpPr>
+        <p:spPr/>
+        <p:txBody>
+          <a:bodyPr/>
+          <a:lstStyle/>
+          <a:p>
+            <a:endParaRPr lang="en-CA"/>
+          </a:p>
+        </p:txBody>
+      </p:sp>
+      <p:sp>
+        <p:nvSpPr>
+          <p:cNvPr id="4" name="Slide Number Placeholder 3"/>
+          <p:cNvSpPr>
+            <a:spLocks noGrp="1"/>
+          </p:cNvSpPr>
+          <p:nvPr>
+            <p:ph type="sldNum" sz="quarter" idx="12"/>
+          </p:nvPr>
+        </p:nvSpPr>
+        <p:spPr/>
+        <p:txBody>
+          <a:bodyPr/>
+          <a:lstStyle/>
+          <a:p>
+            <a:fld id="{5892F983-A0B9-4DC3-92A6-6D9898F6EAA8}" type="slidenum">
+              <a:rPr lang="en-CA" smtClean="0"/>
+              <a:t>‹#›</a:t>
+            </a:fld>
+            <a:endParaRPr lang="en-CA"/>
+          </a:p>
+        </p:txBody>
+      </p:sp>
+    </p:spTree>
+    <p:extLst>
+      <p:ext uri="{BB962C8B-B14F-4D97-AF65-F5344CB8AC3E}">
+        <p14:creationId xmlns:p14="http://schemas.microsoft.com/office/powerpoint/2010/main" val="1366158523"/>
+      </p:ext>
+    </p:extLst>
+  </p:cSld>
+  <p:clrMapOvr>
+    <a:masterClrMapping/>
+  </p:clrMapOvr>
+</p:sldLayout>
+</file>
+
+<file path=ppt/slideLayouts/slideLayout8.xml><?xml version="1.0" encoding="utf-8"?>
+<p:sldLayout xmlns:a="http://schemas.openxmlformats.org/drawingml/2006/main" xmlns:r="http://schemas.openxmlformats.org/officeDocument/2006/relationships" xmlns:p="http://schemas.openxmlformats.org/presentationml/2006/main" type="objTx" preserve="1">
+  <p:cSld name="Content with Caption">
+    <p:spTree>
+      <p:nvGrpSpPr>
+        <p:cNvPr id="1" name=""/>
+        <p:cNvGrpSpPr/>
+        <p:nvPr/>
+      </p:nvGrpSpPr>
+      <p:grpSpPr>
+        <a:xfrm>
+          <a:off x="0" y="0"/>
+          <a:ext cx="0" cy="0"/>
+          <a:chOff x="0" y="0"/>
+          <a:chExt cx="0" cy="0"/>
+        </a:xfrm>
+      </p:grpSpPr>
+      <p:pic>
+        <p:nvPicPr>
+          <p:cNvPr id="11" name="Picture 10" descr="Droplets-HD-Content-R1d.png"/>
+          <p:cNvPicPr>
+            <a:picLocks noChangeAspect="1"/>
+          </p:cNvPicPr>
+          <p:nvPr/>
+        </p:nvPicPr>
+        <p:blipFill>
+          <a:blip r:embed="rId2">
+            <a:extLst>
+              <a:ext uri="{28A0092B-C50C-407E-A947-70E740481C1C}">
+                <a14:useLocalDpi xmlns:a14="http://schemas.microsoft.com/office/drawing/2010/main" val="0"/>
+              </a:ext>
+            </a:extLst>
+          </a:blip>
+          <a:stretch>
+            <a:fillRect/>
+          </a:stretch>
+        </p:blipFill>
+        <p:spPr>
+          <a:xfrm>
+            <a:off x="0" y="0"/>
+            <a:ext cx="12192000" cy="6858000"/>
+          </a:xfrm>
+          <a:prstGeom prst="rect">
+            <a:avLst/>
+          </a:prstGeom>
+        </p:spPr>
+      </p:pic>
+      <p:sp>
+        <p:nvSpPr>
+          <p:cNvPr id="2" name="Title 1"/>
+          <p:cNvSpPr>
+            <a:spLocks noGrp="1"/>
+          </p:cNvSpPr>
+          <p:nvPr>
+            <p:ph type="title"/>
+          </p:nvPr>
+        </p:nvSpPr>
+        <p:spPr>
+          <a:xfrm>
+            <a:off x="913775" y="609600"/>
+            <a:ext cx="3935688" cy="2023252"/>
+          </a:xfrm>
+        </p:spPr>
+        <p:txBody>
+          <a:bodyPr anchor="b"/>
+          <a:lstStyle>
+            <a:lvl1pPr algn="ctr">
+              <a:defRPr sz="3200"/>
+            </a:lvl1pPr>
+          </a:lstStyle>
+          <a:p>
+            <a:r>
+              <a:rPr lang="en-US"/>
+              <a:t>Click to edit Master title style</a:t>
+            </a:r>
+            <a:endParaRPr lang="en-US" dirty="0"/>
+          </a:p>
+        </p:txBody>
+      </p:sp>
+      <p:sp>
+        <p:nvSpPr>
+          <p:cNvPr id="10" name="Content Placeholder 2"/>
+          <p:cNvSpPr>
+            <a:spLocks noGrp="1"/>
+          </p:cNvSpPr>
+          <p:nvPr>
+            <p:ph sz="quarter" idx="13"/>
+          </p:nvPr>
+        </p:nvSpPr>
+        <p:spPr>
+          <a:xfrm>
+            <a:off x="5078062" y="609600"/>
+            <a:ext cx="6200163" cy="5181599"/>
+          </a:xfrm>
+        </p:spPr>
+        <p:txBody>
+          <a:bodyPr/>
+          <a:lstStyle/>
+          <a:p>
+            <a:pPr lvl="0"/>
+            <a:r>
+              <a:rPr lang="en-US"/>
+              <a:t>Click to edit Master text styles</a:t>
+            </a:r>
+          </a:p>
+          <a:p>
+            <a:pPr lvl="1"/>
+            <a:r>
+              <a:rPr lang="en-US"/>
+              <a:t>Second level</a:t>
+            </a:r>
+          </a:p>
+          <a:p>
+            <a:pPr lvl="2"/>
+            <a:r>
+              <a:rPr lang="en-US"/>
+              <a:t>Third level</a:t>
+            </a:r>
+          </a:p>
+          <a:p>
+            <a:pPr lvl="3"/>
+            <a:r>
+              <a:rPr lang="en-US"/>
+              <a:t>Fourth level</a:t>
+            </a:r>
+          </a:p>
+          <a:p>
+            <a:pPr lvl="4"/>
+            <a:r>
+              <a:rPr lang="en-US"/>
+              <a:t>Fifth level</a:t>
+            </a:r>
+            <a:endParaRPr lang="en-US" dirty="0"/>
+          </a:p>
+        </p:txBody>
+      </p:sp>
+      <p:sp>
+        <p:nvSpPr>
+          <p:cNvPr id="4" name="Text Placeholder 3"/>
+          <p:cNvSpPr>
+            <a:spLocks noGrp="1"/>
+          </p:cNvSpPr>
+          <p:nvPr>
+            <p:ph type="body" sz="half" idx="2"/>
+          </p:nvPr>
+        </p:nvSpPr>
+        <p:spPr>
+          <a:xfrm>
+            <a:off x="913774" y="2632852"/>
+            <a:ext cx="3935689" cy="3158348"/>
+          </a:xfrm>
+        </p:spPr>
+        <p:txBody>
+          <a:bodyPr/>
+          <a:lstStyle>
+            <a:lvl1pPr marL="0" indent="0" algn="ctr">
+              <a:buNone/>
+              <a:defRPr sz="1600"/>
+            </a:lvl1pPr>
+            <a:lvl2pPr marL="457200" indent="0">
+              <a:buNone/>
+              <a:defRPr sz="1400"/>
+            </a:lvl2pPr>
+            <a:lvl3pPr marL="914400" indent="0">
+              <a:buNone/>
+              <a:defRPr sz="1200"/>
+            </a:lvl3pPr>
+            <a:lvl4pPr marL="1371600" indent="0">
+              <a:buNone/>
+              <a:defRPr sz="1000"/>
+            </a:lvl4pPr>
+            <a:lvl5pPr marL="1828800" indent="0">
+              <a:buNone/>
+              <a:defRPr sz="1000"/>
+            </a:lvl5pPr>
+            <a:lvl6pPr marL="2286000" indent="0">
+              <a:buNone/>
+              <a:defRPr sz="1000"/>
+            </a:lvl6pPr>
+            <a:lvl7pPr marL="2743200" indent="0">
+              <a:buNone/>
+              <a:defRPr sz="1000"/>
+            </a:lvl7pPr>
+            <a:lvl8pPr marL="3200400" indent="0">
+              <a:buNone/>
+              <a:defRPr sz="1000"/>
+            </a:lvl8pPr>
+            <a:lvl9pPr marL="3657600" indent="0">
+              <a:buNone/>
+              <a:defRPr sz="1000"/>
+            </a:lvl9pPr>
+          </a:lstStyle>
+          <a:p>
+            <a:pPr lvl="0"/>
+            <a:r>
+              <a:rPr lang="en-US"/>
+              <a:t>Click to edit Master text styles</a:t>
+            </a:r>
+          </a:p>
+        </p:txBody>
+      </p:sp>
+      <p:sp>
+        <p:nvSpPr>
+          <p:cNvPr id="5" name="Date Placeholder 4"/>
+          <p:cNvSpPr>
+            <a:spLocks noGrp="1"/>
+          </p:cNvSpPr>
+          <p:nvPr>
+            <p:ph type="dt" sz="half" idx="10"/>
+          </p:nvPr>
+        </p:nvSpPr>
+        <p:spPr/>
+        <p:txBody>
+          <a:bodyPr/>
+          <a:lstStyle/>
+          <a:p>
+            <a:fld id="{A3023D7F-90D5-49D0-B78A-601D14CAF387}" type="datetimeFigureOut">
+              <a:rPr lang="en-CA" smtClean="0"/>
+              <a:t>2019-07-17</a:t>
+            </a:fld>
+            <a:endParaRPr lang="en-CA"/>
+          </a:p>
+        </p:txBody>
+      </p:sp>
+      <p:sp>
+        <p:nvSpPr>
+          <p:cNvPr id="6" name="Footer Placeholder 5"/>
+          <p:cNvSpPr>
+            <a:spLocks noGrp="1"/>
+          </p:cNvSpPr>
+          <p:nvPr>
+            <p:ph type="ftr" sz="quarter" idx="11"/>
+          </p:nvPr>
+        </p:nvSpPr>
+        <p:spPr/>
+        <p:txBody>
+          <a:bodyPr/>
+          <a:lstStyle/>
+          <a:p>
+            <a:endParaRPr lang="en-CA"/>
+          </a:p>
+        </p:txBody>
+      </p:sp>
+      <p:sp>
+        <p:nvSpPr>
+          <p:cNvPr id="7" name="Slide Number Placeholder 6"/>
+          <p:cNvSpPr>
+            <a:spLocks noGrp="1"/>
+          </p:cNvSpPr>
+          <p:nvPr>
+            <p:ph type="sldNum" sz="quarter" idx="12"/>
+          </p:nvPr>
+        </p:nvSpPr>
+        <p:spPr/>
+        <p:txBody>
+          <a:bodyPr/>
+          <a:lstStyle/>
+          <a:p>
+            <a:fld id="{5892F983-A0B9-4DC3-92A6-6D9898F6EAA8}" type="slidenum">
+              <a:rPr lang="en-CA" smtClean="0"/>
+              <a:t>‹#›</a:t>
+            </a:fld>
+            <a:endParaRPr lang="en-CA"/>
+          </a:p>
+        </p:txBody>
+      </p:sp>
+    </p:spTree>
+    <p:extLst>
+      <p:ext uri="{BB962C8B-B14F-4D97-AF65-F5344CB8AC3E}">
+        <p14:creationId xmlns:p14="http://schemas.microsoft.com/office/powerpoint/2010/main" val="3103794120"/>
       </p:ext>
     </p:extLst>
   </p:cSld>
@@ -12787,15 +15705,39 @@
           <a:chExt cx="0" cy="0"/>
         </a:xfrm>
       </p:grpSpPr>
+      <p:pic>
+        <p:nvPicPr>
+          <p:cNvPr id="10" name="Picture 9" descr="Droplets-HD-Content-R1d.png"/>
+          <p:cNvPicPr>
+            <a:picLocks noChangeAspect="1"/>
+          </p:cNvPicPr>
+          <p:nvPr/>
+        </p:nvPicPr>
+        <p:blipFill>
+          <a:blip r:embed="rId2">
+            <a:extLst>
+              <a:ext uri="{28A0092B-C50C-407E-A947-70E740481C1C}">
+                <a14:useLocalDpi xmlns:a14="http://schemas.microsoft.com/office/drawing/2010/main" val="0"/>
+              </a:ext>
+            </a:extLst>
+          </a:blip>
+          <a:stretch>
+            <a:fillRect/>
+          </a:stretch>
+        </p:blipFill>
+        <p:spPr>
+          <a:xfrm>
+            <a:off x="0" y="0"/>
+            <a:ext cx="12192000" cy="6858000"/>
+          </a:xfrm>
+          <a:prstGeom prst="rect">
+            <a:avLst/>
+          </a:prstGeom>
+        </p:spPr>
+      </p:pic>
       <p:sp>
         <p:nvSpPr>
-          <p:cNvPr id="2" name="Title 1">
-            <a:extLst>
-              <a:ext uri="{FF2B5EF4-FFF2-40B4-BE49-F238E27FC236}">
-                <a16:creationId xmlns:a16="http://schemas.microsoft.com/office/drawing/2014/main" id="{E2769970-0F12-4F94-9334-27F14A1B88E4}"/>
-              </a:ext>
-            </a:extLst>
-          </p:cNvPr>
+          <p:cNvPr id="2" name="Title 1"/>
           <p:cNvSpPr>
             <a:spLocks noGrp="1"/>
           </p:cNvSpPr>
@@ -12805,14 +15747,14 @@
         </p:nvSpPr>
         <p:spPr>
           <a:xfrm>
-            <a:off x="839788" y="457200"/>
-            <a:ext cx="3932237" cy="1600200"/>
+            <a:off x="913774" y="609600"/>
+            <a:ext cx="5934969" cy="2023254"/>
           </a:xfrm>
         </p:spPr>
         <p:txBody>
           <a:bodyPr anchor="b"/>
           <a:lstStyle>
-            <a:lvl1pPr>
+            <a:lvl1pPr algn="ctr">
               <a:defRPr sz="3200"/>
             </a:lvl1pPr>
           </a:lstStyle>
@@ -12821,21 +15763,15 @@
               <a:rPr lang="en-US"/>
               <a:t>Click to edit Master title style</a:t>
             </a:r>
-            <a:endParaRPr lang="en-CA"/>
+            <a:endParaRPr lang="en-US" dirty="0"/>
           </a:p>
         </p:txBody>
       </p:sp>
       <p:sp>
         <p:nvSpPr>
-          <p:cNvPr id="3" name="Picture Placeholder 2">
-            <a:extLst>
-              <a:ext uri="{FF2B5EF4-FFF2-40B4-BE49-F238E27FC236}">
-                <a16:creationId xmlns:a16="http://schemas.microsoft.com/office/drawing/2014/main" id="{72797817-F802-4C9D-B536-FFC4201C5FAD}"/>
-              </a:ext>
-            </a:extLst>
-          </p:cNvPr>
+          <p:cNvPr id="3" name="Picture Placeholder 2"/>
           <p:cNvSpPr>
-            <a:spLocks noGrp="1"/>
+            <a:spLocks noGrp="1" noChangeAspect="1"/>
           </p:cNvSpPr>
           <p:nvPr>
             <p:ph type="pic" idx="1"/>
@@ -12843,12 +15779,37 @@
         </p:nvSpPr>
         <p:spPr>
           <a:xfrm>
-            <a:off x="5183188" y="987425"/>
-            <a:ext cx="6172200" cy="4873625"/>
+            <a:off x="7424803" y="609601"/>
+            <a:ext cx="3255358" cy="5181600"/>
           </a:xfrm>
+          <a:prstGeom prst="roundRect">
+            <a:avLst>
+              <a:gd name="adj" fmla="val 4943"/>
+            </a:avLst>
+          </a:prstGeom>
+          <a:noFill/>
+          <a:ln w="82550" cap="sq">
+            <a:solidFill>
+              <a:srgbClr val="EAEAEA"/>
+            </a:solidFill>
+            <a:miter lim="800000"/>
+          </a:ln>
+          <a:effectLst/>
+          <a:scene3d>
+            <a:camera prst="orthographicFront"/>
+            <a:lightRig rig="threePt" dir="t">
+              <a:rot lat="0" lon="0" rev="2700000"/>
+            </a:lightRig>
+          </a:scene3d>
+          <a:sp3d contourW="6350">
+            <a:bevelT h="38100"/>
+            <a:contourClr>
+              <a:srgbClr val="C0C0C0"/>
+            </a:contourClr>
+          </a:sp3d>
         </p:spPr>
         <p:txBody>
-          <a:bodyPr/>
+          <a:bodyPr anchor="t"/>
           <a:lstStyle>
             <a:lvl1pPr marL="0" indent="0">
               <a:buNone/>
@@ -12888,19 +15849,17 @@
             </a:lvl9pPr>
           </a:lstStyle>
           <a:p>
-            <a:endParaRPr lang="en-CA"/>
+            <a:r>
+              <a:rPr lang="en-US"/>
+              <a:t>Click icon to add picture</a:t>
+            </a:r>
+            <a:endParaRPr lang="en-US" dirty="0"/>
           </a:p>
         </p:txBody>
       </p:sp>
       <p:sp>
         <p:nvSpPr>
-          <p:cNvPr id="4" name="Text Placeholder 3">
-            <a:extLst>
-              <a:ext uri="{FF2B5EF4-FFF2-40B4-BE49-F238E27FC236}">
-                <a16:creationId xmlns:a16="http://schemas.microsoft.com/office/drawing/2014/main" id="{F4319AC6-BC07-4F03-944A-AD960677AA6A}"/>
-              </a:ext>
-            </a:extLst>
-          </p:cNvPr>
+          <p:cNvPr id="4" name="Text Placeholder 3"/>
           <p:cNvSpPr>
             <a:spLocks noGrp="1"/>
           </p:cNvSpPr>
@@ -12910,14 +15869,14 @@
         </p:nvSpPr>
         <p:spPr>
           <a:xfrm>
-            <a:off x="839788" y="2057400"/>
-            <a:ext cx="3932237" cy="3811588"/>
+            <a:off x="913794" y="2632852"/>
+            <a:ext cx="5934949" cy="3158347"/>
           </a:xfrm>
         </p:spPr>
         <p:txBody>
           <a:bodyPr/>
           <a:lstStyle>
-            <a:lvl1pPr marL="0" indent="0">
+            <a:lvl1pPr marL="0" indent="0" algn="ctr">
               <a:buNone/>
               <a:defRPr sz="1600"/>
             </a:lvl1pPr>
@@ -12965,13 +15924,7 @@
       </p:sp>
       <p:sp>
         <p:nvSpPr>
-          <p:cNvPr id="5" name="Date Placeholder 4">
-            <a:extLst>
-              <a:ext uri="{FF2B5EF4-FFF2-40B4-BE49-F238E27FC236}">
-                <a16:creationId xmlns:a16="http://schemas.microsoft.com/office/drawing/2014/main" id="{FBADE436-1F06-4AD3-BA34-BFC82983BA88}"/>
-              </a:ext>
-            </a:extLst>
-          </p:cNvPr>
+          <p:cNvPr id="5" name="Date Placeholder 4"/>
           <p:cNvSpPr>
             <a:spLocks noGrp="1"/>
           </p:cNvSpPr>
@@ -12986,7 +15939,7 @@
           <a:p>
             <a:fld id="{A3023D7F-90D5-49D0-B78A-601D14CAF387}" type="datetimeFigureOut">
               <a:rPr lang="en-CA" smtClean="0"/>
-              <a:t>2019-07-16</a:t>
+              <a:t>2019-07-17</a:t>
             </a:fld>
             <a:endParaRPr lang="en-CA"/>
           </a:p>
@@ -12994,13 +15947,7 @@
       </p:sp>
       <p:sp>
         <p:nvSpPr>
-          <p:cNvPr id="6" name="Footer Placeholder 5">
-            <a:extLst>
-              <a:ext uri="{FF2B5EF4-FFF2-40B4-BE49-F238E27FC236}">
-                <a16:creationId xmlns:a16="http://schemas.microsoft.com/office/drawing/2014/main" id="{9F85FF78-DBD2-482F-B2EF-28793EEF2545}"/>
-              </a:ext>
-            </a:extLst>
-          </p:cNvPr>
+          <p:cNvPr id="6" name="Footer Placeholder 5"/>
           <p:cNvSpPr>
             <a:spLocks noGrp="1"/>
           </p:cNvSpPr>
@@ -13019,13 +15966,7 @@
       </p:sp>
       <p:sp>
         <p:nvSpPr>
-          <p:cNvPr id="7" name="Slide Number Placeholder 6">
-            <a:extLst>
-              <a:ext uri="{FF2B5EF4-FFF2-40B4-BE49-F238E27FC236}">
-                <a16:creationId xmlns:a16="http://schemas.microsoft.com/office/drawing/2014/main" id="{0E2B2DF8-C179-4E7B-AB51-5486E6CB3A3A}"/>
-              </a:ext>
-            </a:extLst>
-          </p:cNvPr>
+          <p:cNvPr id="7" name="Slide Number Placeholder 6"/>
           <p:cNvSpPr>
             <a:spLocks noGrp="1"/>
           </p:cNvSpPr>
@@ -13049,7 +15990,7 @@
     </p:spTree>
     <p:extLst>
       <p:ext uri="{BB962C8B-B14F-4D97-AF65-F5344CB8AC3E}">
-        <p14:creationId xmlns:p14="http://schemas.microsoft.com/office/powerpoint/2010/main" val="944415322"/>
+        <p14:creationId xmlns:p14="http://schemas.microsoft.com/office/powerpoint/2010/main" val="1087100879"/>
       </p:ext>
     </p:extLst>
   </p:cSld>
@@ -13063,7 +16004,7 @@
 <p:sldMaster xmlns:a="http://schemas.openxmlformats.org/drawingml/2006/main" xmlns:r="http://schemas.openxmlformats.org/officeDocument/2006/relationships" xmlns:p="http://schemas.openxmlformats.org/presentationml/2006/main">
   <p:cSld>
     <p:bg>
-      <p:bgRef idx="1001">
+      <p:bgRef idx="1002">
         <a:schemeClr val="bg1"/>
       </p:bgRef>
     </p:bg>
@@ -13081,15 +16022,51 @@
           <a:chExt cx="0" cy="0"/>
         </a:xfrm>
       </p:grpSpPr>
+      <p:pic>
+        <p:nvPicPr>
+          <p:cNvPr id="1026" name="Picture 2" descr="\\DROBO-FS\QuickDrops\JB\PPTX NG\Droplets\LightingOverlay.png"/>
+          <p:cNvPicPr>
+            <a:picLocks noChangeAspect="1" noChangeArrowheads="1"/>
+          </p:cNvPicPr>
+          <p:nvPr/>
+        </p:nvPicPr>
+        <p:blipFill>
+          <a:blip r:embed="rId20">
+            <a:alphaModFix/>
+            <a:extLst>
+              <a:ext uri="{28A0092B-C50C-407E-A947-70E740481C1C}">
+                <a14:useLocalDpi xmlns:a14="http://schemas.microsoft.com/office/drawing/2010/main" val="0"/>
+              </a:ext>
+            </a:extLst>
+          </a:blip>
+          <a:srcRect/>
+          <a:stretch>
+            <a:fillRect/>
+          </a:stretch>
+        </p:blipFill>
+        <p:spPr bwMode="auto">
+          <a:xfrm>
+            <a:off x="0" y="-1"/>
+            <a:ext cx="12192003" cy="6858001"/>
+          </a:xfrm>
+          <a:prstGeom prst="rect">
+            <a:avLst/>
+          </a:prstGeom>
+          <a:noFill/>
+          <a:extLst>
+            <a:ext uri="{909E8E84-426E-40DD-AFC4-6F175D3DCCD1}">
+              <a14:hiddenFill xmlns:a14="http://schemas.microsoft.com/office/drawing/2010/main">
+                <a:solidFill>
+                  <a:srgbClr val="FFFFFF"/>
+                </a:solidFill>
+              </a14:hiddenFill>
+            </a:ext>
+          </a:extLst>
+        </p:spPr>
+      </p:pic>
       <p:sp>
         <p:nvSpPr>
-          <p:cNvPr id="2" name="Title Placeholder 1">
-            <a:extLst>
-              <a:ext uri="{FF2B5EF4-FFF2-40B4-BE49-F238E27FC236}">
-                <a16:creationId xmlns:a16="http://schemas.microsoft.com/office/drawing/2014/main" id="{CB64A2BD-911D-4132-9893-69480E19CCF8}"/>
-              </a:ext>
-            </a:extLst>
-          </p:cNvPr>
+          <p:cNvPr id="2" name="Title Placeholder 1"/>
           <p:cNvSpPr>
             <a:spLocks noGrp="1"/>
           </p:cNvSpPr>
@@ -13099,8 +16076,8 @@
         </p:nvSpPr>
         <p:spPr>
           <a:xfrm>
-            <a:off x="838200" y="365125"/>
-            <a:ext cx="10515600" cy="1325563"/>
+            <a:off x="913775" y="618517"/>
+            <a:ext cx="10364451" cy="1596177"/>
           </a:xfrm>
           <a:prstGeom prst="rect">
             <a:avLst/>
@@ -13116,19 +16093,13 @@
               <a:rPr lang="en-US"/>
               <a:t>Click to edit Master title style</a:t>
             </a:r>
-            <a:endParaRPr lang="en-CA"/>
+            <a:endParaRPr lang="en-US" dirty="0"/>
           </a:p>
         </p:txBody>
       </p:sp>
       <p:sp>
         <p:nvSpPr>
-          <p:cNvPr id="3" name="Text Placeholder 2">
-            <a:extLst>
-              <a:ext uri="{FF2B5EF4-FFF2-40B4-BE49-F238E27FC236}">
-                <a16:creationId xmlns:a16="http://schemas.microsoft.com/office/drawing/2014/main" id="{A68E9B32-B1AB-4F1D-B2DF-1A7DF8DEF9A2}"/>
-              </a:ext>
-            </a:extLst>
-          </p:cNvPr>
+          <p:cNvPr id="3" name="Text Placeholder 2"/>
           <p:cNvSpPr>
             <a:spLocks noGrp="1"/>
           </p:cNvSpPr>
@@ -13138,8 +16109,8 @@
         </p:nvSpPr>
         <p:spPr>
           <a:xfrm>
-            <a:off x="838200" y="1825625"/>
-            <a:ext cx="10515600" cy="4351338"/>
+            <a:off x="913775" y="2367093"/>
+            <a:ext cx="10364452" cy="3424107"/>
           </a:xfrm>
           <a:prstGeom prst="rect">
             <a:avLst/>
@@ -13184,19 +16155,13 @@
               <a:rPr lang="en-US"/>
               <a:t>Fifth level</a:t>
             </a:r>
-            <a:endParaRPr lang="en-CA"/>
+            <a:endParaRPr lang="en-US" dirty="0"/>
           </a:p>
         </p:txBody>
       </p:sp>
       <p:sp>
         <p:nvSpPr>
-          <p:cNvPr id="4" name="Date Placeholder 3">
-            <a:extLst>
-              <a:ext uri="{FF2B5EF4-FFF2-40B4-BE49-F238E27FC236}">
-                <a16:creationId xmlns:a16="http://schemas.microsoft.com/office/drawing/2014/main" id="{E02085BD-8431-4CEB-A772-FBFC5179DC6E}"/>
-              </a:ext>
-            </a:extLst>
-          </p:cNvPr>
+          <p:cNvPr id="4" name="Date Placeholder 3"/>
           <p:cNvSpPr>
             <a:spLocks noGrp="1"/>
           </p:cNvSpPr>
@@ -13206,7 +16171,7 @@
         </p:nvSpPr>
         <p:spPr>
           <a:xfrm>
-            <a:off x="838200" y="6356350"/>
+            <a:off x="7678737" y="5883275"/>
             <a:ext cx="2743200" cy="365125"/>
           </a:xfrm>
           <a:prstGeom prst="rect">
@@ -13216,12 +16181,10 @@
         <p:txBody>
           <a:bodyPr vert="horz" lIns="91440" tIns="45720" rIns="91440" bIns="45720" rtlCol="0" anchor="ctr"/>
           <a:lstStyle>
-            <a:lvl1pPr algn="l">
-              <a:defRPr sz="1200">
+            <a:lvl1pPr algn="r">
+              <a:defRPr sz="1000">
                 <a:solidFill>
-                  <a:schemeClr val="tx1">
-                    <a:tint val="75000"/>
-                  </a:schemeClr>
+                  <a:schemeClr val="tx1"/>
                 </a:solidFill>
               </a:defRPr>
             </a:lvl1pPr>
@@ -13229,7 +16192,7 @@
           <a:p>
             <a:fld id="{A3023D7F-90D5-49D0-B78A-601D14CAF387}" type="datetimeFigureOut">
               <a:rPr lang="en-CA" smtClean="0"/>
-              <a:t>2019-07-16</a:t>
+              <a:t>2019-07-17</a:t>
             </a:fld>
             <a:endParaRPr lang="en-CA"/>
           </a:p>
@@ -13237,13 +16200,7 @@
       </p:sp>
       <p:sp>
         <p:nvSpPr>
-          <p:cNvPr id="5" name="Footer Placeholder 4">
-            <a:extLst>
-              <a:ext uri="{FF2B5EF4-FFF2-40B4-BE49-F238E27FC236}">
-                <a16:creationId xmlns:a16="http://schemas.microsoft.com/office/drawing/2014/main" id="{980EE00F-6298-4E01-979D-5BD98B60878F}"/>
-              </a:ext>
-            </a:extLst>
-          </p:cNvPr>
+          <p:cNvPr id="5" name="Footer Placeholder 4"/>
           <p:cNvSpPr>
             <a:spLocks noGrp="1"/>
           </p:cNvSpPr>
@@ -13253,8 +16210,8 @@
         </p:nvSpPr>
         <p:spPr>
           <a:xfrm>
-            <a:off x="4038600" y="6356350"/>
-            <a:ext cx="4114800" cy="365125"/>
+            <a:off x="913774" y="5883275"/>
+            <a:ext cx="6672887" cy="365125"/>
           </a:xfrm>
           <a:prstGeom prst="rect">
             <a:avLst/>
@@ -13263,12 +16220,10 @@
         <p:txBody>
           <a:bodyPr vert="horz" lIns="91440" tIns="45720" rIns="91440" bIns="45720" rtlCol="0" anchor="ctr"/>
           <a:lstStyle>
-            <a:lvl1pPr algn="ctr">
-              <a:defRPr sz="1200">
+            <a:lvl1pPr algn="l">
+              <a:defRPr sz="1000">
                 <a:solidFill>
-                  <a:schemeClr val="tx1">
-                    <a:tint val="75000"/>
-                  </a:schemeClr>
+                  <a:schemeClr val="tx1"/>
                 </a:solidFill>
               </a:defRPr>
             </a:lvl1pPr>
@@ -13280,13 +16235,7 @@
       </p:sp>
       <p:sp>
         <p:nvSpPr>
-          <p:cNvPr id="6" name="Slide Number Placeholder 5">
-            <a:extLst>
-              <a:ext uri="{FF2B5EF4-FFF2-40B4-BE49-F238E27FC236}">
-                <a16:creationId xmlns:a16="http://schemas.microsoft.com/office/drawing/2014/main" id="{747E79AE-D5AB-47DA-BA19-4855A8C020B1}"/>
-              </a:ext>
-            </a:extLst>
-          </p:cNvPr>
+          <p:cNvPr id="6" name="Slide Number Placeholder 5"/>
           <p:cNvSpPr>
             <a:spLocks noGrp="1"/>
           </p:cNvSpPr>
@@ -13296,8 +16245,8 @@
         </p:nvSpPr>
         <p:spPr>
           <a:xfrm>
-            <a:off x="8610600" y="6356350"/>
-            <a:ext cx="2743200" cy="365125"/>
+            <a:off x="10514011" y="5883275"/>
+            <a:ext cx="764215" cy="365125"/>
           </a:xfrm>
           <a:prstGeom prst="rect">
             <a:avLst/>
@@ -13307,11 +16256,9 @@
           <a:bodyPr vert="horz" lIns="91440" tIns="45720" rIns="91440" bIns="45720" rtlCol="0" anchor="ctr"/>
           <a:lstStyle>
             <a:lvl1pPr algn="r">
-              <a:defRPr sz="1200">
+              <a:defRPr sz="1000">
                 <a:solidFill>
-                  <a:schemeClr val="tx1">
-                    <a:tint val="75000"/>
-                  </a:schemeClr>
+                  <a:schemeClr val="tx1"/>
                 </a:solidFill>
               </a:defRPr>
             </a:lvl1pPr>
@@ -13328,27 +16275,34 @@
     </p:spTree>
     <p:extLst>
       <p:ext uri="{BB962C8B-B14F-4D97-AF65-F5344CB8AC3E}">
-        <p14:creationId xmlns:p14="http://schemas.microsoft.com/office/powerpoint/2010/main" val="256446192"/>
+        <p14:creationId xmlns:p14="http://schemas.microsoft.com/office/powerpoint/2010/main" val="78842084"/>
       </p:ext>
     </p:extLst>
   </p:cSld>
   <p:clrMap bg1="lt1" tx1="dk1" bg2="lt2" tx2="dk2" accent1="accent1" accent2="accent2" accent3="accent3" accent4="accent4" accent5="accent5" accent6="accent6" hlink="hlink" folHlink="folHlink"/>
   <p:sldLayoutIdLst>
-    <p:sldLayoutId id="2147483649" r:id="rId1"/>
-    <p:sldLayoutId id="2147483650" r:id="rId2"/>
-    <p:sldLayoutId id="2147483651" r:id="rId3"/>
-    <p:sldLayoutId id="2147483652" r:id="rId4"/>
-    <p:sldLayoutId id="2147483653" r:id="rId5"/>
-    <p:sldLayoutId id="2147483654" r:id="rId6"/>
-    <p:sldLayoutId id="2147483655" r:id="rId7"/>
-    <p:sldLayoutId id="2147483656" r:id="rId8"/>
-    <p:sldLayoutId id="2147483657" r:id="rId9"/>
-    <p:sldLayoutId id="2147483658" r:id="rId10"/>
-    <p:sldLayoutId id="2147483659" r:id="rId11"/>
+    <p:sldLayoutId id="2147483661" r:id="rId1"/>
+    <p:sldLayoutId id="2147483662" r:id="rId2"/>
+    <p:sldLayoutId id="2147483663" r:id="rId3"/>
+    <p:sldLayoutId id="2147483664" r:id="rId4"/>
+    <p:sldLayoutId id="2147483665" r:id="rId5"/>
+    <p:sldLayoutId id="2147483666" r:id="rId6"/>
+    <p:sldLayoutId id="2147483667" r:id="rId7"/>
+    <p:sldLayoutId id="2147483668" r:id="rId8"/>
+    <p:sldLayoutId id="2147483669" r:id="rId9"/>
+    <p:sldLayoutId id="2147483670" r:id="rId10"/>
+    <p:sldLayoutId id="2147483671" r:id="rId11"/>
+    <p:sldLayoutId id="2147483672" r:id="rId12"/>
+    <p:sldLayoutId id="2147483673" r:id="rId13"/>
+    <p:sldLayoutId id="2147483674" r:id="rId14"/>
+    <p:sldLayoutId id="2147483675" r:id="rId15"/>
+    <p:sldLayoutId id="2147483676" r:id="rId16"/>
+    <p:sldLayoutId id="2147483677" r:id="rId17"/>
+    <p:sldLayoutId id="2147483678" r:id="rId18"/>
   </p:sldLayoutIdLst>
   <p:txStyles>
     <p:titleStyle>
-      <a:lvl1pPr algn="l" defTabSz="914400" rtl="0" eaLnBrk="1" latinLnBrk="0" hangingPunct="1">
+      <a:lvl1pPr algn="ctr" defTabSz="914400" rtl="0" eaLnBrk="1" latinLnBrk="0" hangingPunct="1">
         <a:lnSpc>
           <a:spcPct val="90000"/>
         </a:lnSpc>
@@ -13356,10 +16310,11 @@
           <a:spcPct val="0"/>
         </a:spcBef>
         <a:buNone/>
-        <a:defRPr sz="4400" kern="1200">
+        <a:defRPr sz="3600" kern="1200" cap="all" baseline="0">
           <a:solidFill>
             <a:schemeClr val="tx1"/>
           </a:solidFill>
+          <a:effectLst/>
           <a:latin typeface="+mj-lt"/>
           <a:ea typeface="+mj-ea"/>
           <a:cs typeface="+mj-cs"/>
@@ -13369,17 +16324,21 @@
     <p:bodyStyle>
       <a:lvl1pPr marL="228600" indent="-228600" algn="l" defTabSz="914400" rtl="0" eaLnBrk="1" latinLnBrk="0" hangingPunct="1">
         <a:lnSpc>
-          <a:spcPct val="90000"/>
+          <a:spcPct val="120000"/>
         </a:lnSpc>
         <a:spcBef>
           <a:spcPts val="1000"/>
         </a:spcBef>
+        <a:buClr>
+          <a:schemeClr val="tx1"/>
+        </a:buClr>
         <a:buFont typeface="Arial" panose="020B0604020202020204" pitchFamily="34" charset="0"/>
         <a:buChar char="•"/>
-        <a:defRPr sz="2800" kern="1200">
+        <a:defRPr sz="2000" kern="1200" cap="all" baseline="0">
           <a:solidFill>
             <a:schemeClr val="tx1"/>
           </a:solidFill>
+          <a:effectLst/>
           <a:latin typeface="+mn-lt"/>
           <a:ea typeface="+mn-ea"/>
           <a:cs typeface="+mn-cs"/>
@@ -13387,17 +16346,21 @@
       </a:lvl1pPr>
       <a:lvl2pPr marL="685800" indent="-228600" algn="l" defTabSz="914400" rtl="0" eaLnBrk="1" latinLnBrk="0" hangingPunct="1">
         <a:lnSpc>
-          <a:spcPct val="90000"/>
+          <a:spcPct val="120000"/>
         </a:lnSpc>
         <a:spcBef>
           <a:spcPts val="500"/>
         </a:spcBef>
+        <a:buClr>
+          <a:schemeClr val="tx1"/>
+        </a:buClr>
         <a:buFont typeface="Arial" panose="020B0604020202020204" pitchFamily="34" charset="0"/>
         <a:buChar char="•"/>
-        <a:defRPr sz="2400" kern="1200">
+        <a:defRPr sz="1800" kern="1200" cap="all" baseline="0">
           <a:solidFill>
             <a:schemeClr val="tx1"/>
           </a:solidFill>
+          <a:effectLst/>
           <a:latin typeface="+mn-lt"/>
           <a:ea typeface="+mn-ea"/>
           <a:cs typeface="+mn-cs"/>
@@ -13405,17 +16368,21 @@
       </a:lvl2pPr>
       <a:lvl3pPr marL="1143000" indent="-228600" algn="l" defTabSz="914400" rtl="0" eaLnBrk="1" latinLnBrk="0" hangingPunct="1">
         <a:lnSpc>
-          <a:spcPct val="90000"/>
+          <a:spcPct val="120000"/>
         </a:lnSpc>
         <a:spcBef>
           <a:spcPts val="500"/>
         </a:spcBef>
+        <a:buClr>
+          <a:schemeClr val="tx1"/>
+        </a:buClr>
         <a:buFont typeface="Arial" panose="020B0604020202020204" pitchFamily="34" charset="0"/>
         <a:buChar char="•"/>
-        <a:defRPr sz="2000" kern="1200">
+        <a:defRPr sz="1600" kern="1200" cap="all" baseline="0">
           <a:solidFill>
             <a:schemeClr val="tx1"/>
           </a:solidFill>
+          <a:effectLst/>
           <a:latin typeface="+mn-lt"/>
           <a:ea typeface="+mn-ea"/>
           <a:cs typeface="+mn-cs"/>
@@ -13423,17 +16390,21 @@
       </a:lvl3pPr>
       <a:lvl4pPr marL="1600200" indent="-228600" algn="l" defTabSz="914400" rtl="0" eaLnBrk="1" latinLnBrk="0" hangingPunct="1">
         <a:lnSpc>
-          <a:spcPct val="90000"/>
+          <a:spcPct val="120000"/>
         </a:lnSpc>
         <a:spcBef>
           <a:spcPts val="500"/>
         </a:spcBef>
+        <a:buClr>
+          <a:schemeClr val="tx1"/>
+        </a:buClr>
         <a:buFont typeface="Arial" panose="020B0604020202020204" pitchFamily="34" charset="0"/>
         <a:buChar char="•"/>
-        <a:defRPr sz="1800" kern="1200">
+        <a:defRPr sz="1400" kern="1200" cap="all" baseline="0">
           <a:solidFill>
             <a:schemeClr val="tx1"/>
           </a:solidFill>
+          <a:effectLst/>
           <a:latin typeface="+mn-lt"/>
           <a:ea typeface="+mn-ea"/>
           <a:cs typeface="+mn-cs"/>
@@ -13441,17 +16412,21 @@
       </a:lvl4pPr>
       <a:lvl5pPr marL="2057400" indent="-228600" algn="l" defTabSz="914400" rtl="0" eaLnBrk="1" latinLnBrk="0" hangingPunct="1">
         <a:lnSpc>
-          <a:spcPct val="90000"/>
+          <a:spcPct val="120000"/>
         </a:lnSpc>
         <a:spcBef>
           <a:spcPts val="500"/>
         </a:spcBef>
+        <a:buClr>
+          <a:schemeClr val="tx1"/>
+        </a:buClr>
         <a:buFont typeface="Arial" panose="020B0604020202020204" pitchFamily="34" charset="0"/>
         <a:buChar char="•"/>
-        <a:defRPr sz="1800" kern="1200">
+        <a:defRPr sz="1400" kern="1200" cap="all" baseline="0">
           <a:solidFill>
             <a:schemeClr val="tx1"/>
           </a:solidFill>
+          <a:effectLst/>
           <a:latin typeface="+mn-lt"/>
           <a:ea typeface="+mn-ea"/>
           <a:cs typeface="+mn-cs"/>
@@ -13459,17 +16434,21 @@
       </a:lvl5pPr>
       <a:lvl6pPr marL="2514600" indent="-228600" algn="l" defTabSz="914400" rtl="0" eaLnBrk="1" latinLnBrk="0" hangingPunct="1">
         <a:lnSpc>
-          <a:spcPct val="90000"/>
+          <a:spcPct val="120000"/>
         </a:lnSpc>
         <a:spcBef>
           <a:spcPts val="500"/>
         </a:spcBef>
+        <a:buClr>
+          <a:schemeClr val="tx1"/>
+        </a:buClr>
         <a:buFont typeface="Arial" panose="020B0604020202020204" pitchFamily="34" charset="0"/>
         <a:buChar char="•"/>
-        <a:defRPr sz="1800" kern="1200">
+        <a:defRPr sz="1400" kern="1200" cap="all" baseline="0">
           <a:solidFill>
             <a:schemeClr val="tx1"/>
           </a:solidFill>
+          <a:effectLst/>
           <a:latin typeface="+mn-lt"/>
           <a:ea typeface="+mn-ea"/>
           <a:cs typeface="+mn-cs"/>
@@ -13477,17 +16456,21 @@
       </a:lvl6pPr>
       <a:lvl7pPr marL="2971800" indent="-228600" algn="l" defTabSz="914400" rtl="0" eaLnBrk="1" latinLnBrk="0" hangingPunct="1">
         <a:lnSpc>
-          <a:spcPct val="90000"/>
+          <a:spcPct val="120000"/>
         </a:lnSpc>
         <a:spcBef>
           <a:spcPts val="500"/>
         </a:spcBef>
+        <a:buClr>
+          <a:schemeClr val="tx1"/>
+        </a:buClr>
         <a:buFont typeface="Arial" panose="020B0604020202020204" pitchFamily="34" charset="0"/>
         <a:buChar char="•"/>
-        <a:defRPr sz="1800" kern="1200">
+        <a:defRPr sz="1400" kern="1200" cap="all" baseline="0">
           <a:solidFill>
             <a:schemeClr val="tx1"/>
           </a:solidFill>
+          <a:effectLst/>
           <a:latin typeface="+mn-lt"/>
           <a:ea typeface="+mn-ea"/>
           <a:cs typeface="+mn-cs"/>
@@ -13495,17 +16478,21 @@
       </a:lvl7pPr>
       <a:lvl8pPr marL="3429000" indent="-228600" algn="l" defTabSz="914400" rtl="0" eaLnBrk="1" latinLnBrk="0" hangingPunct="1">
         <a:lnSpc>
-          <a:spcPct val="90000"/>
+          <a:spcPct val="120000"/>
         </a:lnSpc>
         <a:spcBef>
           <a:spcPts val="500"/>
         </a:spcBef>
+        <a:buClr>
+          <a:schemeClr val="tx1"/>
+        </a:buClr>
         <a:buFont typeface="Arial" panose="020B0604020202020204" pitchFamily="34" charset="0"/>
         <a:buChar char="•"/>
-        <a:defRPr sz="1800" kern="1200">
+        <a:defRPr sz="1400" kern="1200" cap="all" baseline="0">
           <a:solidFill>
             <a:schemeClr val="tx1"/>
           </a:solidFill>
+          <a:effectLst/>
           <a:latin typeface="+mn-lt"/>
           <a:ea typeface="+mn-ea"/>
           <a:cs typeface="+mn-cs"/>
@@ -13513,17 +16500,21 @@
       </a:lvl8pPr>
       <a:lvl9pPr marL="3886200" indent="-228600" algn="l" defTabSz="914400" rtl="0" eaLnBrk="1" latinLnBrk="0" hangingPunct="1">
         <a:lnSpc>
-          <a:spcPct val="90000"/>
+          <a:spcPct val="120000"/>
         </a:lnSpc>
         <a:spcBef>
           <a:spcPts val="500"/>
         </a:spcBef>
+        <a:buClr>
+          <a:schemeClr val="tx1"/>
+        </a:buClr>
         <a:buFont typeface="Arial" panose="020B0604020202020204" pitchFamily="34" charset="0"/>
         <a:buChar char="•"/>
-        <a:defRPr sz="1800" kern="1200">
+        <a:defRPr sz="1400" kern="1200" cap="all" baseline="0">
           <a:solidFill>
             <a:schemeClr val="tx1"/>
           </a:solidFill>
+          <a:effectLst/>
           <a:latin typeface="+mn-lt"/>
           <a:ea typeface="+mn-ea"/>
           <a:cs typeface="+mn-cs"/>
@@ -13646,38 +16637,96 @@
           <a:chExt cx="0" cy="0"/>
         </a:xfrm>
       </p:grpSpPr>
-      <p:pic>
-        <p:nvPicPr>
-          <p:cNvPr id="4" name="Content Placeholder 3">
+      <p:sp>
+        <p:nvSpPr>
+          <p:cNvPr id="2" name="Title 1">
             <a:extLst>
               <a:ext uri="{FF2B5EF4-FFF2-40B4-BE49-F238E27FC236}">
-                <a16:creationId xmlns:a16="http://schemas.microsoft.com/office/drawing/2014/main" id="{067FC59E-4DDA-4CA8-9BD7-22541CB0700B}"/>
+                <a16:creationId xmlns:a16="http://schemas.microsoft.com/office/drawing/2014/main" id="{F4CE7EF7-7508-4441-8B1A-5BC4992EC758}"/>
               </a:ext>
             </a:extLst>
           </p:cNvPr>
-          <p:cNvPicPr>
-            <a:picLocks noGrp="1" noChangeAspect="1"/>
-          </p:cNvPicPr>
+          <p:cNvSpPr>
+            <a:spLocks noGrp="1"/>
+          </p:cNvSpPr>
           <p:nvPr>
-            <p:ph idx="1"/>
+            <p:ph type="ctrTitle"/>
           </p:nvPr>
-        </p:nvPicPr>
-        <p:blipFill>
-          <a:blip r:embed="rId2"/>
-          <a:stretch>
-            <a:fillRect/>
-          </a:stretch>
-        </p:blipFill>
-        <p:spPr>
-          <a:xfrm>
-            <a:off x="2136345" y="748969"/>
-            <a:ext cx="7919309" cy="5886494"/>
-          </a:xfrm>
-          <a:prstGeom prst="rect">
-            <a:avLst/>
-          </a:prstGeom>
-        </p:spPr>
-      </p:pic>
+        </p:nvSpPr>
+        <p:spPr/>
+        <p:txBody>
+          <a:bodyPr/>
+          <a:lstStyle/>
+          <a:p>
+            <a:r>
+              <a:rPr lang="en-CA" dirty="0">
+                <a:solidFill>
+                  <a:srgbClr val="FF0000"/>
+                </a:solidFill>
+              </a:rPr>
+              <a:t>Vehicle Registration System</a:t>
+            </a:r>
+          </a:p>
+        </p:txBody>
+      </p:sp>
+      <p:sp>
+        <p:nvSpPr>
+          <p:cNvPr id="3" name="Subtitle 2">
+            <a:extLst>
+              <a:ext uri="{FF2B5EF4-FFF2-40B4-BE49-F238E27FC236}">
+                <a16:creationId xmlns:a16="http://schemas.microsoft.com/office/drawing/2014/main" id="{FAFE75E2-4DB4-43CA-9619-A1C296DB1BE3}"/>
+              </a:ext>
+            </a:extLst>
+          </p:cNvPr>
+          <p:cNvSpPr>
+            <a:spLocks noGrp="1"/>
+          </p:cNvSpPr>
+          <p:nvPr>
+            <p:ph type="subTitle" idx="1"/>
+          </p:nvPr>
+        </p:nvSpPr>
+        <p:spPr/>
+        <p:txBody>
+          <a:bodyPr/>
+          <a:lstStyle/>
+          <a:p>
+            <a:r>
+              <a:rPr lang="en-CA" dirty="0"/>
+              <a:t>Peru (2011-2015)</a:t>
+            </a:r>
+          </a:p>
+        </p:txBody>
+      </p:sp>
+    </p:spTree>
+    <p:extLst>
+      <p:ext uri="{BB962C8B-B14F-4D97-AF65-F5344CB8AC3E}">
+        <p14:creationId xmlns:p14="http://schemas.microsoft.com/office/powerpoint/2010/main" val="1934209556"/>
+      </p:ext>
+    </p:extLst>
+  </p:cSld>
+  <p:clrMapOvr>
+    <a:masterClrMapping/>
+  </p:clrMapOvr>
+</p:sld>
+</file>
+
+<file path=ppt/slides/slide2.xml><?xml version="1.0" encoding="utf-8"?>
+<p:sld xmlns:a="http://schemas.openxmlformats.org/drawingml/2006/main" xmlns:r="http://schemas.openxmlformats.org/officeDocument/2006/relationships" xmlns:p="http://schemas.openxmlformats.org/presentationml/2006/main">
+  <p:cSld>
+    <p:spTree>
+      <p:nvGrpSpPr>
+        <p:cNvPr id="1" name=""/>
+        <p:cNvGrpSpPr/>
+        <p:nvPr/>
+      </p:nvGrpSpPr>
+      <p:grpSpPr>
+        <a:xfrm>
+          <a:off x="0" y="0"/>
+          <a:ext cx="0" cy="0"/>
+          <a:chOff x="0" y="0"/>
+          <a:chExt cx="0" cy="0"/>
+        </a:xfrm>
+      </p:grpSpPr>
       <p:sp>
         <p:nvSpPr>
           <p:cNvPr id="5" name="1 Título">
@@ -13702,7 +16751,7 @@
         </p:spPr>
         <p:txBody>
           <a:bodyPr>
-            <a:normAutofit/>
+            <a:normAutofit fontScale="90000"/>
           </a:bodyPr>
           <a:lstStyle/>
           <a:p>
@@ -13757,6 +16806,38 @@
           </a:p>
         </p:txBody>
       </p:sp>
+      <p:pic>
+        <p:nvPicPr>
+          <p:cNvPr id="4" name="Content Placeholder 3">
+            <a:extLst>
+              <a:ext uri="{FF2B5EF4-FFF2-40B4-BE49-F238E27FC236}">
+                <a16:creationId xmlns:a16="http://schemas.microsoft.com/office/drawing/2014/main" id="{067FC59E-4DDA-4CA8-9BD7-22541CB0700B}"/>
+              </a:ext>
+            </a:extLst>
+          </p:cNvPr>
+          <p:cNvPicPr>
+            <a:picLocks noGrp="1" noChangeAspect="1"/>
+          </p:cNvPicPr>
+          <p:nvPr>
+            <p:ph idx="1"/>
+          </p:nvPr>
+        </p:nvPicPr>
+        <p:blipFill>
+          <a:blip r:embed="rId2"/>
+          <a:stretch>
+            <a:fillRect/>
+          </a:stretch>
+        </p:blipFill>
+        <p:spPr>
+          <a:xfrm>
+            <a:off x="2136345" y="748969"/>
+            <a:ext cx="7919309" cy="5886494"/>
+          </a:xfrm>
+          <a:prstGeom prst="rect">
+            <a:avLst/>
+          </a:prstGeom>
+        </p:spPr>
+      </p:pic>
     </p:spTree>
     <p:extLst>
       <p:ext uri="{BB962C8B-B14F-4D97-AF65-F5344CB8AC3E}">
@@ -13770,7 +16851,7 @@
 </p:sld>
 </file>
 
-<file path=ppt/slides/slide2.xml><?xml version="1.0" encoding="utf-8"?>
+<file path=ppt/slides/slide3.xml><?xml version="1.0" encoding="utf-8"?>
 <p:sld xmlns:a="http://schemas.openxmlformats.org/drawingml/2006/main" xmlns:r="http://schemas.openxmlformats.org/officeDocument/2006/relationships" xmlns:p="http://schemas.openxmlformats.org/presentationml/2006/main">
   <p:cSld>
     <p:spTree>
@@ -13891,7 +16972,7 @@
 </p:sld>
 </file>
 
-<file path=ppt/slides/slide3.xml><?xml version="1.0" encoding="utf-8"?>
+<file path=ppt/slides/slide4.xml><?xml version="1.0" encoding="utf-8"?>
 <p:sld xmlns:a="http://schemas.openxmlformats.org/drawingml/2006/main" xmlns:r="http://schemas.openxmlformats.org/officeDocument/2006/relationships" xmlns:p="http://schemas.openxmlformats.org/presentationml/2006/main">
   <p:cSld>
     <p:spTree>
@@ -14043,7 +17124,7 @@
 </p:sld>
 </file>
 
-<file path=ppt/slides/slide4.xml><?xml version="1.0" encoding="utf-8"?>
+<file path=ppt/slides/slide5.xml><?xml version="1.0" encoding="utf-8"?>
 <p:sld xmlns:a="http://schemas.openxmlformats.org/drawingml/2006/main" xmlns:r="http://schemas.openxmlformats.org/officeDocument/2006/relationships" xmlns:p="http://schemas.openxmlformats.org/presentationml/2006/main">
   <p:cSld>
     <p:spTree>
@@ -14218,7 +17299,7 @@
 </p:sld>
 </file>
 
-<file path=ppt/slides/slide5.xml><?xml version="1.0" encoding="utf-8"?>
+<file path=ppt/slides/slide6.xml><?xml version="1.0" encoding="utf-8"?>
 <p:sld xmlns:a="http://schemas.openxmlformats.org/drawingml/2006/main" xmlns:r="http://schemas.openxmlformats.org/officeDocument/2006/relationships" xmlns:p="http://schemas.openxmlformats.org/presentationml/2006/main">
   <p:cSld>
     <p:spTree>
@@ -14393,7 +17474,7 @@
 </p:sld>
 </file>
 
-<file path=ppt/slides/slide6.xml><?xml version="1.0" encoding="utf-8"?>
+<file path=ppt/slides/slide7.xml><?xml version="1.0" encoding="utf-8"?>
 <p:sld xmlns:a="http://schemas.openxmlformats.org/drawingml/2006/main" xmlns:r="http://schemas.openxmlformats.org/officeDocument/2006/relationships" xmlns:p="http://schemas.openxmlformats.org/presentationml/2006/main">
   <p:cSld>
     <p:spTree>
@@ -14467,6 +17548,31 @@
           </a:p>
         </p:txBody>
       </p:sp>
+      <p:graphicFrame>
+        <p:nvGraphicFramePr>
+          <p:cNvPr id="6" name="5 Marcador de contenido"/>
+          <p:cNvGraphicFramePr>
+            <a:graphicFrameLocks noGrp="1"/>
+          </p:cNvGraphicFramePr>
+          <p:nvPr>
+            <p:ph idx="1"/>
+            <p:extLst>
+              <p:ext uri="{D42A27DB-BD31-4B8C-83A1-F6EECF244321}">
+                <p14:modId xmlns:p14="http://schemas.microsoft.com/office/powerpoint/2010/main" val="2646889078"/>
+              </p:ext>
+            </p:extLst>
+          </p:nvPr>
+        </p:nvGraphicFramePr>
+        <p:xfrm>
+          <a:off x="1969404" y="1848542"/>
+          <a:ext cx="5638800" cy="4495800"/>
+        </p:xfrm>
+        <a:graphic>
+          <a:graphicData uri="http://schemas.openxmlformats.org/drawingml/2006/diagram">
+            <dgm:relIds xmlns:dgm="http://schemas.openxmlformats.org/drawingml/2006/diagram" xmlns:r="http://schemas.openxmlformats.org/officeDocument/2006/relationships" r:dm="rId2" r:lo="rId3" r:qs="rId4" r:cs="rId5"/>
+          </a:graphicData>
+        </a:graphic>
+      </p:graphicFrame>
       <p:sp>
         <p:nvSpPr>
           <p:cNvPr id="4" name="3 Marcador de número de diapositiva"/>
@@ -14490,37 +17596,12 @@
               <a:pPr>
                 <a:defRPr/>
               </a:pPr>
-              <a:t>6</a:t>
+              <a:t>7</a:t>
             </a:fld>
             <a:endParaRPr lang="es-ES" dirty="0"/>
           </a:p>
         </p:txBody>
       </p:sp>
-      <p:graphicFrame>
-        <p:nvGraphicFramePr>
-          <p:cNvPr id="6" name="5 Marcador de contenido"/>
-          <p:cNvGraphicFramePr>
-            <a:graphicFrameLocks noGrp="1"/>
-          </p:cNvGraphicFramePr>
-          <p:nvPr>
-            <p:ph sz="quarter" idx="1"/>
-            <p:extLst>
-              <p:ext uri="{D42A27DB-BD31-4B8C-83A1-F6EECF244321}">
-                <p14:modId xmlns:p14="http://schemas.microsoft.com/office/powerpoint/2010/main" val="2646889078"/>
-              </p:ext>
-            </p:extLst>
-          </p:nvPr>
-        </p:nvGraphicFramePr>
-        <p:xfrm>
-          <a:off x="1969404" y="1848542"/>
-          <a:ext cx="5638800" cy="4495800"/>
-        </p:xfrm>
-        <a:graphic>
-          <a:graphicData uri="http://schemas.openxmlformats.org/drawingml/2006/diagram">
-            <dgm:relIds xmlns:dgm="http://schemas.openxmlformats.org/drawingml/2006/diagram" xmlns:r="http://schemas.openxmlformats.org/officeDocument/2006/relationships" r:dm="rId2" r:lo="rId3" r:qs="rId4" r:cs="rId5"/>
-          </a:graphicData>
-        </a:graphic>
-      </p:graphicFrame>
       <p:pic>
         <p:nvPicPr>
           <p:cNvPr id="1027" name="Picture 3"/>
@@ -15014,9 +18095,9 @@
 </file>
 
 <file path=ppt/theme/theme1.xml><?xml version="1.0" encoding="utf-8"?>
-<a:theme xmlns:a="http://schemas.openxmlformats.org/drawingml/2006/main" name="Office Theme">
+<a:theme xmlns:a="http://schemas.openxmlformats.org/drawingml/2006/main" name="Droplet">
   <a:themeElements>
-    <a:clrScheme name="Office">
+    <a:clrScheme name="Droplet">
       <a:dk1>
         <a:sysClr val="windowText" lastClr="000000"/>
       </a:dk1>
@@ -15024,44 +18105,44 @@
         <a:sysClr val="window" lastClr="FFFFFF"/>
       </a:lt1>
       <a:dk2>
-        <a:srgbClr val="44546A"/>
+        <a:srgbClr val="355071"/>
       </a:dk2>
       <a:lt2>
-        <a:srgbClr val="E7E6E6"/>
+        <a:srgbClr val="AABED7"/>
       </a:lt2>
       <a:accent1>
-        <a:srgbClr val="4472C4"/>
+        <a:srgbClr val="2FA3EE"/>
       </a:accent1>
       <a:accent2>
-        <a:srgbClr val="ED7D31"/>
+        <a:srgbClr val="4BCAAD"/>
       </a:accent2>
       <a:accent3>
-        <a:srgbClr val="A5A5A5"/>
+        <a:srgbClr val="86C157"/>
       </a:accent3>
       <a:accent4>
-        <a:srgbClr val="FFC000"/>
+        <a:srgbClr val="D99C3F"/>
       </a:accent4>
       <a:accent5>
-        <a:srgbClr val="5B9BD5"/>
+        <a:srgbClr val="CE6633"/>
       </a:accent5>
       <a:accent6>
-        <a:srgbClr val="70AD47"/>
+        <a:srgbClr val="A35DD1"/>
       </a:accent6>
       <a:hlink>
-        <a:srgbClr val="0563C1"/>
+        <a:srgbClr val="56BCFE"/>
       </a:hlink>
       <a:folHlink>
-        <a:srgbClr val="954F72"/>
+        <a:srgbClr val="97C5E3"/>
       </a:folHlink>
     </a:clrScheme>
-    <a:fontScheme name="Office">
+    <a:fontScheme name="Droplet">
       <a:majorFont>
-        <a:latin typeface="Calibri Light" panose="020F0302020204030204"/>
+        <a:latin typeface="Tw Cen MT" panose="020B0602020104020603"/>
         <a:ea typeface=""/>
         <a:cs typeface=""/>
-        <a:font script="Jpan" typeface="游ゴシック Light"/>
+        <a:font script="Jpan" typeface="ＭＳ Ｐゴシック"/>
         <a:font script="Hang" typeface="맑은 고딕"/>
-        <a:font script="Hans" typeface="等线 Light"/>
+        <a:font script="Hans" typeface="宋体"/>
         <a:font script="Hant" typeface="新細明體"/>
         <a:font script="Arab" typeface="Times New Roman"/>
         <a:font script="Hebr" typeface="Times New Roman"/>
@@ -15089,31 +18170,14 @@
         <a:font script="Viet" typeface="Times New Roman"/>
         <a:font script="Uigh" typeface="Microsoft Uighur"/>
         <a:font script="Geor" typeface="Sylfaen"/>
-        <a:font script="Armn" typeface="Arial"/>
-        <a:font script="Bugi" typeface="Leelawadee UI"/>
-        <a:font script="Bopo" typeface="Microsoft JhengHei"/>
-        <a:font script="Java" typeface="Javanese Text"/>
-        <a:font script="Lisu" typeface="Segoe UI"/>
-        <a:font script="Mymr" typeface="Myanmar Text"/>
-        <a:font script="Nkoo" typeface="Ebrima"/>
-        <a:font script="Olck" typeface="Nirmala UI"/>
-        <a:font script="Osma" typeface="Ebrima"/>
-        <a:font script="Phag" typeface="Phagspa"/>
-        <a:font script="Syrn" typeface="Estrangelo Edessa"/>
-        <a:font script="Syrj" typeface="Estrangelo Edessa"/>
-        <a:font script="Syre" typeface="Estrangelo Edessa"/>
-        <a:font script="Sora" typeface="Nirmala UI"/>
-        <a:font script="Tale" typeface="Microsoft Tai Le"/>
-        <a:font script="Talu" typeface="Microsoft New Tai Lue"/>
-        <a:font script="Tfng" typeface="Ebrima"/>
       </a:majorFont>
       <a:minorFont>
-        <a:latin typeface="Calibri" panose="020F0502020204030204"/>
+        <a:latin typeface="Tw Cen MT" panose="020B0602020104020603"/>
         <a:ea typeface=""/>
         <a:cs typeface=""/>
-        <a:font script="Jpan" typeface="游ゴシック"/>
+        <a:font script="Jpan" typeface="ＭＳ Ｐゴシック"/>
         <a:font script="Hang" typeface="맑은 고딕"/>
-        <a:font script="Hans" typeface="等线"/>
+        <a:font script="Hans" typeface="宋体"/>
         <a:font script="Hant" typeface="新細明體"/>
         <a:font script="Arab" typeface="Arial"/>
         <a:font script="Hebr" typeface="Arial"/>
@@ -15141,27 +18205,105 @@
         <a:font script="Viet" typeface="Arial"/>
         <a:font script="Uigh" typeface="Microsoft Uighur"/>
         <a:font script="Geor" typeface="Sylfaen"/>
-        <a:font script="Armn" typeface="Arial"/>
-        <a:font script="Bugi" typeface="Leelawadee UI"/>
-        <a:font script="Bopo" typeface="Microsoft JhengHei"/>
-        <a:font script="Java" typeface="Javanese Text"/>
-        <a:font script="Lisu" typeface="Segoe UI"/>
-        <a:font script="Mymr" typeface="Myanmar Text"/>
-        <a:font script="Nkoo" typeface="Ebrima"/>
-        <a:font script="Olck" typeface="Nirmala UI"/>
-        <a:font script="Osma" typeface="Ebrima"/>
-        <a:font script="Phag" typeface="Phagspa"/>
-        <a:font script="Syrn" typeface="Estrangelo Edessa"/>
-        <a:font script="Syrj" typeface="Estrangelo Edessa"/>
-        <a:font script="Syre" typeface="Estrangelo Edessa"/>
-        <a:font script="Sora" typeface="Nirmala UI"/>
-        <a:font script="Tale" typeface="Microsoft Tai Le"/>
-        <a:font script="Talu" typeface="Microsoft New Tai Lue"/>
-        <a:font script="Tfng" typeface="Ebrima"/>
       </a:minorFont>
     </a:fontScheme>
-    <a:fmtScheme name="Office">
+    <a:fmtScheme name="Droplet">
       <a:fillStyleLst>
+        <a:solidFill>
+          <a:schemeClr val="phClr"/>
+        </a:solidFill>
+        <a:solidFill>
+          <a:schemeClr val="phClr">
+            <a:tint val="69000"/>
+            <a:satMod val="105000"/>
+            <a:lumMod val="110000"/>
+          </a:schemeClr>
+        </a:solidFill>
+        <a:gradFill rotWithShape="1">
+          <a:gsLst>
+            <a:gs pos="0">
+              <a:schemeClr val="phClr">
+                <a:tint val="94000"/>
+                <a:satMod val="100000"/>
+                <a:lumMod val="108000"/>
+              </a:schemeClr>
+            </a:gs>
+            <a:gs pos="50000">
+              <a:schemeClr val="phClr">
+                <a:tint val="98000"/>
+                <a:shade val="100000"/>
+                <a:satMod val="100000"/>
+                <a:lumMod val="100000"/>
+              </a:schemeClr>
+            </a:gs>
+            <a:gs pos="100000">
+              <a:schemeClr val="phClr">
+                <a:shade val="72000"/>
+                <a:satMod val="120000"/>
+                <a:lumMod val="100000"/>
+              </a:schemeClr>
+            </a:gs>
+          </a:gsLst>
+          <a:lin ang="5400000" scaled="0"/>
+        </a:gradFill>
+      </a:fillStyleLst>
+      <a:lnStyleLst>
+        <a:ln w="9525" cap="flat" cmpd="sng" algn="ctr">
+          <a:solidFill>
+            <a:schemeClr val="phClr">
+              <a:shade val="60000"/>
+            </a:schemeClr>
+          </a:solidFill>
+          <a:prstDash val="solid"/>
+        </a:ln>
+        <a:ln w="15875" cap="flat" cmpd="sng" algn="ctr">
+          <a:solidFill>
+            <a:schemeClr val="phClr"/>
+          </a:solidFill>
+          <a:prstDash val="solid"/>
+        </a:ln>
+        <a:ln w="22225" cap="flat" cmpd="sng" algn="ctr">
+          <a:solidFill>
+            <a:schemeClr val="phClr"/>
+          </a:solidFill>
+          <a:prstDash val="solid"/>
+        </a:ln>
+      </a:lnStyleLst>
+      <a:effectStyleLst>
+        <a:effectStyle>
+          <a:effectLst/>
+        </a:effectStyle>
+        <a:effectStyle>
+          <a:effectLst>
+            <a:outerShdw blurRad="50800" dist="25400" dir="5400000" rotWithShape="0">
+              <a:srgbClr val="000000">
+                <a:alpha val="28000"/>
+              </a:srgbClr>
+            </a:outerShdw>
+          </a:effectLst>
+        </a:effectStyle>
+        <a:effectStyle>
+          <a:effectLst>
+            <a:outerShdw blurRad="63500" dist="25400" dir="5400000" algn="ctr" rotWithShape="0">
+              <a:srgbClr val="000000">
+                <a:alpha val="69000"/>
+              </a:srgbClr>
+            </a:outerShdw>
+          </a:effectLst>
+          <a:scene3d>
+            <a:camera prst="orthographicFront">
+              <a:rot lat="0" lon="0" rev="0"/>
+            </a:camera>
+            <a:lightRig rig="balanced" dir="t">
+              <a:rot lat="0" lon="0" rev="1200000"/>
+            </a:lightRig>
+          </a:scene3d>
+          <a:sp3d prstMaterial="plastic">
+            <a:bevelT w="25400" h="25400"/>
+          </a:sp3d>
+        </a:effectStyle>
+      </a:effectStyleLst>
+      <a:bgFillStyleLst>
         <a:solidFill>
           <a:schemeClr val="phClr"/>
         </a:solidFill>
@@ -15169,23 +18311,14 @@
           <a:gsLst>
             <a:gs pos="0">
               <a:schemeClr val="phClr">
+                <a:tint val="90000"/>
                 <a:lumMod val="110000"/>
-                <a:satMod val="105000"/>
-                <a:tint val="67000"/>
-              </a:schemeClr>
-            </a:gs>
-            <a:gs pos="50000">
-              <a:schemeClr val="phClr">
-                <a:lumMod val="105000"/>
-                <a:satMod val="103000"/>
-                <a:tint val="73000"/>
               </a:schemeClr>
             </a:gs>
             <a:gs pos="100000">
               <a:schemeClr val="phClr">
-                <a:lumMod val="105000"/>
-                <a:satMod val="109000"/>
-                <a:tint val="81000"/>
+                <a:shade val="64000"/>
+                <a:lumMod val="88000"/>
               </a:schemeClr>
             </a:gs>
           </a:gsLst>
@@ -15195,101 +18328,18 @@
           <a:gsLst>
             <a:gs pos="0">
               <a:schemeClr val="phClr">
-                <a:satMod val="103000"/>
-                <a:lumMod val="102000"/>
-                <a:tint val="94000"/>
-              </a:schemeClr>
-            </a:gs>
-            <a:gs pos="50000">
-              <a:schemeClr val="phClr">
-                <a:satMod val="110000"/>
-                <a:lumMod val="100000"/>
+                <a:tint val="84000"/>
                 <a:shade val="100000"/>
+                <a:hueMod val="130000"/>
+                <a:satMod val="150000"/>
+                <a:lumMod val="112000"/>
               </a:schemeClr>
             </a:gs>
             <a:gs pos="100000">
               <a:schemeClr val="phClr">
-                <a:lumMod val="99000"/>
-                <a:satMod val="120000"/>
-                <a:shade val="78000"/>
-              </a:schemeClr>
-            </a:gs>
-          </a:gsLst>
-          <a:lin ang="5400000" scaled="0"/>
-        </a:gradFill>
-      </a:fillStyleLst>
-      <a:lnStyleLst>
-        <a:ln w="6350" cap="flat" cmpd="sng" algn="ctr">
-          <a:solidFill>
-            <a:schemeClr val="phClr"/>
-          </a:solidFill>
-          <a:prstDash val="solid"/>
-          <a:miter lim="800000"/>
-        </a:ln>
-        <a:ln w="12700" cap="flat" cmpd="sng" algn="ctr">
-          <a:solidFill>
-            <a:schemeClr val="phClr"/>
-          </a:solidFill>
-          <a:prstDash val="solid"/>
-          <a:miter lim="800000"/>
-        </a:ln>
-        <a:ln w="19050" cap="flat" cmpd="sng" algn="ctr">
-          <a:solidFill>
-            <a:schemeClr val="phClr"/>
-          </a:solidFill>
-          <a:prstDash val="solid"/>
-          <a:miter lim="800000"/>
-        </a:ln>
-      </a:lnStyleLst>
-      <a:effectStyleLst>
-        <a:effectStyle>
-          <a:effectLst/>
-        </a:effectStyle>
-        <a:effectStyle>
-          <a:effectLst/>
-        </a:effectStyle>
-        <a:effectStyle>
-          <a:effectLst>
-            <a:outerShdw blurRad="57150" dist="19050" dir="5400000" algn="ctr" rotWithShape="0">
-              <a:srgbClr val="000000">
-                <a:alpha val="63000"/>
-              </a:srgbClr>
-            </a:outerShdw>
-          </a:effectLst>
-        </a:effectStyle>
-      </a:effectStyleLst>
-      <a:bgFillStyleLst>
-        <a:solidFill>
-          <a:schemeClr val="phClr"/>
-        </a:solidFill>
-        <a:solidFill>
-          <a:schemeClr val="phClr">
-            <a:tint val="95000"/>
-            <a:satMod val="170000"/>
-          </a:schemeClr>
-        </a:solidFill>
-        <a:gradFill rotWithShape="1">
-          <a:gsLst>
-            <a:gs pos="0">
-              <a:schemeClr val="phClr">
-                <a:tint val="93000"/>
-                <a:satMod val="150000"/>
-                <a:shade val="98000"/>
-                <a:lumMod val="102000"/>
-              </a:schemeClr>
-            </a:gs>
-            <a:gs pos="50000">
-              <a:schemeClr val="phClr">
-                <a:tint val="98000"/>
-                <a:satMod val="130000"/>
-                <a:shade val="90000"/>
-                <a:lumMod val="103000"/>
-              </a:schemeClr>
-            </a:gs>
-            <a:gs pos="100000">
-              <a:schemeClr val="phClr">
-                <a:shade val="63000"/>
-                <a:satMod val="120000"/>
+                <a:shade val="92000"/>
+                <a:satMod val="140000"/>
+                <a:lumMod val="110000"/>
               </a:schemeClr>
             </a:gs>
           </a:gsLst>
@@ -15302,7 +18352,7 @@
   <a:extraClrSchemeLst/>
   <a:extLst>
     <a:ext uri="{05A4C25C-085E-4340-85A3-A5531E510DB2}">
-      <thm15:themeFamily xmlns:thm15="http://schemas.microsoft.com/office/thememl/2012/main" name="Office Theme" id="{62F939B6-93AF-4DB8-9C6B-D6C7DFDC589F}" vid="{4A3C46E8-61CC-4603-A589-7422A47A8E4A}"/>
+      <thm15:themeFamily xmlns:thm15="http://schemas.microsoft.com/office/thememl/2012/main" name="Droplet" id="{8984A317-299A-4E50-B45D-BFC9EDE2337A}" vid="{A633B6A3-9E7F-4C10-9C98-2517A3134361}"/>
     </a:ext>
   </a:extLst>
 </a:theme>
